--- a/Presentation/How to Make a Website.pptx
+++ b/Presentation/How to Make a Website.pptx
@@ -32,8 +32,16 @@
     <p:sldId id="283" r:id="rId26"/>
     <p:sldId id="284" r:id="rId27"/>
     <p:sldId id="260" r:id="rId28"/>
-    <p:sldId id="261" r:id="rId29"/>
-    <p:sldId id="262" r:id="rId30"/>
+    <p:sldId id="286" r:id="rId29"/>
+    <p:sldId id="287" r:id="rId30"/>
+    <p:sldId id="285" r:id="rId31"/>
+    <p:sldId id="288" r:id="rId32"/>
+    <p:sldId id="290" r:id="rId33"/>
+    <p:sldId id="289" r:id="rId34"/>
+    <p:sldId id="291" r:id="rId35"/>
+    <p:sldId id="292" r:id="rId36"/>
+    <p:sldId id="261" r:id="rId37"/>
+    <p:sldId id="262" r:id="rId38"/>
   </p:sldIdLst>
   <p:sldSz cx="12192000" cy="6858000"/>
   <p:notesSz cx="6858000" cy="9144000"/>
@@ -140,6 +148,11 @@
             <a:srgbClr val="A4A3A4"/>
           </p15:clr>
         </p15:guide>
+        <p15:guide id="2" orient="horz" pos="2160">
+          <p15:clr>
+            <a:srgbClr val="A4A3A4"/>
+          </p15:clr>
+        </p15:guide>
       </p15:sldGuideLst>
     </p:ext>
   </p:extLst>
@@ -277,7 +290,7 @@
           <a:p>
             <a:fld id="{DBDEA5D1-6F19-4A5A-9DF2-B6FEACA7AD16}" type="datetimeFigureOut">
               <a:rPr lang="en-US" smtClean="0"/>
-              <a:t>5/15/2015</a:t>
+              <a:t>5/20/2015</a:t>
             </a:fld>
             <a:endParaRPr lang="en-US"/>
           </a:p>
@@ -447,7 +460,7 @@
           <a:p>
             <a:fld id="{DBDEA5D1-6F19-4A5A-9DF2-B6FEACA7AD16}" type="datetimeFigureOut">
               <a:rPr lang="en-US" smtClean="0"/>
-              <a:t>5/15/2015</a:t>
+              <a:t>5/20/2015</a:t>
             </a:fld>
             <a:endParaRPr lang="en-US"/>
           </a:p>
@@ -627,7 +640,7 @@
           <a:p>
             <a:fld id="{DBDEA5D1-6F19-4A5A-9DF2-B6FEACA7AD16}" type="datetimeFigureOut">
               <a:rPr lang="en-US" smtClean="0"/>
-              <a:t>5/15/2015</a:t>
+              <a:t>5/20/2015</a:t>
             </a:fld>
             <a:endParaRPr lang="en-US"/>
           </a:p>
@@ -797,7 +810,7 @@
           <a:p>
             <a:fld id="{DBDEA5D1-6F19-4A5A-9DF2-B6FEACA7AD16}" type="datetimeFigureOut">
               <a:rPr lang="en-US" smtClean="0"/>
-              <a:t>5/15/2015</a:t>
+              <a:t>5/20/2015</a:t>
             </a:fld>
             <a:endParaRPr lang="en-US"/>
           </a:p>
@@ -1043,7 +1056,7 @@
           <a:p>
             <a:fld id="{DBDEA5D1-6F19-4A5A-9DF2-B6FEACA7AD16}" type="datetimeFigureOut">
               <a:rPr lang="en-US" smtClean="0"/>
-              <a:t>5/15/2015</a:t>
+              <a:t>5/20/2015</a:t>
             </a:fld>
             <a:endParaRPr lang="en-US"/>
           </a:p>
@@ -1275,7 +1288,7 @@
           <a:p>
             <a:fld id="{DBDEA5D1-6F19-4A5A-9DF2-B6FEACA7AD16}" type="datetimeFigureOut">
               <a:rPr lang="en-US" smtClean="0"/>
-              <a:t>5/15/2015</a:t>
+              <a:t>5/20/2015</a:t>
             </a:fld>
             <a:endParaRPr lang="en-US"/>
           </a:p>
@@ -1642,7 +1655,7 @@
           <a:p>
             <a:fld id="{DBDEA5D1-6F19-4A5A-9DF2-B6FEACA7AD16}" type="datetimeFigureOut">
               <a:rPr lang="en-US" smtClean="0"/>
-              <a:t>5/15/2015</a:t>
+              <a:t>5/20/2015</a:t>
             </a:fld>
             <a:endParaRPr lang="en-US"/>
           </a:p>
@@ -1760,7 +1773,7 @@
           <a:p>
             <a:fld id="{DBDEA5D1-6F19-4A5A-9DF2-B6FEACA7AD16}" type="datetimeFigureOut">
               <a:rPr lang="en-US" smtClean="0"/>
-              <a:t>5/15/2015</a:t>
+              <a:t>5/20/2015</a:t>
             </a:fld>
             <a:endParaRPr lang="en-US"/>
           </a:p>
@@ -1855,7 +1868,7 @@
           <a:p>
             <a:fld id="{DBDEA5D1-6F19-4A5A-9DF2-B6FEACA7AD16}" type="datetimeFigureOut">
               <a:rPr lang="en-US" smtClean="0"/>
-              <a:t>5/15/2015</a:t>
+              <a:t>5/20/2015</a:t>
             </a:fld>
             <a:endParaRPr lang="en-US"/>
           </a:p>
@@ -2132,7 +2145,7 @@
           <a:p>
             <a:fld id="{DBDEA5D1-6F19-4A5A-9DF2-B6FEACA7AD16}" type="datetimeFigureOut">
               <a:rPr lang="en-US" smtClean="0"/>
-              <a:t>5/15/2015</a:t>
+              <a:t>5/20/2015</a:t>
             </a:fld>
             <a:endParaRPr lang="en-US"/>
           </a:p>
@@ -2385,7 +2398,7 @@
           <a:p>
             <a:fld id="{DBDEA5D1-6F19-4A5A-9DF2-B6FEACA7AD16}" type="datetimeFigureOut">
               <a:rPr lang="en-US" smtClean="0"/>
-              <a:t>5/15/2015</a:t>
+              <a:t>5/20/2015</a:t>
             </a:fld>
             <a:endParaRPr lang="en-US"/>
           </a:p>
@@ -2598,7 +2611,7 @@
           <a:p>
             <a:fld id="{DBDEA5D1-6F19-4A5A-9DF2-B6FEACA7AD16}" type="datetimeFigureOut">
               <a:rPr lang="en-US" smtClean="0"/>
-              <a:t>5/15/2015</a:t>
+              <a:t>5/20/2015</a:t>
             </a:fld>
             <a:endParaRPr lang="en-US"/>
           </a:p>
@@ -9920,8 +9933,8 @@
         </p:nvSpPr>
         <p:spPr>
           <a:xfrm>
-            <a:off x="0" y="2667000"/>
-            <a:ext cx="12191999" cy="1186260"/>
+            <a:off x="0" y="2835870"/>
+            <a:ext cx="12192000" cy="1186260"/>
           </a:xfrm>
         </p:spPr>
         <p:txBody>
@@ -9931,15 +9944,33 @@
           <a:lstStyle/>
           <a:p>
             <a:r>
+              <a:rPr lang="en-US" sz="7200" dirty="0" smtClean="0">
+                <a:solidFill>
+                  <a:srgbClr val="FEFDDE"/>
+                </a:solidFill>
+                <a:latin typeface="Proxima Nova Rg" panose="02000506030000020004" pitchFamily="50" charset="0"/>
+              </a:rPr>
+              <a:t>WHAT IS </a:t>
+            </a:r>
+            <a:r>
               <a:rPr lang="en-US" sz="7200" b="1" dirty="0" smtClean="0">
                 <a:solidFill>
                   <a:srgbClr val="FEFDDE"/>
                 </a:solidFill>
                 <a:latin typeface="Proxima Nova Rg" panose="02000506030000020004" pitchFamily="50" charset="0"/>
               </a:rPr>
-              <a:t>BOOTSTRAP</a:t>
-            </a:r>
-            <a:endParaRPr lang="en-US" sz="7200" b="1" dirty="0">
+              <a:t>CSS3</a:t>
+            </a:r>
+            <a:r>
+              <a:rPr lang="en-US" sz="7200" dirty="0" smtClean="0">
+                <a:solidFill>
+                  <a:srgbClr val="FEFDDE"/>
+                </a:solidFill>
+                <a:latin typeface="Proxima Nova Rg" panose="02000506030000020004" pitchFamily="50" charset="0"/>
+              </a:rPr>
+              <a:t>?</a:t>
+            </a:r>
+            <a:endParaRPr lang="en-US" sz="7200" dirty="0">
               <a:solidFill>
                 <a:srgbClr val="FEFDDE"/>
               </a:solidFill>
@@ -9956,8 +9987,8 @@
         </p:nvSpPr>
         <p:spPr>
           <a:xfrm>
-            <a:off x="4644544" y="3853260"/>
-            <a:ext cx="2902911" cy="369332"/>
+            <a:off x="245097" y="424207"/>
+            <a:ext cx="2235997" cy="369332"/>
           </a:xfrm>
           <a:prstGeom prst="rect">
             <a:avLst/>
@@ -9979,7 +10010,7 @@
                 </a:solidFill>
                 <a:latin typeface="Proxima Nova Rg" panose="02000506030000020004" pitchFamily="50" charset="0"/>
               </a:rPr>
-              <a:t>DOING THIS EFFICIENTLY</a:t>
+              <a:t>HTML5: OVERVIEW</a:t>
             </a:r>
             <a:endParaRPr lang="en-US" b="1" dirty="0">
               <a:solidFill>
@@ -9992,10 +10023,54 @@
           </a:p>
         </p:txBody>
       </p:sp>
+      <p:sp>
+        <p:nvSpPr>
+          <p:cNvPr id="6" name="TextBox 5"/>
+          <p:cNvSpPr txBox="1"/>
+          <p:nvPr/>
+        </p:nvSpPr>
+        <p:spPr>
+          <a:xfrm>
+            <a:off x="8891046" y="424207"/>
+            <a:ext cx="3040704" cy="369332"/>
+          </a:xfrm>
+          <a:prstGeom prst="rect">
+            <a:avLst/>
+          </a:prstGeom>
+          <a:noFill/>
+        </p:spPr>
+        <p:txBody>
+          <a:bodyPr wrap="none" rtlCol="0">
+            <a:spAutoFit/>
+          </a:bodyPr>
+          <a:lstStyle/>
+          <a:p>
+            <a:r>
+              <a:rPr lang="en-US" b="1" dirty="0" smtClean="0">
+                <a:solidFill>
+                  <a:schemeClr val="bg1">
+                    <a:lumMod val="95000"/>
+                  </a:schemeClr>
+                </a:solidFill>
+                <a:latin typeface="Proxima Nova Rg" panose="02000506030000020004" pitchFamily="50" charset="0"/>
+              </a:rPr>
+              <a:t>HOW TO MAKE A WEBSITE</a:t>
+            </a:r>
+            <a:endParaRPr lang="en-US" b="1" dirty="0">
+              <a:solidFill>
+                <a:schemeClr val="bg1">
+                  <a:lumMod val="95000"/>
+                </a:schemeClr>
+              </a:solidFill>
+              <a:latin typeface="Proxima Nova Rg" panose="02000506030000020004" pitchFamily="50" charset="0"/>
+            </a:endParaRPr>
+          </a:p>
+        </p:txBody>
+      </p:sp>
     </p:spTree>
     <p:extLst>
       <p:ext uri="{BB962C8B-B14F-4D97-AF65-F5344CB8AC3E}">
-        <p14:creationId xmlns:p14="http://schemas.microsoft.com/office/powerpoint/2010/main" val="3680162299"/>
+        <p14:creationId xmlns:p14="http://schemas.microsoft.com/office/powerpoint/2010/main" val="1371655589"/>
       </p:ext>
     </p:extLst>
   </p:cSld>
@@ -10049,8 +10124,8 @@
         </p:nvSpPr>
         <p:spPr>
           <a:xfrm>
-            <a:off x="0" y="2667000"/>
-            <a:ext cx="12191999" cy="1186260"/>
+            <a:off x="471340" y="925036"/>
+            <a:ext cx="11460410" cy="1186260"/>
           </a:xfrm>
         </p:spPr>
         <p:txBody>
@@ -10059,6 +10134,16 @@
           </a:bodyPr>
           <a:lstStyle/>
           <a:p>
+            <a:pPr algn="l"/>
+            <a:r>
+              <a:rPr lang="en-US" sz="7200" dirty="0" smtClean="0">
+                <a:solidFill>
+                  <a:srgbClr val="FEFDDE"/>
+                </a:solidFill>
+                <a:latin typeface="Proxima Nova Rg" panose="02000506030000020004" pitchFamily="50" charset="0"/>
+              </a:rPr>
+              <a:t>WHAT IS </a:t>
+            </a:r>
             <a:r>
               <a:rPr lang="en-US" sz="7200" b="1" dirty="0" smtClean="0">
                 <a:solidFill>
@@ -10066,9 +10151,18 @@
                 </a:solidFill>
                 <a:latin typeface="Proxima Nova Rg" panose="02000506030000020004" pitchFamily="50" charset="0"/>
               </a:rPr>
-              <a:t>JAVASCRIPT</a:t>
-            </a:r>
-            <a:endParaRPr lang="en-US" sz="7200" b="1" dirty="0">
+              <a:t>CSS3</a:t>
+            </a:r>
+            <a:r>
+              <a:rPr lang="en-US" sz="7200" dirty="0" smtClean="0">
+                <a:solidFill>
+                  <a:srgbClr val="FEFDDE"/>
+                </a:solidFill>
+                <a:latin typeface="Proxima Nova Rg" panose="02000506030000020004" pitchFamily="50" charset="0"/>
+              </a:rPr>
+              <a:t>?</a:t>
+            </a:r>
+            <a:endParaRPr lang="en-US" sz="7200" dirty="0">
               <a:solidFill>
                 <a:srgbClr val="FEFDDE"/>
               </a:solidFill>
@@ -10085,8 +10179,8 @@
         </p:nvSpPr>
         <p:spPr>
           <a:xfrm>
-            <a:off x="4559970" y="3853260"/>
-            <a:ext cx="3072059" cy="369332"/>
+            <a:off x="245097" y="424207"/>
+            <a:ext cx="2235997" cy="369332"/>
           </a:xfrm>
           <a:prstGeom prst="rect">
             <a:avLst/>
@@ -10108,7 +10202,7 @@
                 </a:solidFill>
                 <a:latin typeface="Proxima Nova Rg" panose="02000506030000020004" pitchFamily="50" charset="0"/>
               </a:rPr>
-              <a:t>MAKE YOUR WEBSITE FUN</a:t>
+              <a:t>HTML5: OVERVIEW</a:t>
             </a:r>
             <a:endParaRPr lang="en-US" b="1" dirty="0">
               <a:solidFill>
@@ -10121,10 +10215,270 @@
           </a:p>
         </p:txBody>
       </p:sp>
+      <p:sp>
+        <p:nvSpPr>
+          <p:cNvPr id="6" name="TextBox 5"/>
+          <p:cNvSpPr txBox="1"/>
+          <p:nvPr/>
+        </p:nvSpPr>
+        <p:spPr>
+          <a:xfrm>
+            <a:off x="8891046" y="424207"/>
+            <a:ext cx="3040704" cy="369332"/>
+          </a:xfrm>
+          <a:prstGeom prst="rect">
+            <a:avLst/>
+          </a:prstGeom>
+          <a:noFill/>
+        </p:spPr>
+        <p:txBody>
+          <a:bodyPr wrap="none" rtlCol="0">
+            <a:spAutoFit/>
+          </a:bodyPr>
+          <a:lstStyle/>
+          <a:p>
+            <a:r>
+              <a:rPr lang="en-US" b="1" dirty="0" smtClean="0">
+                <a:solidFill>
+                  <a:schemeClr val="bg1">
+                    <a:lumMod val="95000"/>
+                  </a:schemeClr>
+                </a:solidFill>
+                <a:latin typeface="Proxima Nova Rg" panose="02000506030000020004" pitchFamily="50" charset="0"/>
+              </a:rPr>
+              <a:t>HOW TO MAKE A WEBSITE</a:t>
+            </a:r>
+            <a:endParaRPr lang="en-US" b="1" dirty="0">
+              <a:solidFill>
+                <a:schemeClr val="bg1">
+                  <a:lumMod val="95000"/>
+                </a:schemeClr>
+              </a:solidFill>
+              <a:latin typeface="Proxima Nova Rg" panose="02000506030000020004" pitchFamily="50" charset="0"/>
+            </a:endParaRPr>
+          </a:p>
+        </p:txBody>
+      </p:sp>
+      <p:sp>
+        <p:nvSpPr>
+          <p:cNvPr id="7" name="Title 1"/>
+          <p:cNvSpPr txBox="1">
+            <a:spLocks/>
+          </p:cNvSpPr>
+          <p:nvPr/>
+        </p:nvSpPr>
+        <p:spPr>
+          <a:xfrm>
+            <a:off x="471340" y="2535023"/>
+            <a:ext cx="11460410" cy="580641"/>
+          </a:xfrm>
+          <a:prstGeom prst="rect">
+            <a:avLst/>
+          </a:prstGeom>
+        </p:spPr>
+        <p:txBody>
+          <a:bodyPr vert="horz" lIns="91440" tIns="45720" rIns="91440" bIns="45720" rtlCol="0" anchor="b">
+            <a:noAutofit/>
+          </a:bodyPr>
+          <a:lstStyle>
+            <a:lvl1pPr algn="ctr" defTabSz="914400" rtl="0" eaLnBrk="1" latinLnBrk="0" hangingPunct="1">
+              <a:lnSpc>
+                <a:spcPct val="90000"/>
+              </a:lnSpc>
+              <a:spcBef>
+                <a:spcPct val="0"/>
+              </a:spcBef>
+              <a:buNone/>
+              <a:defRPr sz="6000" kern="1200">
+                <a:solidFill>
+                  <a:schemeClr val="tx1"/>
+                </a:solidFill>
+                <a:latin typeface="+mj-lt"/>
+                <a:ea typeface="+mj-ea"/>
+                <a:cs typeface="+mj-cs"/>
+              </a:defRPr>
+            </a:lvl1pPr>
+          </a:lstStyle>
+          <a:p>
+            <a:pPr algn="l"/>
+            <a:r>
+              <a:rPr lang="en-US" sz="3600" dirty="0" smtClean="0">
+                <a:solidFill>
+                  <a:srgbClr val="FEFDDE"/>
+                </a:solidFill>
+                <a:latin typeface="Proxima Nova Rg" panose="02000506030000020004" pitchFamily="50" charset="0"/>
+              </a:rPr>
+              <a:t>It’s like makeup for your HTML</a:t>
+            </a:r>
+            <a:endParaRPr lang="en-US" sz="3600" b="1" dirty="0">
+              <a:solidFill>
+                <a:srgbClr val="FEFDDE"/>
+              </a:solidFill>
+              <a:latin typeface="Proxima Nova Rg" panose="02000506030000020004" pitchFamily="50" charset="0"/>
+            </a:endParaRPr>
+          </a:p>
+        </p:txBody>
+      </p:sp>
+      <p:sp>
+        <p:nvSpPr>
+          <p:cNvPr id="8" name="Title 1"/>
+          <p:cNvSpPr txBox="1">
+            <a:spLocks/>
+          </p:cNvSpPr>
+          <p:nvPr/>
+        </p:nvSpPr>
+        <p:spPr>
+          <a:xfrm>
+            <a:off x="471340" y="3256591"/>
+            <a:ext cx="11460410" cy="580641"/>
+          </a:xfrm>
+          <a:prstGeom prst="rect">
+            <a:avLst/>
+          </a:prstGeom>
+        </p:spPr>
+        <p:txBody>
+          <a:bodyPr vert="horz" lIns="91440" tIns="45720" rIns="91440" bIns="45720" rtlCol="0" anchor="b">
+            <a:noAutofit/>
+          </a:bodyPr>
+          <a:lstStyle>
+            <a:lvl1pPr algn="ctr" defTabSz="914400" rtl="0" eaLnBrk="1" latinLnBrk="0" hangingPunct="1">
+              <a:lnSpc>
+                <a:spcPct val="90000"/>
+              </a:lnSpc>
+              <a:spcBef>
+                <a:spcPct val="0"/>
+              </a:spcBef>
+              <a:buNone/>
+              <a:defRPr sz="6000" kern="1200">
+                <a:solidFill>
+                  <a:schemeClr val="tx1"/>
+                </a:solidFill>
+                <a:latin typeface="+mj-lt"/>
+                <a:ea typeface="+mj-ea"/>
+                <a:cs typeface="+mj-cs"/>
+              </a:defRPr>
+            </a:lvl1pPr>
+          </a:lstStyle>
+          <a:p>
+            <a:pPr algn="l"/>
+            <a:r>
+              <a:rPr lang="en-US" sz="3600" u="sng" dirty="0" smtClean="0">
+                <a:solidFill>
+                  <a:srgbClr val="FEFDDE"/>
+                </a:solidFill>
+                <a:latin typeface="Proxima Nova Rg" panose="02000506030000020004" pitchFamily="50" charset="0"/>
+              </a:rPr>
+              <a:t>Very</a:t>
+            </a:r>
+            <a:r>
+              <a:rPr lang="en-US" sz="3600" dirty="0" smtClean="0">
+                <a:solidFill>
+                  <a:srgbClr val="FEFDDE"/>
+                </a:solidFill>
+                <a:latin typeface="Proxima Nova Rg" panose="02000506030000020004" pitchFamily="50" charset="0"/>
+              </a:rPr>
+              <a:t> commonly used to build websites</a:t>
+            </a:r>
+            <a:endParaRPr lang="en-US" sz="3600" u="sng" dirty="0">
+              <a:solidFill>
+                <a:srgbClr val="FEFDDE"/>
+              </a:solidFill>
+              <a:latin typeface="Proxima Nova Rg" panose="02000506030000020004" pitchFamily="50" charset="0"/>
+            </a:endParaRPr>
+          </a:p>
+        </p:txBody>
+      </p:sp>
+      <p:sp>
+        <p:nvSpPr>
+          <p:cNvPr id="9" name="Title 1"/>
+          <p:cNvSpPr txBox="1">
+            <a:spLocks/>
+          </p:cNvSpPr>
+          <p:nvPr/>
+        </p:nvSpPr>
+        <p:spPr>
+          <a:xfrm>
+            <a:off x="471340" y="3978159"/>
+            <a:ext cx="11460410" cy="580641"/>
+          </a:xfrm>
+          <a:prstGeom prst="rect">
+            <a:avLst/>
+          </a:prstGeom>
+        </p:spPr>
+        <p:txBody>
+          <a:bodyPr vert="horz" lIns="91440" tIns="45720" rIns="91440" bIns="45720" rtlCol="0" anchor="b">
+            <a:noAutofit/>
+          </a:bodyPr>
+          <a:lstStyle>
+            <a:lvl1pPr algn="ctr" defTabSz="914400" rtl="0" eaLnBrk="1" latinLnBrk="0" hangingPunct="1">
+              <a:lnSpc>
+                <a:spcPct val="90000"/>
+              </a:lnSpc>
+              <a:spcBef>
+                <a:spcPct val="0"/>
+              </a:spcBef>
+              <a:buNone/>
+              <a:defRPr sz="6000" kern="1200">
+                <a:solidFill>
+                  <a:schemeClr val="tx1"/>
+                </a:solidFill>
+                <a:latin typeface="+mj-lt"/>
+                <a:ea typeface="+mj-ea"/>
+                <a:cs typeface="+mj-cs"/>
+              </a:defRPr>
+            </a:lvl1pPr>
+          </a:lstStyle>
+          <a:p>
+            <a:pPr algn="l"/>
+            <a:r>
+              <a:rPr lang="en-US" sz="3600" dirty="0" smtClean="0">
+                <a:solidFill>
+                  <a:srgbClr val="FEFDDE"/>
+                </a:solidFill>
+                <a:latin typeface="Proxima Nova Rg" panose="02000506030000020004" pitchFamily="50" charset="0"/>
+              </a:rPr>
+              <a:t>Consisted of </a:t>
+            </a:r>
+            <a:r>
+              <a:rPr lang="en-US" sz="3600" b="1" dirty="0" smtClean="0">
+                <a:solidFill>
+                  <a:srgbClr val="FEFDDE"/>
+                </a:solidFill>
+                <a:latin typeface="Proxima Nova Rg" panose="02000506030000020004" pitchFamily="50" charset="0"/>
+              </a:rPr>
+              <a:t>properties </a:t>
+            </a:r>
+            <a:r>
+              <a:rPr lang="en-US" sz="3600" dirty="0" smtClean="0">
+                <a:solidFill>
+                  <a:srgbClr val="FEFDDE"/>
+                </a:solidFill>
+                <a:latin typeface="Proxima Nova Rg" panose="02000506030000020004" pitchFamily="50" charset="0"/>
+              </a:rPr>
+              <a:t>and</a:t>
+            </a:r>
+            <a:r>
+              <a:rPr lang="en-US" sz="3600" b="1" dirty="0" smtClean="0">
+                <a:solidFill>
+                  <a:srgbClr val="FEFDDE"/>
+                </a:solidFill>
+                <a:latin typeface="Proxima Nova Rg" panose="02000506030000020004" pitchFamily="50" charset="0"/>
+              </a:rPr>
+              <a:t> attributes</a:t>
+            </a:r>
+            <a:endParaRPr lang="en-US" sz="3600" dirty="0">
+              <a:solidFill>
+                <a:srgbClr val="FEFDDE"/>
+              </a:solidFill>
+              <a:latin typeface="Proxima Nova Rg" panose="02000506030000020004" pitchFamily="50" charset="0"/>
+            </a:endParaRPr>
+          </a:p>
+        </p:txBody>
+      </p:sp>
     </p:spTree>
     <p:extLst>
       <p:ext uri="{BB962C8B-B14F-4D97-AF65-F5344CB8AC3E}">
-        <p14:creationId xmlns:p14="http://schemas.microsoft.com/office/powerpoint/2010/main" val="3109147248"/>
+        <p14:creationId xmlns:p14="http://schemas.microsoft.com/office/powerpoint/2010/main" val="1872337468"/>
       </p:ext>
     </p:extLst>
   </p:cSld>
@@ -10377,6 +10731,2934 @@
     <p:extLst>
       <p:ext uri="{BB962C8B-B14F-4D97-AF65-F5344CB8AC3E}">
         <p14:creationId xmlns:p14="http://schemas.microsoft.com/office/powerpoint/2010/main" val="3122332968"/>
+      </p:ext>
+    </p:extLst>
+  </p:cSld>
+  <p:clrMapOvr>
+    <a:masterClrMapping/>
+  </p:clrMapOvr>
+  <p:timing>
+    <p:tnLst>
+      <p:par>
+        <p:cTn id="1" dur="indefinite" restart="never" nodeType="tmRoot"/>
+      </p:par>
+    </p:tnLst>
+  </p:timing>
+</p:sld>
+</file>
+
+<file path=ppt/slides/slide30.xml><?xml version="1.0" encoding="utf-8"?>
+<p:sld xmlns:a="http://schemas.openxmlformats.org/drawingml/2006/main" xmlns:r="http://schemas.openxmlformats.org/officeDocument/2006/relationships" xmlns:p="http://schemas.openxmlformats.org/presentationml/2006/main">
+  <p:cSld>
+    <p:bg>
+      <p:bgPr>
+        <a:solidFill>
+          <a:srgbClr val="19B5FE"/>
+        </a:solidFill>
+        <a:effectLst/>
+      </p:bgPr>
+    </p:bg>
+    <p:spTree>
+      <p:nvGrpSpPr>
+        <p:cNvPr id="1" name=""/>
+        <p:cNvGrpSpPr/>
+        <p:nvPr/>
+      </p:nvGrpSpPr>
+      <p:grpSpPr>
+        <a:xfrm>
+          <a:off x="0" y="0"/>
+          <a:ext cx="0" cy="0"/>
+          <a:chOff x="0" y="0"/>
+          <a:chExt cx="0" cy="0"/>
+        </a:xfrm>
+      </p:grpSpPr>
+      <p:sp>
+        <p:nvSpPr>
+          <p:cNvPr id="2" name="Title 1"/>
+          <p:cNvSpPr>
+            <a:spLocks noGrp="1"/>
+          </p:cNvSpPr>
+          <p:nvPr>
+            <p:ph type="ctrTitle"/>
+          </p:nvPr>
+        </p:nvSpPr>
+        <p:spPr>
+          <a:xfrm>
+            <a:off x="0" y="2667000"/>
+            <a:ext cx="12191999" cy="1186260"/>
+          </a:xfrm>
+        </p:spPr>
+        <p:txBody>
+          <a:bodyPr>
+            <a:noAutofit/>
+          </a:bodyPr>
+          <a:lstStyle/>
+          <a:p>
+            <a:r>
+              <a:rPr lang="en-US" sz="7200" b="1" dirty="0" smtClean="0">
+                <a:solidFill>
+                  <a:srgbClr val="FEFDDE"/>
+                </a:solidFill>
+                <a:latin typeface="Proxima Nova Rg" panose="02000506030000020004" pitchFamily="50" charset="0"/>
+              </a:rPr>
+              <a:t>CSS3: SYNTAX</a:t>
+            </a:r>
+            <a:endParaRPr lang="en-US" sz="7200" b="1" dirty="0">
+              <a:solidFill>
+                <a:srgbClr val="FEFDDE"/>
+              </a:solidFill>
+              <a:latin typeface="Proxima Nova Rg" panose="02000506030000020004" pitchFamily="50" charset="0"/>
+            </a:endParaRPr>
+          </a:p>
+        </p:txBody>
+      </p:sp>
+      <p:sp>
+        <p:nvSpPr>
+          <p:cNvPr id="3" name="TextBox 2"/>
+          <p:cNvSpPr txBox="1"/>
+          <p:nvPr/>
+        </p:nvSpPr>
+        <p:spPr>
+          <a:xfrm>
+            <a:off x="3136631" y="3853260"/>
+            <a:ext cx="5196038" cy="369332"/>
+          </a:xfrm>
+          <a:prstGeom prst="rect">
+            <a:avLst/>
+          </a:prstGeom>
+          <a:noFill/>
+        </p:spPr>
+        <p:txBody>
+          <a:bodyPr wrap="none" rtlCol="0">
+            <a:spAutoFit/>
+          </a:bodyPr>
+          <a:lstStyle/>
+          <a:p>
+            <a:r>
+              <a:rPr lang="en-US" b="1" dirty="0" smtClean="0">
+                <a:solidFill>
+                  <a:schemeClr val="bg1">
+                    <a:lumMod val="95000"/>
+                  </a:schemeClr>
+                </a:solidFill>
+                <a:latin typeface="Proxima Nova Rg" panose="02000506030000020004" pitchFamily="50" charset="0"/>
+              </a:rPr>
+              <a:t>FILLER TEXT RIGHT HERE THIS FONT IS BEAUT</a:t>
+            </a:r>
+            <a:endParaRPr lang="en-US" b="1" dirty="0">
+              <a:solidFill>
+                <a:schemeClr val="bg1">
+                  <a:lumMod val="95000"/>
+                </a:schemeClr>
+              </a:solidFill>
+              <a:latin typeface="Proxima Nova Rg" panose="02000506030000020004" pitchFamily="50" charset="0"/>
+            </a:endParaRPr>
+          </a:p>
+        </p:txBody>
+      </p:sp>
+    </p:spTree>
+    <p:extLst>
+      <p:ext uri="{BB962C8B-B14F-4D97-AF65-F5344CB8AC3E}">
+        <p14:creationId xmlns:p14="http://schemas.microsoft.com/office/powerpoint/2010/main" val="454181942"/>
+      </p:ext>
+    </p:extLst>
+  </p:cSld>
+  <p:clrMapOvr>
+    <a:masterClrMapping/>
+  </p:clrMapOvr>
+  <p:timing>
+    <p:tnLst>
+      <p:par>
+        <p:cTn id="1" dur="indefinite" restart="never" nodeType="tmRoot"/>
+      </p:par>
+    </p:tnLst>
+  </p:timing>
+</p:sld>
+</file>
+
+<file path=ppt/slides/slide31.xml><?xml version="1.0" encoding="utf-8"?>
+<p:sld xmlns:a="http://schemas.openxmlformats.org/drawingml/2006/main" xmlns:r="http://schemas.openxmlformats.org/officeDocument/2006/relationships" xmlns:p="http://schemas.openxmlformats.org/presentationml/2006/main">
+  <p:cSld>
+    <p:bg>
+      <p:bgPr>
+        <a:solidFill>
+          <a:srgbClr val="19B5FE"/>
+        </a:solidFill>
+        <a:effectLst/>
+      </p:bgPr>
+    </p:bg>
+    <p:spTree>
+      <p:nvGrpSpPr>
+        <p:cNvPr id="1" name=""/>
+        <p:cNvGrpSpPr/>
+        <p:nvPr/>
+      </p:nvGrpSpPr>
+      <p:grpSpPr>
+        <a:xfrm>
+          <a:off x="0" y="0"/>
+          <a:ext cx="0" cy="0"/>
+          <a:chOff x="0" y="0"/>
+          <a:chExt cx="0" cy="0"/>
+        </a:xfrm>
+      </p:grpSpPr>
+      <p:sp>
+        <p:nvSpPr>
+          <p:cNvPr id="2" name="Title 1"/>
+          <p:cNvSpPr>
+            <a:spLocks noGrp="1"/>
+          </p:cNvSpPr>
+          <p:nvPr>
+            <p:ph type="ctrTitle"/>
+          </p:nvPr>
+        </p:nvSpPr>
+        <p:spPr>
+          <a:xfrm>
+            <a:off x="471340" y="925036"/>
+            <a:ext cx="11460410" cy="1186260"/>
+          </a:xfrm>
+        </p:spPr>
+        <p:txBody>
+          <a:bodyPr>
+            <a:noAutofit/>
+          </a:bodyPr>
+          <a:lstStyle/>
+          <a:p>
+            <a:pPr algn="l"/>
+            <a:r>
+              <a:rPr lang="en-US" sz="7200" b="1" dirty="0" smtClean="0">
+                <a:solidFill>
+                  <a:srgbClr val="FEFDDE"/>
+                </a:solidFill>
+                <a:latin typeface="Proxima Nova Rg" panose="02000506030000020004" pitchFamily="50" charset="0"/>
+              </a:rPr>
+              <a:t>SYNTAX</a:t>
+            </a:r>
+            <a:endParaRPr lang="en-US" sz="7200" dirty="0">
+              <a:solidFill>
+                <a:srgbClr val="FEFDDE"/>
+              </a:solidFill>
+              <a:latin typeface="Proxima Nova Rg" panose="02000506030000020004" pitchFamily="50" charset="0"/>
+            </a:endParaRPr>
+          </a:p>
+        </p:txBody>
+      </p:sp>
+      <p:sp>
+        <p:nvSpPr>
+          <p:cNvPr id="3" name="TextBox 2"/>
+          <p:cNvSpPr txBox="1"/>
+          <p:nvPr/>
+        </p:nvSpPr>
+        <p:spPr>
+          <a:xfrm>
+            <a:off x="245097" y="424207"/>
+            <a:ext cx="1754583" cy="369332"/>
+          </a:xfrm>
+          <a:prstGeom prst="rect">
+            <a:avLst/>
+          </a:prstGeom>
+          <a:noFill/>
+        </p:spPr>
+        <p:txBody>
+          <a:bodyPr wrap="none" rtlCol="0">
+            <a:spAutoFit/>
+          </a:bodyPr>
+          <a:lstStyle/>
+          <a:p>
+            <a:r>
+              <a:rPr lang="en-US" b="1" dirty="0" smtClean="0">
+                <a:solidFill>
+                  <a:schemeClr val="bg1">
+                    <a:lumMod val="95000"/>
+                  </a:schemeClr>
+                </a:solidFill>
+                <a:latin typeface="Proxima Nova Rg" panose="02000506030000020004" pitchFamily="50" charset="0"/>
+              </a:rPr>
+              <a:t>CSS3: SYNTAX</a:t>
+            </a:r>
+            <a:endParaRPr lang="en-US" b="1" dirty="0">
+              <a:solidFill>
+                <a:schemeClr val="bg1">
+                  <a:lumMod val="95000"/>
+                </a:schemeClr>
+              </a:solidFill>
+              <a:latin typeface="Proxima Nova Rg" panose="02000506030000020004" pitchFamily="50" charset="0"/>
+            </a:endParaRPr>
+          </a:p>
+        </p:txBody>
+      </p:sp>
+      <p:sp>
+        <p:nvSpPr>
+          <p:cNvPr id="6" name="TextBox 5"/>
+          <p:cNvSpPr txBox="1"/>
+          <p:nvPr/>
+        </p:nvSpPr>
+        <p:spPr>
+          <a:xfrm>
+            <a:off x="8891046" y="424207"/>
+            <a:ext cx="3040704" cy="369332"/>
+          </a:xfrm>
+          <a:prstGeom prst="rect">
+            <a:avLst/>
+          </a:prstGeom>
+          <a:noFill/>
+        </p:spPr>
+        <p:txBody>
+          <a:bodyPr wrap="none" rtlCol="0">
+            <a:spAutoFit/>
+          </a:bodyPr>
+          <a:lstStyle/>
+          <a:p>
+            <a:r>
+              <a:rPr lang="en-US" b="1" dirty="0" smtClean="0">
+                <a:solidFill>
+                  <a:schemeClr val="bg1">
+                    <a:lumMod val="95000"/>
+                  </a:schemeClr>
+                </a:solidFill>
+                <a:latin typeface="Proxima Nova Rg" panose="02000506030000020004" pitchFamily="50" charset="0"/>
+              </a:rPr>
+              <a:t>HOW TO MAKE A WEBSITE</a:t>
+            </a:r>
+            <a:endParaRPr lang="en-US" b="1" dirty="0">
+              <a:solidFill>
+                <a:schemeClr val="bg1">
+                  <a:lumMod val="95000"/>
+                </a:schemeClr>
+              </a:solidFill>
+              <a:latin typeface="Proxima Nova Rg" panose="02000506030000020004" pitchFamily="50" charset="0"/>
+            </a:endParaRPr>
+          </a:p>
+        </p:txBody>
+      </p:sp>
+      <p:sp>
+        <p:nvSpPr>
+          <p:cNvPr id="7" name="Title 1"/>
+          <p:cNvSpPr txBox="1">
+            <a:spLocks/>
+          </p:cNvSpPr>
+          <p:nvPr/>
+        </p:nvSpPr>
+        <p:spPr>
+          <a:xfrm>
+            <a:off x="471340" y="2535023"/>
+            <a:ext cx="11460410" cy="580641"/>
+          </a:xfrm>
+          <a:prstGeom prst="rect">
+            <a:avLst/>
+          </a:prstGeom>
+        </p:spPr>
+        <p:txBody>
+          <a:bodyPr vert="horz" lIns="91440" tIns="45720" rIns="91440" bIns="45720" rtlCol="0" anchor="b">
+            <a:noAutofit/>
+          </a:bodyPr>
+          <a:lstStyle>
+            <a:lvl1pPr algn="ctr" defTabSz="914400" rtl="0" eaLnBrk="1" latinLnBrk="0" hangingPunct="1">
+              <a:lnSpc>
+                <a:spcPct val="90000"/>
+              </a:lnSpc>
+              <a:spcBef>
+                <a:spcPct val="0"/>
+              </a:spcBef>
+              <a:buNone/>
+              <a:defRPr sz="6000" kern="1200">
+                <a:solidFill>
+                  <a:schemeClr val="tx1"/>
+                </a:solidFill>
+                <a:latin typeface="+mj-lt"/>
+                <a:ea typeface="+mj-ea"/>
+                <a:cs typeface="+mj-cs"/>
+              </a:defRPr>
+            </a:lvl1pPr>
+          </a:lstStyle>
+          <a:p>
+            <a:pPr algn="l"/>
+            <a:r>
+              <a:rPr lang="en-US" sz="3600" b="1" dirty="0" smtClean="0">
+                <a:solidFill>
+                  <a:srgbClr val="FEFDDE"/>
+                </a:solidFill>
+                <a:latin typeface="Proxima Nova Rg" panose="02000506030000020004" pitchFamily="50" charset="0"/>
+              </a:rPr>
+              <a:t>Target: </a:t>
+            </a:r>
+            <a:r>
+              <a:rPr lang="en-US" sz="3600" dirty="0" smtClean="0">
+                <a:solidFill>
+                  <a:srgbClr val="FEFDDE"/>
+                </a:solidFill>
+                <a:latin typeface="Proxima Nova Rg" panose="02000506030000020004" pitchFamily="50" charset="0"/>
+              </a:rPr>
+              <a:t>element, class, id</a:t>
+            </a:r>
+            <a:endParaRPr lang="en-US" sz="3600" dirty="0">
+              <a:solidFill>
+                <a:srgbClr val="FEFDDE"/>
+              </a:solidFill>
+              <a:latin typeface="Proxima Nova Rg" panose="02000506030000020004" pitchFamily="50" charset="0"/>
+            </a:endParaRPr>
+          </a:p>
+        </p:txBody>
+      </p:sp>
+      <p:sp>
+        <p:nvSpPr>
+          <p:cNvPr id="8" name="Title 1"/>
+          <p:cNvSpPr txBox="1">
+            <a:spLocks/>
+          </p:cNvSpPr>
+          <p:nvPr/>
+        </p:nvSpPr>
+        <p:spPr>
+          <a:xfrm>
+            <a:off x="471340" y="3256591"/>
+            <a:ext cx="11460410" cy="580641"/>
+          </a:xfrm>
+          <a:prstGeom prst="rect">
+            <a:avLst/>
+          </a:prstGeom>
+        </p:spPr>
+        <p:txBody>
+          <a:bodyPr vert="horz" lIns="91440" tIns="45720" rIns="91440" bIns="45720" rtlCol="0" anchor="b">
+            <a:noAutofit/>
+          </a:bodyPr>
+          <a:lstStyle>
+            <a:lvl1pPr algn="ctr" defTabSz="914400" rtl="0" eaLnBrk="1" latinLnBrk="0" hangingPunct="1">
+              <a:lnSpc>
+                <a:spcPct val="90000"/>
+              </a:lnSpc>
+              <a:spcBef>
+                <a:spcPct val="0"/>
+              </a:spcBef>
+              <a:buNone/>
+              <a:defRPr sz="6000" kern="1200">
+                <a:solidFill>
+                  <a:schemeClr val="tx1"/>
+                </a:solidFill>
+                <a:latin typeface="+mj-lt"/>
+                <a:ea typeface="+mj-ea"/>
+                <a:cs typeface="+mj-cs"/>
+              </a:defRPr>
+            </a:lvl1pPr>
+          </a:lstStyle>
+          <a:p>
+            <a:pPr algn="l"/>
+            <a:r>
+              <a:rPr lang="en-US" sz="3600" dirty="0" smtClean="0">
+                <a:solidFill>
+                  <a:srgbClr val="FEFDDE"/>
+                </a:solidFill>
+                <a:latin typeface="Proxima Nova Rg" panose="02000506030000020004" pitchFamily="50" charset="0"/>
+              </a:rPr>
+              <a:t>Consisted of </a:t>
+            </a:r>
+            <a:r>
+              <a:rPr lang="en-US" sz="3600" b="1" dirty="0" smtClean="0">
+                <a:solidFill>
+                  <a:srgbClr val="FEFDDE"/>
+                </a:solidFill>
+                <a:latin typeface="Proxima Nova Rg" panose="02000506030000020004" pitchFamily="50" charset="0"/>
+              </a:rPr>
+              <a:t>properties </a:t>
+            </a:r>
+            <a:r>
+              <a:rPr lang="en-US" sz="3600" dirty="0" smtClean="0">
+                <a:solidFill>
+                  <a:srgbClr val="FEFDDE"/>
+                </a:solidFill>
+                <a:latin typeface="Proxima Nova Rg" panose="02000506030000020004" pitchFamily="50" charset="0"/>
+              </a:rPr>
+              <a:t>and</a:t>
+            </a:r>
+            <a:r>
+              <a:rPr lang="en-US" sz="3600" b="1" dirty="0" smtClean="0">
+                <a:solidFill>
+                  <a:srgbClr val="FEFDDE"/>
+                </a:solidFill>
+                <a:latin typeface="Proxima Nova Rg" panose="02000506030000020004" pitchFamily="50" charset="0"/>
+              </a:rPr>
+              <a:t> attributes</a:t>
+            </a:r>
+            <a:endParaRPr lang="en-US" sz="3600" dirty="0">
+              <a:solidFill>
+                <a:srgbClr val="FEFDDE"/>
+              </a:solidFill>
+              <a:latin typeface="Proxima Nova Rg" panose="02000506030000020004" pitchFamily="50" charset="0"/>
+            </a:endParaRPr>
+          </a:p>
+        </p:txBody>
+      </p:sp>
+      <p:sp>
+        <p:nvSpPr>
+          <p:cNvPr id="9" name="Title 1"/>
+          <p:cNvSpPr txBox="1">
+            <a:spLocks/>
+          </p:cNvSpPr>
+          <p:nvPr/>
+        </p:nvSpPr>
+        <p:spPr>
+          <a:xfrm>
+            <a:off x="471340" y="3978159"/>
+            <a:ext cx="11460410" cy="580641"/>
+          </a:xfrm>
+          <a:prstGeom prst="rect">
+            <a:avLst/>
+          </a:prstGeom>
+        </p:spPr>
+        <p:txBody>
+          <a:bodyPr vert="horz" lIns="91440" tIns="45720" rIns="91440" bIns="45720" rtlCol="0" anchor="b">
+            <a:noAutofit/>
+          </a:bodyPr>
+          <a:lstStyle>
+            <a:lvl1pPr algn="ctr" defTabSz="914400" rtl="0" eaLnBrk="1" latinLnBrk="0" hangingPunct="1">
+              <a:lnSpc>
+                <a:spcPct val="90000"/>
+              </a:lnSpc>
+              <a:spcBef>
+                <a:spcPct val="0"/>
+              </a:spcBef>
+              <a:buNone/>
+              <a:defRPr sz="6000" kern="1200">
+                <a:solidFill>
+                  <a:schemeClr val="tx1"/>
+                </a:solidFill>
+                <a:latin typeface="+mj-lt"/>
+                <a:ea typeface="+mj-ea"/>
+                <a:cs typeface="+mj-cs"/>
+              </a:defRPr>
+            </a:lvl1pPr>
+          </a:lstStyle>
+          <a:p>
+            <a:pPr algn="l"/>
+            <a:endParaRPr lang="en-US" sz="3600" dirty="0">
+              <a:solidFill>
+                <a:srgbClr val="FEFDDE"/>
+              </a:solidFill>
+              <a:latin typeface="Proxima Nova Rg" panose="02000506030000020004" pitchFamily="50" charset="0"/>
+            </a:endParaRPr>
+          </a:p>
+        </p:txBody>
+      </p:sp>
+      <p:sp>
+        <p:nvSpPr>
+          <p:cNvPr id="10" name="Title 1"/>
+          <p:cNvSpPr txBox="1">
+            <a:spLocks/>
+          </p:cNvSpPr>
+          <p:nvPr/>
+        </p:nvSpPr>
+        <p:spPr>
+          <a:xfrm>
+            <a:off x="471340" y="3978158"/>
+            <a:ext cx="11460410" cy="1593083"/>
+          </a:xfrm>
+          <a:prstGeom prst="rect">
+            <a:avLst/>
+          </a:prstGeom>
+        </p:spPr>
+        <p:txBody>
+          <a:bodyPr vert="horz" lIns="91440" tIns="45720" rIns="91440" bIns="45720" rtlCol="0" anchor="b">
+            <a:noAutofit/>
+          </a:bodyPr>
+          <a:lstStyle>
+            <a:lvl1pPr algn="ctr" defTabSz="914400" rtl="0" eaLnBrk="1" latinLnBrk="0" hangingPunct="1">
+              <a:lnSpc>
+                <a:spcPct val="90000"/>
+              </a:lnSpc>
+              <a:spcBef>
+                <a:spcPct val="0"/>
+              </a:spcBef>
+              <a:buNone/>
+              <a:defRPr sz="6000" kern="1200">
+                <a:solidFill>
+                  <a:schemeClr val="tx1"/>
+                </a:solidFill>
+                <a:latin typeface="+mj-lt"/>
+                <a:ea typeface="+mj-ea"/>
+                <a:cs typeface="+mj-cs"/>
+              </a:defRPr>
+            </a:lvl1pPr>
+          </a:lstStyle>
+          <a:p>
+            <a:pPr algn="l"/>
+            <a:r>
+              <a:rPr lang="en-US" sz="3600" i="1" dirty="0" smtClean="0">
+                <a:solidFill>
+                  <a:srgbClr val="FEFDDE"/>
+                </a:solidFill>
+                <a:latin typeface="Proxima Nova Rg" panose="02000506030000020004" pitchFamily="50" charset="0"/>
+              </a:rPr>
+              <a:t>	target {</a:t>
+            </a:r>
+          </a:p>
+          <a:p>
+            <a:pPr algn="l"/>
+            <a:r>
+              <a:rPr lang="en-US" sz="3600" i="1" dirty="0">
+                <a:solidFill>
+                  <a:srgbClr val="FEFDDE"/>
+                </a:solidFill>
+                <a:latin typeface="Proxima Nova Rg" panose="02000506030000020004" pitchFamily="50" charset="0"/>
+              </a:rPr>
+              <a:t>	</a:t>
+            </a:r>
+            <a:r>
+              <a:rPr lang="en-US" sz="3600" i="1" dirty="0" smtClean="0">
+                <a:solidFill>
+                  <a:srgbClr val="FEFDDE"/>
+                </a:solidFill>
+                <a:latin typeface="Proxima Nova Rg" panose="02000506030000020004" pitchFamily="50" charset="0"/>
+              </a:rPr>
+              <a:t>	property: attribute;</a:t>
+            </a:r>
+          </a:p>
+          <a:p>
+            <a:pPr algn="l"/>
+            <a:r>
+              <a:rPr lang="en-US" sz="3600" i="1" dirty="0" smtClean="0">
+                <a:solidFill>
+                  <a:srgbClr val="FEFDDE"/>
+                </a:solidFill>
+                <a:latin typeface="Proxima Nova Rg" panose="02000506030000020004" pitchFamily="50" charset="0"/>
+              </a:rPr>
+              <a:t>	}</a:t>
+            </a:r>
+            <a:endParaRPr lang="en-US" sz="3600" i="1" dirty="0">
+              <a:solidFill>
+                <a:srgbClr val="FEFDDE"/>
+              </a:solidFill>
+              <a:latin typeface="Proxima Nova Rg" panose="02000506030000020004" pitchFamily="50" charset="0"/>
+            </a:endParaRPr>
+          </a:p>
+        </p:txBody>
+      </p:sp>
+    </p:spTree>
+    <p:extLst>
+      <p:ext uri="{BB962C8B-B14F-4D97-AF65-F5344CB8AC3E}">
+        <p14:creationId xmlns:p14="http://schemas.microsoft.com/office/powerpoint/2010/main" val="1046042243"/>
+      </p:ext>
+    </p:extLst>
+  </p:cSld>
+  <p:clrMapOvr>
+    <a:masterClrMapping/>
+  </p:clrMapOvr>
+  <p:timing>
+    <p:tnLst>
+      <p:par>
+        <p:cTn id="1" dur="indefinite" restart="never" nodeType="tmRoot"/>
+      </p:par>
+    </p:tnLst>
+  </p:timing>
+</p:sld>
+</file>
+
+<file path=ppt/slides/slide32.xml><?xml version="1.0" encoding="utf-8"?>
+<p:sld xmlns:a="http://schemas.openxmlformats.org/drawingml/2006/main" xmlns:r="http://schemas.openxmlformats.org/officeDocument/2006/relationships" xmlns:p="http://schemas.openxmlformats.org/presentationml/2006/main">
+  <p:cSld>
+    <p:bg>
+      <p:bgPr>
+        <a:solidFill>
+          <a:srgbClr val="19B5FE"/>
+        </a:solidFill>
+        <a:effectLst/>
+      </p:bgPr>
+    </p:bg>
+    <p:spTree>
+      <p:nvGrpSpPr>
+        <p:cNvPr id="1" name=""/>
+        <p:cNvGrpSpPr/>
+        <p:nvPr/>
+      </p:nvGrpSpPr>
+      <p:grpSpPr>
+        <a:xfrm>
+          <a:off x="0" y="0"/>
+          <a:ext cx="0" cy="0"/>
+          <a:chOff x="0" y="0"/>
+          <a:chExt cx="0" cy="0"/>
+        </a:xfrm>
+      </p:grpSpPr>
+      <p:sp>
+        <p:nvSpPr>
+          <p:cNvPr id="2" name="Title 1"/>
+          <p:cNvSpPr>
+            <a:spLocks noGrp="1"/>
+          </p:cNvSpPr>
+          <p:nvPr>
+            <p:ph type="ctrTitle"/>
+          </p:nvPr>
+        </p:nvSpPr>
+        <p:spPr>
+          <a:xfrm>
+            <a:off x="471340" y="925036"/>
+            <a:ext cx="11460410" cy="1186260"/>
+          </a:xfrm>
+        </p:spPr>
+        <p:txBody>
+          <a:bodyPr>
+            <a:noAutofit/>
+          </a:bodyPr>
+          <a:lstStyle/>
+          <a:p>
+            <a:pPr algn="l"/>
+            <a:r>
+              <a:rPr lang="en-US" sz="7200" b="1" dirty="0" smtClean="0">
+                <a:solidFill>
+                  <a:srgbClr val="FEFDDE"/>
+                </a:solidFill>
+                <a:latin typeface="Proxima Nova Rg" panose="02000506030000020004" pitchFamily="50" charset="0"/>
+              </a:rPr>
+              <a:t>SELECTORS</a:t>
+            </a:r>
+            <a:endParaRPr lang="en-US" sz="7200" dirty="0">
+              <a:solidFill>
+                <a:srgbClr val="FEFDDE"/>
+              </a:solidFill>
+              <a:latin typeface="Proxima Nova Rg" panose="02000506030000020004" pitchFamily="50" charset="0"/>
+            </a:endParaRPr>
+          </a:p>
+        </p:txBody>
+      </p:sp>
+      <p:sp>
+        <p:nvSpPr>
+          <p:cNvPr id="3" name="TextBox 2"/>
+          <p:cNvSpPr txBox="1"/>
+          <p:nvPr/>
+        </p:nvSpPr>
+        <p:spPr>
+          <a:xfrm>
+            <a:off x="245097" y="424207"/>
+            <a:ext cx="2147639" cy="369332"/>
+          </a:xfrm>
+          <a:prstGeom prst="rect">
+            <a:avLst/>
+          </a:prstGeom>
+          <a:noFill/>
+        </p:spPr>
+        <p:txBody>
+          <a:bodyPr wrap="none" rtlCol="0">
+            <a:spAutoFit/>
+          </a:bodyPr>
+          <a:lstStyle/>
+          <a:p>
+            <a:r>
+              <a:rPr lang="en-US" b="1" dirty="0" smtClean="0">
+                <a:solidFill>
+                  <a:schemeClr val="bg1">
+                    <a:lumMod val="95000"/>
+                  </a:schemeClr>
+                </a:solidFill>
+                <a:latin typeface="Proxima Nova Rg" panose="02000506030000020004" pitchFamily="50" charset="0"/>
+              </a:rPr>
+              <a:t>CSS3: SELECTORS</a:t>
+            </a:r>
+            <a:endParaRPr lang="en-US" b="1" dirty="0">
+              <a:solidFill>
+                <a:schemeClr val="bg1">
+                  <a:lumMod val="95000"/>
+                </a:schemeClr>
+              </a:solidFill>
+              <a:latin typeface="Proxima Nova Rg" panose="02000506030000020004" pitchFamily="50" charset="0"/>
+            </a:endParaRPr>
+          </a:p>
+        </p:txBody>
+      </p:sp>
+      <p:sp>
+        <p:nvSpPr>
+          <p:cNvPr id="6" name="TextBox 5"/>
+          <p:cNvSpPr txBox="1"/>
+          <p:nvPr/>
+        </p:nvSpPr>
+        <p:spPr>
+          <a:xfrm>
+            <a:off x="8891046" y="424207"/>
+            <a:ext cx="3040704" cy="369332"/>
+          </a:xfrm>
+          <a:prstGeom prst="rect">
+            <a:avLst/>
+          </a:prstGeom>
+          <a:noFill/>
+        </p:spPr>
+        <p:txBody>
+          <a:bodyPr wrap="none" rtlCol="0">
+            <a:spAutoFit/>
+          </a:bodyPr>
+          <a:lstStyle/>
+          <a:p>
+            <a:r>
+              <a:rPr lang="en-US" b="1" dirty="0" smtClean="0">
+                <a:solidFill>
+                  <a:schemeClr val="bg1">
+                    <a:lumMod val="95000"/>
+                  </a:schemeClr>
+                </a:solidFill>
+                <a:latin typeface="Proxima Nova Rg" panose="02000506030000020004" pitchFamily="50" charset="0"/>
+              </a:rPr>
+              <a:t>HOW TO MAKE A WEBSITE</a:t>
+            </a:r>
+            <a:endParaRPr lang="en-US" b="1" dirty="0">
+              <a:solidFill>
+                <a:schemeClr val="bg1">
+                  <a:lumMod val="95000"/>
+                </a:schemeClr>
+              </a:solidFill>
+              <a:latin typeface="Proxima Nova Rg" panose="02000506030000020004" pitchFamily="50" charset="0"/>
+            </a:endParaRPr>
+          </a:p>
+        </p:txBody>
+      </p:sp>
+      <p:sp>
+        <p:nvSpPr>
+          <p:cNvPr id="7" name="Title 1"/>
+          <p:cNvSpPr txBox="1">
+            <a:spLocks/>
+          </p:cNvSpPr>
+          <p:nvPr/>
+        </p:nvSpPr>
+        <p:spPr>
+          <a:xfrm>
+            <a:off x="471340" y="2535023"/>
+            <a:ext cx="11460410" cy="580641"/>
+          </a:xfrm>
+          <a:prstGeom prst="rect">
+            <a:avLst/>
+          </a:prstGeom>
+        </p:spPr>
+        <p:txBody>
+          <a:bodyPr vert="horz" lIns="91440" tIns="45720" rIns="91440" bIns="45720" rtlCol="0" anchor="b">
+            <a:noAutofit/>
+          </a:bodyPr>
+          <a:lstStyle>
+            <a:lvl1pPr algn="ctr" defTabSz="914400" rtl="0" eaLnBrk="1" latinLnBrk="0" hangingPunct="1">
+              <a:lnSpc>
+                <a:spcPct val="90000"/>
+              </a:lnSpc>
+              <a:spcBef>
+                <a:spcPct val="0"/>
+              </a:spcBef>
+              <a:buNone/>
+              <a:defRPr sz="6000" kern="1200">
+                <a:solidFill>
+                  <a:schemeClr val="tx1"/>
+                </a:solidFill>
+                <a:latin typeface="+mj-lt"/>
+                <a:ea typeface="+mj-ea"/>
+                <a:cs typeface="+mj-cs"/>
+              </a:defRPr>
+            </a:lvl1pPr>
+          </a:lstStyle>
+          <a:p>
+            <a:pPr algn="l"/>
+            <a:r>
+              <a:rPr lang="en-US" sz="3600" b="1" dirty="0">
+                <a:solidFill>
+                  <a:srgbClr val="FEFDDE"/>
+                </a:solidFill>
+                <a:latin typeface="Proxima Nova Rg" panose="02000506030000020004" pitchFamily="50" charset="0"/>
+              </a:rPr>
+              <a:t>p</a:t>
+            </a:r>
+            <a:r>
+              <a:rPr lang="en-US" sz="3600" b="1" dirty="0" smtClean="0">
+                <a:solidFill>
+                  <a:srgbClr val="FEFDDE"/>
+                </a:solidFill>
+                <a:latin typeface="Proxima Nova Rg" panose="02000506030000020004" pitchFamily="50" charset="0"/>
+              </a:rPr>
+              <a:t> { /* </a:t>
+            </a:r>
+            <a:r>
+              <a:rPr lang="en-US" sz="3600" dirty="0" smtClean="0">
+                <a:solidFill>
+                  <a:srgbClr val="FEFDDE"/>
+                </a:solidFill>
+                <a:latin typeface="Proxima Nova Rg" panose="02000506030000020004" pitchFamily="50" charset="0"/>
+              </a:rPr>
+              <a:t>HTML elements</a:t>
+            </a:r>
+            <a:r>
+              <a:rPr lang="en-US" sz="3600" b="1" dirty="0" smtClean="0">
+                <a:solidFill>
+                  <a:srgbClr val="FEFDDE"/>
+                </a:solidFill>
+                <a:latin typeface="Proxima Nova Rg" panose="02000506030000020004" pitchFamily="50" charset="0"/>
+              </a:rPr>
+              <a:t> */ }</a:t>
+            </a:r>
+            <a:endParaRPr lang="en-US" sz="3600" b="1" dirty="0">
+              <a:solidFill>
+                <a:srgbClr val="FEFDDE"/>
+              </a:solidFill>
+              <a:latin typeface="Proxima Nova Rg" panose="02000506030000020004" pitchFamily="50" charset="0"/>
+            </a:endParaRPr>
+          </a:p>
+        </p:txBody>
+      </p:sp>
+      <p:sp>
+        <p:nvSpPr>
+          <p:cNvPr id="9" name="Title 1"/>
+          <p:cNvSpPr txBox="1">
+            <a:spLocks/>
+          </p:cNvSpPr>
+          <p:nvPr/>
+        </p:nvSpPr>
+        <p:spPr>
+          <a:xfrm>
+            <a:off x="471340" y="3978159"/>
+            <a:ext cx="11460410" cy="580641"/>
+          </a:xfrm>
+          <a:prstGeom prst="rect">
+            <a:avLst/>
+          </a:prstGeom>
+        </p:spPr>
+        <p:txBody>
+          <a:bodyPr vert="horz" lIns="91440" tIns="45720" rIns="91440" bIns="45720" rtlCol="0" anchor="b">
+            <a:noAutofit/>
+          </a:bodyPr>
+          <a:lstStyle>
+            <a:lvl1pPr algn="ctr" defTabSz="914400" rtl="0" eaLnBrk="1" latinLnBrk="0" hangingPunct="1">
+              <a:lnSpc>
+                <a:spcPct val="90000"/>
+              </a:lnSpc>
+              <a:spcBef>
+                <a:spcPct val="0"/>
+              </a:spcBef>
+              <a:buNone/>
+              <a:defRPr sz="6000" kern="1200">
+                <a:solidFill>
+                  <a:schemeClr val="tx1"/>
+                </a:solidFill>
+                <a:latin typeface="+mj-lt"/>
+                <a:ea typeface="+mj-ea"/>
+                <a:cs typeface="+mj-cs"/>
+              </a:defRPr>
+            </a:lvl1pPr>
+          </a:lstStyle>
+          <a:p>
+            <a:pPr algn="l"/>
+            <a:endParaRPr lang="en-US" sz="3600" dirty="0">
+              <a:solidFill>
+                <a:srgbClr val="FEFDDE"/>
+              </a:solidFill>
+              <a:latin typeface="Proxima Nova Rg" panose="02000506030000020004" pitchFamily="50" charset="0"/>
+            </a:endParaRPr>
+          </a:p>
+        </p:txBody>
+      </p:sp>
+      <p:sp>
+        <p:nvSpPr>
+          <p:cNvPr id="11" name="Title 1"/>
+          <p:cNvSpPr txBox="1">
+            <a:spLocks/>
+          </p:cNvSpPr>
+          <p:nvPr/>
+        </p:nvSpPr>
+        <p:spPr>
+          <a:xfrm>
+            <a:off x="471340" y="3249070"/>
+            <a:ext cx="11460410" cy="580641"/>
+          </a:xfrm>
+          <a:prstGeom prst="rect">
+            <a:avLst/>
+          </a:prstGeom>
+        </p:spPr>
+        <p:txBody>
+          <a:bodyPr vert="horz" lIns="91440" tIns="45720" rIns="91440" bIns="45720" rtlCol="0" anchor="b">
+            <a:noAutofit/>
+          </a:bodyPr>
+          <a:lstStyle>
+            <a:lvl1pPr algn="ctr" defTabSz="914400" rtl="0" eaLnBrk="1" latinLnBrk="0" hangingPunct="1">
+              <a:lnSpc>
+                <a:spcPct val="90000"/>
+              </a:lnSpc>
+              <a:spcBef>
+                <a:spcPct val="0"/>
+              </a:spcBef>
+              <a:buNone/>
+              <a:defRPr sz="6000" kern="1200">
+                <a:solidFill>
+                  <a:schemeClr val="tx1"/>
+                </a:solidFill>
+                <a:latin typeface="+mj-lt"/>
+                <a:ea typeface="+mj-ea"/>
+                <a:cs typeface="+mj-cs"/>
+              </a:defRPr>
+            </a:lvl1pPr>
+          </a:lstStyle>
+          <a:p>
+            <a:pPr algn="l"/>
+            <a:r>
+              <a:rPr lang="en-US" sz="3600" b="1" dirty="0" smtClean="0">
+                <a:solidFill>
+                  <a:srgbClr val="FEFDDE"/>
+                </a:solidFill>
+                <a:latin typeface="Proxima Nova Rg" panose="02000506030000020004" pitchFamily="50" charset="0"/>
+              </a:rPr>
+              <a:t>.class</a:t>
+            </a:r>
+            <a:r>
+              <a:rPr lang="en-US" sz="3600" b="1" dirty="0" smtClean="0">
+                <a:solidFill>
+                  <a:srgbClr val="FEFDDE"/>
+                </a:solidFill>
+                <a:latin typeface="Proxima Nova Rg" panose="02000506030000020004" pitchFamily="50" charset="0"/>
+              </a:rPr>
+              <a:t> { /* </a:t>
+            </a:r>
+            <a:r>
+              <a:rPr lang="en-US" sz="3600" dirty="0" smtClean="0">
+                <a:solidFill>
+                  <a:srgbClr val="FEFDDE"/>
+                </a:solidFill>
+                <a:latin typeface="Proxima Nova Rg" panose="02000506030000020004" pitchFamily="50" charset="0"/>
+              </a:rPr>
+              <a:t>Class elements </a:t>
+            </a:r>
+            <a:r>
+              <a:rPr lang="en-US" sz="3600" b="1" dirty="0" smtClean="0">
+                <a:solidFill>
+                  <a:srgbClr val="FEFDDE"/>
+                </a:solidFill>
+                <a:latin typeface="Proxima Nova Rg" panose="02000506030000020004" pitchFamily="50" charset="0"/>
+              </a:rPr>
+              <a:t>*/ }</a:t>
+            </a:r>
+            <a:endParaRPr lang="en-US" sz="3600" dirty="0">
+              <a:solidFill>
+                <a:srgbClr val="FEFDDE"/>
+              </a:solidFill>
+              <a:latin typeface="Proxima Nova Rg" panose="02000506030000020004" pitchFamily="50" charset="0"/>
+            </a:endParaRPr>
+          </a:p>
+        </p:txBody>
+      </p:sp>
+      <p:sp>
+        <p:nvSpPr>
+          <p:cNvPr id="12" name="Title 1"/>
+          <p:cNvSpPr txBox="1">
+            <a:spLocks/>
+          </p:cNvSpPr>
+          <p:nvPr/>
+        </p:nvSpPr>
+        <p:spPr>
+          <a:xfrm>
+            <a:off x="471340" y="3978159"/>
+            <a:ext cx="11460410" cy="580641"/>
+          </a:xfrm>
+          <a:prstGeom prst="rect">
+            <a:avLst/>
+          </a:prstGeom>
+        </p:spPr>
+        <p:txBody>
+          <a:bodyPr vert="horz" lIns="91440" tIns="45720" rIns="91440" bIns="45720" rtlCol="0" anchor="b">
+            <a:noAutofit/>
+          </a:bodyPr>
+          <a:lstStyle>
+            <a:lvl1pPr algn="ctr" defTabSz="914400" rtl="0" eaLnBrk="1" latinLnBrk="0" hangingPunct="1">
+              <a:lnSpc>
+                <a:spcPct val="90000"/>
+              </a:lnSpc>
+              <a:spcBef>
+                <a:spcPct val="0"/>
+              </a:spcBef>
+              <a:buNone/>
+              <a:defRPr sz="6000" kern="1200">
+                <a:solidFill>
+                  <a:schemeClr val="tx1"/>
+                </a:solidFill>
+                <a:latin typeface="+mj-lt"/>
+                <a:ea typeface="+mj-ea"/>
+                <a:cs typeface="+mj-cs"/>
+              </a:defRPr>
+            </a:lvl1pPr>
+          </a:lstStyle>
+          <a:p>
+            <a:pPr algn="l"/>
+            <a:r>
+              <a:rPr lang="en-US" sz="3600" b="1" dirty="0" smtClean="0">
+                <a:solidFill>
+                  <a:srgbClr val="FEFDDE"/>
+                </a:solidFill>
+                <a:latin typeface="Proxima Nova Rg" panose="02000506030000020004" pitchFamily="50" charset="0"/>
+              </a:rPr>
+              <a:t>#id</a:t>
+            </a:r>
+            <a:r>
+              <a:rPr lang="en-US" sz="3600" b="1" dirty="0" smtClean="0">
+                <a:solidFill>
+                  <a:srgbClr val="FEFDDE"/>
+                </a:solidFill>
+                <a:latin typeface="Proxima Nova Rg" panose="02000506030000020004" pitchFamily="50" charset="0"/>
+              </a:rPr>
+              <a:t> { /* </a:t>
+            </a:r>
+            <a:r>
+              <a:rPr lang="en-US" sz="3600" dirty="0" smtClean="0">
+                <a:solidFill>
+                  <a:srgbClr val="FEFDDE"/>
+                </a:solidFill>
+                <a:latin typeface="Proxima Nova Rg" panose="02000506030000020004" pitchFamily="50" charset="0"/>
+              </a:rPr>
+              <a:t>ID elements </a:t>
+            </a:r>
+            <a:r>
+              <a:rPr lang="en-US" sz="3600" b="1" dirty="0" smtClean="0">
+                <a:solidFill>
+                  <a:srgbClr val="FEFDDE"/>
+                </a:solidFill>
+                <a:latin typeface="Proxima Nova Rg" panose="02000506030000020004" pitchFamily="50" charset="0"/>
+              </a:rPr>
+              <a:t>*/ }</a:t>
+            </a:r>
+            <a:endParaRPr lang="en-US" sz="3600" dirty="0">
+              <a:solidFill>
+                <a:srgbClr val="FEFDDE"/>
+              </a:solidFill>
+              <a:latin typeface="Proxima Nova Rg" panose="02000506030000020004" pitchFamily="50" charset="0"/>
+            </a:endParaRPr>
+          </a:p>
+        </p:txBody>
+      </p:sp>
+    </p:spTree>
+    <p:extLst>
+      <p:ext uri="{BB962C8B-B14F-4D97-AF65-F5344CB8AC3E}">
+        <p14:creationId xmlns:p14="http://schemas.microsoft.com/office/powerpoint/2010/main" val="3646699496"/>
+      </p:ext>
+    </p:extLst>
+  </p:cSld>
+  <p:clrMapOvr>
+    <a:masterClrMapping/>
+  </p:clrMapOvr>
+  <p:timing>
+    <p:tnLst>
+      <p:par>
+        <p:cTn id="1" dur="indefinite" restart="never" nodeType="tmRoot"/>
+      </p:par>
+    </p:tnLst>
+  </p:timing>
+</p:sld>
+</file>
+
+<file path=ppt/slides/slide33.xml><?xml version="1.0" encoding="utf-8"?>
+<p:sld xmlns:a="http://schemas.openxmlformats.org/drawingml/2006/main" xmlns:r="http://schemas.openxmlformats.org/officeDocument/2006/relationships" xmlns:p="http://schemas.openxmlformats.org/presentationml/2006/main">
+  <p:cSld>
+    <p:bg>
+      <p:bgPr>
+        <a:solidFill>
+          <a:srgbClr val="19B5FE"/>
+        </a:solidFill>
+        <a:effectLst/>
+      </p:bgPr>
+    </p:bg>
+    <p:spTree>
+      <p:nvGrpSpPr>
+        <p:cNvPr id="1" name=""/>
+        <p:cNvGrpSpPr/>
+        <p:nvPr/>
+      </p:nvGrpSpPr>
+      <p:grpSpPr>
+        <a:xfrm>
+          <a:off x="0" y="0"/>
+          <a:ext cx="0" cy="0"/>
+          <a:chOff x="0" y="0"/>
+          <a:chExt cx="0" cy="0"/>
+        </a:xfrm>
+      </p:grpSpPr>
+      <p:sp>
+        <p:nvSpPr>
+          <p:cNvPr id="2" name="Title 1"/>
+          <p:cNvSpPr>
+            <a:spLocks noGrp="1"/>
+          </p:cNvSpPr>
+          <p:nvPr>
+            <p:ph type="ctrTitle"/>
+          </p:nvPr>
+        </p:nvSpPr>
+        <p:spPr>
+          <a:xfrm>
+            <a:off x="471340" y="925036"/>
+            <a:ext cx="11460410" cy="1186260"/>
+          </a:xfrm>
+        </p:spPr>
+        <p:txBody>
+          <a:bodyPr>
+            <a:noAutofit/>
+          </a:bodyPr>
+          <a:lstStyle/>
+          <a:p>
+            <a:pPr algn="l"/>
+            <a:r>
+              <a:rPr lang="en-US" sz="7200" b="1" dirty="0" smtClean="0">
+                <a:solidFill>
+                  <a:srgbClr val="FEFDDE"/>
+                </a:solidFill>
+                <a:latin typeface="Proxima Nova Rg" panose="02000506030000020004" pitchFamily="50" charset="0"/>
+              </a:rPr>
+              <a:t>EXAMPLE</a:t>
+            </a:r>
+            <a:endParaRPr lang="en-US" sz="7200" dirty="0">
+              <a:solidFill>
+                <a:srgbClr val="FEFDDE"/>
+              </a:solidFill>
+              <a:latin typeface="Proxima Nova Rg" panose="02000506030000020004" pitchFamily="50" charset="0"/>
+            </a:endParaRPr>
+          </a:p>
+        </p:txBody>
+      </p:sp>
+      <p:sp>
+        <p:nvSpPr>
+          <p:cNvPr id="3" name="TextBox 2"/>
+          <p:cNvSpPr txBox="1"/>
+          <p:nvPr/>
+        </p:nvSpPr>
+        <p:spPr>
+          <a:xfrm>
+            <a:off x="245097" y="424207"/>
+            <a:ext cx="1911101" cy="369332"/>
+          </a:xfrm>
+          <a:prstGeom prst="rect">
+            <a:avLst/>
+          </a:prstGeom>
+          <a:noFill/>
+        </p:spPr>
+        <p:txBody>
+          <a:bodyPr wrap="none" rtlCol="0">
+            <a:spAutoFit/>
+          </a:bodyPr>
+          <a:lstStyle/>
+          <a:p>
+            <a:r>
+              <a:rPr lang="en-US" b="1" dirty="0" smtClean="0">
+                <a:solidFill>
+                  <a:schemeClr val="bg1">
+                    <a:lumMod val="95000"/>
+                  </a:schemeClr>
+                </a:solidFill>
+                <a:latin typeface="Proxima Nova Rg" panose="02000506030000020004" pitchFamily="50" charset="0"/>
+              </a:rPr>
+              <a:t>CSS3: EXAMPLE</a:t>
+            </a:r>
+            <a:endParaRPr lang="en-US" b="1" dirty="0">
+              <a:solidFill>
+                <a:schemeClr val="bg1">
+                  <a:lumMod val="95000"/>
+                </a:schemeClr>
+              </a:solidFill>
+              <a:latin typeface="Proxima Nova Rg" panose="02000506030000020004" pitchFamily="50" charset="0"/>
+            </a:endParaRPr>
+          </a:p>
+        </p:txBody>
+      </p:sp>
+      <p:sp>
+        <p:nvSpPr>
+          <p:cNvPr id="6" name="TextBox 5"/>
+          <p:cNvSpPr txBox="1"/>
+          <p:nvPr/>
+        </p:nvSpPr>
+        <p:spPr>
+          <a:xfrm>
+            <a:off x="8891046" y="424207"/>
+            <a:ext cx="3040704" cy="369332"/>
+          </a:xfrm>
+          <a:prstGeom prst="rect">
+            <a:avLst/>
+          </a:prstGeom>
+          <a:noFill/>
+        </p:spPr>
+        <p:txBody>
+          <a:bodyPr wrap="none" rtlCol="0">
+            <a:spAutoFit/>
+          </a:bodyPr>
+          <a:lstStyle/>
+          <a:p>
+            <a:r>
+              <a:rPr lang="en-US" b="1" dirty="0" smtClean="0">
+                <a:solidFill>
+                  <a:schemeClr val="bg1">
+                    <a:lumMod val="95000"/>
+                  </a:schemeClr>
+                </a:solidFill>
+                <a:latin typeface="Proxima Nova Rg" panose="02000506030000020004" pitchFamily="50" charset="0"/>
+              </a:rPr>
+              <a:t>HOW TO MAKE A WEBSITE</a:t>
+            </a:r>
+            <a:endParaRPr lang="en-US" b="1" dirty="0">
+              <a:solidFill>
+                <a:schemeClr val="bg1">
+                  <a:lumMod val="95000"/>
+                </a:schemeClr>
+              </a:solidFill>
+              <a:latin typeface="Proxima Nova Rg" panose="02000506030000020004" pitchFamily="50" charset="0"/>
+            </a:endParaRPr>
+          </a:p>
+        </p:txBody>
+      </p:sp>
+      <p:sp>
+        <p:nvSpPr>
+          <p:cNvPr id="7" name="Title 1"/>
+          <p:cNvSpPr txBox="1">
+            <a:spLocks/>
+          </p:cNvSpPr>
+          <p:nvPr/>
+        </p:nvSpPr>
+        <p:spPr>
+          <a:xfrm>
+            <a:off x="471340" y="2535023"/>
+            <a:ext cx="11460410" cy="2819402"/>
+          </a:xfrm>
+          <a:prstGeom prst="rect">
+            <a:avLst/>
+          </a:prstGeom>
+        </p:spPr>
+        <p:txBody>
+          <a:bodyPr vert="horz" lIns="91440" tIns="45720" rIns="91440" bIns="45720" rtlCol="0" anchor="b">
+            <a:noAutofit/>
+          </a:bodyPr>
+          <a:lstStyle>
+            <a:lvl1pPr algn="ctr" defTabSz="914400" rtl="0" eaLnBrk="1" latinLnBrk="0" hangingPunct="1">
+              <a:lnSpc>
+                <a:spcPct val="90000"/>
+              </a:lnSpc>
+              <a:spcBef>
+                <a:spcPct val="0"/>
+              </a:spcBef>
+              <a:buNone/>
+              <a:defRPr sz="6000" kern="1200">
+                <a:solidFill>
+                  <a:schemeClr val="tx1"/>
+                </a:solidFill>
+                <a:latin typeface="+mj-lt"/>
+                <a:ea typeface="+mj-ea"/>
+                <a:cs typeface="+mj-cs"/>
+              </a:defRPr>
+            </a:lvl1pPr>
+          </a:lstStyle>
+          <a:p>
+            <a:pPr algn="l"/>
+            <a:r>
+              <a:rPr lang="en-US" sz="3600" dirty="0" smtClean="0">
+                <a:solidFill>
+                  <a:srgbClr val="FEFDDE"/>
+                </a:solidFill>
+                <a:latin typeface="Proxima Nova Rg" panose="02000506030000020004" pitchFamily="50" charset="0"/>
+              </a:rPr>
+              <a:t>.really-pretty {</a:t>
+            </a:r>
+            <a:r>
+              <a:rPr lang="en-US" sz="3600" dirty="0">
+                <a:solidFill>
+                  <a:srgbClr val="FEFDDE"/>
+                </a:solidFill>
+                <a:latin typeface="Proxima Nova Rg" panose="02000506030000020004" pitchFamily="50" charset="0"/>
+              </a:rPr>
+              <a:t>	</a:t>
+            </a:r>
+            <a:endParaRPr lang="en-US" sz="3600" dirty="0" smtClean="0">
+              <a:solidFill>
+                <a:srgbClr val="FEFDDE"/>
+              </a:solidFill>
+              <a:latin typeface="Proxima Nova Rg" panose="02000506030000020004" pitchFamily="50" charset="0"/>
+            </a:endParaRPr>
+          </a:p>
+          <a:p>
+            <a:pPr algn="l"/>
+            <a:r>
+              <a:rPr lang="en-US" sz="3600" dirty="0">
+                <a:solidFill>
+                  <a:srgbClr val="FEFDDE"/>
+                </a:solidFill>
+                <a:latin typeface="Proxima Nova Rg" panose="02000506030000020004" pitchFamily="50" charset="0"/>
+              </a:rPr>
+              <a:t>	</a:t>
+            </a:r>
+            <a:r>
+              <a:rPr lang="en-US" sz="3600" dirty="0" smtClean="0">
+                <a:solidFill>
+                  <a:srgbClr val="FEFDDE"/>
+                </a:solidFill>
+                <a:latin typeface="Proxima Nova Rg" panose="02000506030000020004" pitchFamily="50" charset="0"/>
+              </a:rPr>
+              <a:t>color: blue;</a:t>
+            </a:r>
+          </a:p>
+          <a:p>
+            <a:pPr algn="l"/>
+            <a:r>
+              <a:rPr lang="en-US" sz="3600" dirty="0">
+                <a:solidFill>
+                  <a:srgbClr val="FEFDDE"/>
+                </a:solidFill>
+                <a:latin typeface="Proxima Nova Rg" panose="02000506030000020004" pitchFamily="50" charset="0"/>
+              </a:rPr>
+              <a:t>	</a:t>
+            </a:r>
+            <a:r>
+              <a:rPr lang="en-US" sz="3600" dirty="0" smtClean="0">
+                <a:solidFill>
+                  <a:srgbClr val="FEFDDE"/>
+                </a:solidFill>
+                <a:latin typeface="Proxima Nova Rg" panose="02000506030000020004" pitchFamily="50" charset="0"/>
+              </a:rPr>
+              <a:t>margin: 	    1px  2px    3px   4px;</a:t>
+            </a:r>
+          </a:p>
+          <a:p>
+            <a:pPr algn="l"/>
+            <a:r>
+              <a:rPr lang="en-US" sz="3600" dirty="0">
+                <a:solidFill>
+                  <a:srgbClr val="FEFDDE"/>
+                </a:solidFill>
+                <a:latin typeface="Proxima Nova Rg" panose="02000506030000020004" pitchFamily="50" charset="0"/>
+              </a:rPr>
+              <a:t>	</a:t>
+            </a:r>
+            <a:r>
+              <a:rPr lang="en-US" sz="3600" dirty="0" smtClean="0">
+                <a:solidFill>
+                  <a:srgbClr val="FEFDDE"/>
+                </a:solidFill>
+                <a:latin typeface="Proxima Nova Rg" panose="02000506030000020004" pitchFamily="50" charset="0"/>
+              </a:rPr>
+              <a:t>		/* top right bottom left */</a:t>
+            </a:r>
+          </a:p>
+          <a:p>
+            <a:pPr algn="l"/>
+            <a:r>
+              <a:rPr lang="en-US" sz="3600" dirty="0">
+                <a:solidFill>
+                  <a:srgbClr val="FEFDDE"/>
+                </a:solidFill>
+                <a:latin typeface="Proxima Nova Rg" panose="02000506030000020004" pitchFamily="50" charset="0"/>
+              </a:rPr>
+              <a:t>	</a:t>
+            </a:r>
+            <a:r>
+              <a:rPr lang="en-US" sz="3600" dirty="0" smtClean="0">
+                <a:solidFill>
+                  <a:srgbClr val="FEFDDE"/>
+                </a:solidFill>
+                <a:latin typeface="Proxima Nova Rg" panose="02000506030000020004" pitchFamily="50" charset="0"/>
+              </a:rPr>
+              <a:t>border: 1px solid black;</a:t>
+            </a:r>
+          </a:p>
+          <a:p>
+            <a:pPr algn="l"/>
+            <a:r>
+              <a:rPr lang="en-US" sz="3600" dirty="0" smtClean="0">
+                <a:solidFill>
+                  <a:srgbClr val="FEFDDE"/>
+                </a:solidFill>
+                <a:latin typeface="Proxima Nova Rg" panose="02000506030000020004" pitchFamily="50" charset="0"/>
+              </a:rPr>
+              <a:t>}</a:t>
+            </a:r>
+            <a:endParaRPr lang="en-US" sz="3600" dirty="0">
+              <a:solidFill>
+                <a:srgbClr val="FEFDDE"/>
+              </a:solidFill>
+              <a:latin typeface="Proxima Nova Rg" panose="02000506030000020004" pitchFamily="50" charset="0"/>
+            </a:endParaRPr>
+          </a:p>
+        </p:txBody>
+      </p:sp>
+      <p:sp>
+        <p:nvSpPr>
+          <p:cNvPr id="9" name="Title 1"/>
+          <p:cNvSpPr txBox="1">
+            <a:spLocks/>
+          </p:cNvSpPr>
+          <p:nvPr/>
+        </p:nvSpPr>
+        <p:spPr>
+          <a:xfrm>
+            <a:off x="471340" y="3978159"/>
+            <a:ext cx="11460410" cy="580641"/>
+          </a:xfrm>
+          <a:prstGeom prst="rect">
+            <a:avLst/>
+          </a:prstGeom>
+        </p:spPr>
+        <p:txBody>
+          <a:bodyPr vert="horz" lIns="91440" tIns="45720" rIns="91440" bIns="45720" rtlCol="0" anchor="b">
+            <a:noAutofit/>
+          </a:bodyPr>
+          <a:lstStyle>
+            <a:lvl1pPr algn="ctr" defTabSz="914400" rtl="0" eaLnBrk="1" latinLnBrk="0" hangingPunct="1">
+              <a:lnSpc>
+                <a:spcPct val="90000"/>
+              </a:lnSpc>
+              <a:spcBef>
+                <a:spcPct val="0"/>
+              </a:spcBef>
+              <a:buNone/>
+              <a:defRPr sz="6000" kern="1200">
+                <a:solidFill>
+                  <a:schemeClr val="tx1"/>
+                </a:solidFill>
+                <a:latin typeface="+mj-lt"/>
+                <a:ea typeface="+mj-ea"/>
+                <a:cs typeface="+mj-cs"/>
+              </a:defRPr>
+            </a:lvl1pPr>
+          </a:lstStyle>
+          <a:p>
+            <a:pPr algn="l"/>
+            <a:endParaRPr lang="en-US" sz="3600" dirty="0">
+              <a:solidFill>
+                <a:srgbClr val="FEFDDE"/>
+              </a:solidFill>
+              <a:latin typeface="Proxima Nova Rg" panose="02000506030000020004" pitchFamily="50" charset="0"/>
+            </a:endParaRPr>
+          </a:p>
+        </p:txBody>
+      </p:sp>
+    </p:spTree>
+    <p:extLst>
+      <p:ext uri="{BB962C8B-B14F-4D97-AF65-F5344CB8AC3E}">
+        <p14:creationId xmlns:p14="http://schemas.microsoft.com/office/powerpoint/2010/main" val="829105792"/>
+      </p:ext>
+    </p:extLst>
+  </p:cSld>
+  <p:clrMapOvr>
+    <a:masterClrMapping/>
+  </p:clrMapOvr>
+  <p:timing>
+    <p:tnLst>
+      <p:par>
+        <p:cTn id="1" dur="indefinite" restart="never" nodeType="tmRoot"/>
+      </p:par>
+    </p:tnLst>
+  </p:timing>
+</p:sld>
+</file>
+
+<file path=ppt/slides/slide34.xml><?xml version="1.0" encoding="utf-8"?>
+<p:sld xmlns:a="http://schemas.openxmlformats.org/drawingml/2006/main" xmlns:r="http://schemas.openxmlformats.org/officeDocument/2006/relationships" xmlns:p="http://schemas.openxmlformats.org/presentationml/2006/main">
+  <p:cSld>
+    <p:bg>
+      <p:bgPr>
+        <a:solidFill>
+          <a:srgbClr val="19B5FE"/>
+        </a:solidFill>
+        <a:effectLst/>
+      </p:bgPr>
+    </p:bg>
+    <p:spTree>
+      <p:nvGrpSpPr>
+        <p:cNvPr id="1" name=""/>
+        <p:cNvGrpSpPr/>
+        <p:nvPr/>
+      </p:nvGrpSpPr>
+      <p:grpSpPr>
+        <a:xfrm>
+          <a:off x="0" y="0"/>
+          <a:ext cx="0" cy="0"/>
+          <a:chOff x="0" y="0"/>
+          <a:chExt cx="0" cy="0"/>
+        </a:xfrm>
+      </p:grpSpPr>
+      <p:sp>
+        <p:nvSpPr>
+          <p:cNvPr id="2" name="Title 1"/>
+          <p:cNvSpPr>
+            <a:spLocks noGrp="1"/>
+          </p:cNvSpPr>
+          <p:nvPr>
+            <p:ph type="ctrTitle"/>
+          </p:nvPr>
+        </p:nvSpPr>
+        <p:spPr>
+          <a:xfrm>
+            <a:off x="471340" y="925036"/>
+            <a:ext cx="11460410" cy="1186260"/>
+          </a:xfrm>
+        </p:spPr>
+        <p:txBody>
+          <a:bodyPr>
+            <a:noAutofit/>
+          </a:bodyPr>
+          <a:lstStyle/>
+          <a:p>
+            <a:pPr algn="l"/>
+            <a:r>
+              <a:rPr lang="en-US" sz="7200" b="1" dirty="0" smtClean="0">
+                <a:solidFill>
+                  <a:srgbClr val="FEFDDE"/>
+                </a:solidFill>
+                <a:latin typeface="Proxima Nova Rg" panose="02000506030000020004" pitchFamily="50" charset="0"/>
+              </a:rPr>
+              <a:t>COMMON PROPERTIES</a:t>
+            </a:r>
+            <a:endParaRPr lang="en-US" sz="7200" dirty="0">
+              <a:solidFill>
+                <a:srgbClr val="FEFDDE"/>
+              </a:solidFill>
+              <a:latin typeface="Proxima Nova Rg" panose="02000506030000020004" pitchFamily="50" charset="0"/>
+            </a:endParaRPr>
+          </a:p>
+        </p:txBody>
+      </p:sp>
+      <p:sp>
+        <p:nvSpPr>
+          <p:cNvPr id="3" name="TextBox 2"/>
+          <p:cNvSpPr txBox="1"/>
+          <p:nvPr/>
+        </p:nvSpPr>
+        <p:spPr>
+          <a:xfrm>
+            <a:off x="245097" y="424207"/>
+            <a:ext cx="2147639" cy="369332"/>
+          </a:xfrm>
+          <a:prstGeom prst="rect">
+            <a:avLst/>
+          </a:prstGeom>
+          <a:noFill/>
+        </p:spPr>
+        <p:txBody>
+          <a:bodyPr wrap="none" rtlCol="0">
+            <a:spAutoFit/>
+          </a:bodyPr>
+          <a:lstStyle/>
+          <a:p>
+            <a:r>
+              <a:rPr lang="en-US" b="1" dirty="0" smtClean="0">
+                <a:solidFill>
+                  <a:schemeClr val="bg1">
+                    <a:lumMod val="95000"/>
+                  </a:schemeClr>
+                </a:solidFill>
+                <a:latin typeface="Proxima Nova Rg" panose="02000506030000020004" pitchFamily="50" charset="0"/>
+              </a:rPr>
+              <a:t>CSS3: SELECTORS</a:t>
+            </a:r>
+            <a:endParaRPr lang="en-US" b="1" dirty="0">
+              <a:solidFill>
+                <a:schemeClr val="bg1">
+                  <a:lumMod val="95000"/>
+                </a:schemeClr>
+              </a:solidFill>
+              <a:latin typeface="Proxima Nova Rg" panose="02000506030000020004" pitchFamily="50" charset="0"/>
+            </a:endParaRPr>
+          </a:p>
+        </p:txBody>
+      </p:sp>
+      <p:sp>
+        <p:nvSpPr>
+          <p:cNvPr id="6" name="TextBox 5"/>
+          <p:cNvSpPr txBox="1"/>
+          <p:nvPr/>
+        </p:nvSpPr>
+        <p:spPr>
+          <a:xfrm>
+            <a:off x="8891046" y="424207"/>
+            <a:ext cx="3040704" cy="369332"/>
+          </a:xfrm>
+          <a:prstGeom prst="rect">
+            <a:avLst/>
+          </a:prstGeom>
+          <a:noFill/>
+        </p:spPr>
+        <p:txBody>
+          <a:bodyPr wrap="none" rtlCol="0">
+            <a:spAutoFit/>
+          </a:bodyPr>
+          <a:lstStyle/>
+          <a:p>
+            <a:r>
+              <a:rPr lang="en-US" b="1" dirty="0" smtClean="0">
+                <a:solidFill>
+                  <a:schemeClr val="bg1">
+                    <a:lumMod val="95000"/>
+                  </a:schemeClr>
+                </a:solidFill>
+                <a:latin typeface="Proxima Nova Rg" panose="02000506030000020004" pitchFamily="50" charset="0"/>
+              </a:rPr>
+              <a:t>HOW TO MAKE A WEBSITE</a:t>
+            </a:r>
+            <a:endParaRPr lang="en-US" b="1" dirty="0">
+              <a:solidFill>
+                <a:schemeClr val="bg1">
+                  <a:lumMod val="95000"/>
+                </a:schemeClr>
+              </a:solidFill>
+              <a:latin typeface="Proxima Nova Rg" panose="02000506030000020004" pitchFamily="50" charset="0"/>
+            </a:endParaRPr>
+          </a:p>
+        </p:txBody>
+      </p:sp>
+      <p:sp>
+        <p:nvSpPr>
+          <p:cNvPr id="7" name="Title 1"/>
+          <p:cNvSpPr txBox="1">
+            <a:spLocks/>
+          </p:cNvSpPr>
+          <p:nvPr/>
+        </p:nvSpPr>
+        <p:spPr>
+          <a:xfrm>
+            <a:off x="471340" y="2535023"/>
+            <a:ext cx="11460410" cy="580641"/>
+          </a:xfrm>
+          <a:prstGeom prst="rect">
+            <a:avLst/>
+          </a:prstGeom>
+        </p:spPr>
+        <p:txBody>
+          <a:bodyPr vert="horz" lIns="91440" tIns="45720" rIns="91440" bIns="45720" rtlCol="0" anchor="b">
+            <a:noAutofit/>
+          </a:bodyPr>
+          <a:lstStyle>
+            <a:lvl1pPr algn="ctr" defTabSz="914400" rtl="0" eaLnBrk="1" latinLnBrk="0" hangingPunct="1">
+              <a:lnSpc>
+                <a:spcPct val="90000"/>
+              </a:lnSpc>
+              <a:spcBef>
+                <a:spcPct val="0"/>
+              </a:spcBef>
+              <a:buNone/>
+              <a:defRPr sz="6000" kern="1200">
+                <a:solidFill>
+                  <a:schemeClr val="tx1"/>
+                </a:solidFill>
+                <a:latin typeface="+mj-lt"/>
+                <a:ea typeface="+mj-ea"/>
+                <a:cs typeface="+mj-cs"/>
+              </a:defRPr>
+            </a:lvl1pPr>
+          </a:lstStyle>
+          <a:p>
+            <a:pPr algn="l"/>
+            <a:r>
+              <a:rPr lang="en-US" sz="3600" b="1" dirty="0" smtClean="0">
+                <a:solidFill>
+                  <a:srgbClr val="FEFDDE"/>
+                </a:solidFill>
+                <a:latin typeface="Proxima Nova Rg" panose="02000506030000020004" pitchFamily="50" charset="0"/>
+              </a:rPr>
+              <a:t>width					</a:t>
+            </a:r>
+            <a:r>
+              <a:rPr lang="en-US" sz="3600" dirty="0" smtClean="0">
+                <a:solidFill>
+                  <a:srgbClr val="FEFDDE"/>
+                </a:solidFill>
+                <a:latin typeface="Proxima Nova Rg" panose="02000506030000020004" pitchFamily="50" charset="0"/>
+              </a:rPr>
+              <a:t>width of element</a:t>
+            </a:r>
+            <a:endParaRPr lang="en-US" sz="3600" dirty="0">
+              <a:solidFill>
+                <a:srgbClr val="FEFDDE"/>
+              </a:solidFill>
+              <a:latin typeface="Proxima Nova Rg" panose="02000506030000020004" pitchFamily="50" charset="0"/>
+            </a:endParaRPr>
+          </a:p>
+        </p:txBody>
+      </p:sp>
+      <p:sp>
+        <p:nvSpPr>
+          <p:cNvPr id="9" name="Title 1"/>
+          <p:cNvSpPr txBox="1">
+            <a:spLocks/>
+          </p:cNvSpPr>
+          <p:nvPr/>
+        </p:nvSpPr>
+        <p:spPr>
+          <a:xfrm>
+            <a:off x="471340" y="3978159"/>
+            <a:ext cx="11460410" cy="580641"/>
+          </a:xfrm>
+          <a:prstGeom prst="rect">
+            <a:avLst/>
+          </a:prstGeom>
+        </p:spPr>
+        <p:txBody>
+          <a:bodyPr vert="horz" lIns="91440" tIns="45720" rIns="91440" bIns="45720" rtlCol="0" anchor="b">
+            <a:noAutofit/>
+          </a:bodyPr>
+          <a:lstStyle>
+            <a:lvl1pPr algn="ctr" defTabSz="914400" rtl="0" eaLnBrk="1" latinLnBrk="0" hangingPunct="1">
+              <a:lnSpc>
+                <a:spcPct val="90000"/>
+              </a:lnSpc>
+              <a:spcBef>
+                <a:spcPct val="0"/>
+              </a:spcBef>
+              <a:buNone/>
+              <a:defRPr sz="6000" kern="1200">
+                <a:solidFill>
+                  <a:schemeClr val="tx1"/>
+                </a:solidFill>
+                <a:latin typeface="+mj-lt"/>
+                <a:ea typeface="+mj-ea"/>
+                <a:cs typeface="+mj-cs"/>
+              </a:defRPr>
+            </a:lvl1pPr>
+          </a:lstStyle>
+          <a:p>
+            <a:pPr algn="l"/>
+            <a:endParaRPr lang="en-US" sz="3600" dirty="0">
+              <a:solidFill>
+                <a:srgbClr val="FEFDDE"/>
+              </a:solidFill>
+              <a:latin typeface="Proxima Nova Rg" panose="02000506030000020004" pitchFamily="50" charset="0"/>
+            </a:endParaRPr>
+          </a:p>
+        </p:txBody>
+      </p:sp>
+      <p:sp>
+        <p:nvSpPr>
+          <p:cNvPr id="11" name="Title 1"/>
+          <p:cNvSpPr txBox="1">
+            <a:spLocks/>
+          </p:cNvSpPr>
+          <p:nvPr/>
+        </p:nvSpPr>
+        <p:spPr>
+          <a:xfrm>
+            <a:off x="471340" y="3249070"/>
+            <a:ext cx="11460410" cy="580641"/>
+          </a:xfrm>
+          <a:prstGeom prst="rect">
+            <a:avLst/>
+          </a:prstGeom>
+        </p:spPr>
+        <p:txBody>
+          <a:bodyPr vert="horz" lIns="91440" tIns="45720" rIns="91440" bIns="45720" rtlCol="0" anchor="b">
+            <a:noAutofit/>
+          </a:bodyPr>
+          <a:lstStyle>
+            <a:lvl1pPr algn="ctr" defTabSz="914400" rtl="0" eaLnBrk="1" latinLnBrk="0" hangingPunct="1">
+              <a:lnSpc>
+                <a:spcPct val="90000"/>
+              </a:lnSpc>
+              <a:spcBef>
+                <a:spcPct val="0"/>
+              </a:spcBef>
+              <a:buNone/>
+              <a:defRPr sz="6000" kern="1200">
+                <a:solidFill>
+                  <a:schemeClr val="tx1"/>
+                </a:solidFill>
+                <a:latin typeface="+mj-lt"/>
+                <a:ea typeface="+mj-ea"/>
+                <a:cs typeface="+mj-cs"/>
+              </a:defRPr>
+            </a:lvl1pPr>
+          </a:lstStyle>
+          <a:p>
+            <a:pPr algn="l"/>
+            <a:r>
+              <a:rPr lang="en-US" sz="3600" b="1" dirty="0">
+                <a:solidFill>
+                  <a:srgbClr val="FEFDDE"/>
+                </a:solidFill>
+                <a:latin typeface="Proxima Nova Rg" panose="02000506030000020004" pitchFamily="50" charset="0"/>
+              </a:rPr>
+              <a:t>h</a:t>
+            </a:r>
+            <a:r>
+              <a:rPr lang="en-US" sz="3600" b="1" dirty="0" smtClean="0">
+                <a:solidFill>
+                  <a:srgbClr val="FEFDDE"/>
+                </a:solidFill>
+                <a:latin typeface="Proxima Nova Rg" panose="02000506030000020004" pitchFamily="50" charset="0"/>
+              </a:rPr>
+              <a:t>eight					</a:t>
+            </a:r>
+            <a:r>
+              <a:rPr lang="en-US" sz="3600" dirty="0" smtClean="0">
+                <a:solidFill>
+                  <a:srgbClr val="FEFDDE"/>
+                </a:solidFill>
+                <a:latin typeface="Proxima Nova Rg" panose="02000506030000020004" pitchFamily="50" charset="0"/>
+              </a:rPr>
+              <a:t>height of element</a:t>
+            </a:r>
+            <a:endParaRPr lang="en-US" sz="3600" dirty="0">
+              <a:solidFill>
+                <a:srgbClr val="FEFDDE"/>
+              </a:solidFill>
+              <a:latin typeface="Proxima Nova Rg" panose="02000506030000020004" pitchFamily="50" charset="0"/>
+            </a:endParaRPr>
+          </a:p>
+        </p:txBody>
+      </p:sp>
+      <p:sp>
+        <p:nvSpPr>
+          <p:cNvPr id="10" name="Title 1"/>
+          <p:cNvSpPr txBox="1">
+            <a:spLocks/>
+          </p:cNvSpPr>
+          <p:nvPr/>
+        </p:nvSpPr>
+        <p:spPr>
+          <a:xfrm>
+            <a:off x="471340" y="3963117"/>
+            <a:ext cx="11460410" cy="580641"/>
+          </a:xfrm>
+          <a:prstGeom prst="rect">
+            <a:avLst/>
+          </a:prstGeom>
+        </p:spPr>
+        <p:txBody>
+          <a:bodyPr vert="horz" lIns="91440" tIns="45720" rIns="91440" bIns="45720" rtlCol="0" anchor="b">
+            <a:noAutofit/>
+          </a:bodyPr>
+          <a:lstStyle>
+            <a:lvl1pPr algn="ctr" defTabSz="914400" rtl="0" eaLnBrk="1" latinLnBrk="0" hangingPunct="1">
+              <a:lnSpc>
+                <a:spcPct val="90000"/>
+              </a:lnSpc>
+              <a:spcBef>
+                <a:spcPct val="0"/>
+              </a:spcBef>
+              <a:buNone/>
+              <a:defRPr sz="6000" kern="1200">
+                <a:solidFill>
+                  <a:schemeClr val="tx1"/>
+                </a:solidFill>
+                <a:latin typeface="+mj-lt"/>
+                <a:ea typeface="+mj-ea"/>
+                <a:cs typeface="+mj-cs"/>
+              </a:defRPr>
+            </a:lvl1pPr>
+          </a:lstStyle>
+          <a:p>
+            <a:pPr algn="l"/>
+            <a:r>
+              <a:rPr lang="en-US" sz="3600" b="1" dirty="0">
+                <a:solidFill>
+                  <a:srgbClr val="FEFDDE"/>
+                </a:solidFill>
+                <a:latin typeface="Proxima Nova Rg" panose="02000506030000020004" pitchFamily="50" charset="0"/>
+              </a:rPr>
+              <a:t>m</a:t>
+            </a:r>
+            <a:r>
+              <a:rPr lang="en-US" sz="3600" b="1" dirty="0" smtClean="0">
+                <a:solidFill>
+                  <a:srgbClr val="FEFDDE"/>
+                </a:solidFill>
+                <a:latin typeface="Proxima Nova Rg" panose="02000506030000020004" pitchFamily="50" charset="0"/>
+              </a:rPr>
+              <a:t>argin					</a:t>
+            </a:r>
+            <a:r>
+              <a:rPr lang="en-US" sz="3600" dirty="0" smtClean="0">
+                <a:solidFill>
+                  <a:srgbClr val="FEFDDE"/>
+                </a:solidFill>
+                <a:latin typeface="Proxima Nova Rg" panose="02000506030000020004" pitchFamily="50" charset="0"/>
+              </a:rPr>
+              <a:t>margin</a:t>
+            </a:r>
+            <a:endParaRPr lang="en-US" sz="3600" dirty="0">
+              <a:solidFill>
+                <a:srgbClr val="FEFDDE"/>
+              </a:solidFill>
+              <a:latin typeface="Proxima Nova Rg" panose="02000506030000020004" pitchFamily="50" charset="0"/>
+            </a:endParaRPr>
+          </a:p>
+        </p:txBody>
+      </p:sp>
+      <p:sp>
+        <p:nvSpPr>
+          <p:cNvPr id="15" name="Title 1"/>
+          <p:cNvSpPr txBox="1">
+            <a:spLocks/>
+          </p:cNvSpPr>
+          <p:nvPr/>
+        </p:nvSpPr>
+        <p:spPr>
+          <a:xfrm>
+            <a:off x="471340" y="4677164"/>
+            <a:ext cx="11460410" cy="580641"/>
+          </a:xfrm>
+          <a:prstGeom prst="rect">
+            <a:avLst/>
+          </a:prstGeom>
+        </p:spPr>
+        <p:txBody>
+          <a:bodyPr vert="horz" lIns="91440" tIns="45720" rIns="91440" bIns="45720" rtlCol="0" anchor="b">
+            <a:noAutofit/>
+          </a:bodyPr>
+          <a:lstStyle>
+            <a:lvl1pPr algn="ctr" defTabSz="914400" rtl="0" eaLnBrk="1" latinLnBrk="0" hangingPunct="1">
+              <a:lnSpc>
+                <a:spcPct val="90000"/>
+              </a:lnSpc>
+              <a:spcBef>
+                <a:spcPct val="0"/>
+              </a:spcBef>
+              <a:buNone/>
+              <a:defRPr sz="6000" kern="1200">
+                <a:solidFill>
+                  <a:schemeClr val="tx1"/>
+                </a:solidFill>
+                <a:latin typeface="+mj-lt"/>
+                <a:ea typeface="+mj-ea"/>
+                <a:cs typeface="+mj-cs"/>
+              </a:defRPr>
+            </a:lvl1pPr>
+          </a:lstStyle>
+          <a:p>
+            <a:pPr algn="l"/>
+            <a:r>
+              <a:rPr lang="en-US" sz="3600" b="1" dirty="0" smtClean="0">
+                <a:solidFill>
+                  <a:srgbClr val="FEFDDE"/>
+                </a:solidFill>
+                <a:latin typeface="Proxima Nova Rg" panose="02000506030000020004" pitchFamily="50" charset="0"/>
+              </a:rPr>
+              <a:t>padding					</a:t>
+            </a:r>
+            <a:r>
+              <a:rPr lang="en-US" sz="3600" dirty="0" smtClean="0">
+                <a:solidFill>
+                  <a:srgbClr val="FEFDDE"/>
+                </a:solidFill>
+                <a:latin typeface="Proxima Nova Rg" panose="02000506030000020004" pitchFamily="50" charset="0"/>
+              </a:rPr>
+              <a:t>inner padding</a:t>
+            </a:r>
+            <a:endParaRPr lang="en-US" sz="3600" dirty="0">
+              <a:solidFill>
+                <a:srgbClr val="FEFDDE"/>
+              </a:solidFill>
+              <a:latin typeface="Proxima Nova Rg" panose="02000506030000020004" pitchFamily="50" charset="0"/>
+            </a:endParaRPr>
+          </a:p>
+        </p:txBody>
+      </p:sp>
+      <p:sp>
+        <p:nvSpPr>
+          <p:cNvPr id="16" name="Title 1"/>
+          <p:cNvSpPr txBox="1">
+            <a:spLocks/>
+          </p:cNvSpPr>
+          <p:nvPr/>
+        </p:nvSpPr>
+        <p:spPr>
+          <a:xfrm>
+            <a:off x="471340" y="5376169"/>
+            <a:ext cx="11460410" cy="580641"/>
+          </a:xfrm>
+          <a:prstGeom prst="rect">
+            <a:avLst/>
+          </a:prstGeom>
+        </p:spPr>
+        <p:txBody>
+          <a:bodyPr vert="horz" lIns="91440" tIns="45720" rIns="91440" bIns="45720" rtlCol="0" anchor="b">
+            <a:noAutofit/>
+          </a:bodyPr>
+          <a:lstStyle>
+            <a:lvl1pPr algn="ctr" defTabSz="914400" rtl="0" eaLnBrk="1" latinLnBrk="0" hangingPunct="1">
+              <a:lnSpc>
+                <a:spcPct val="90000"/>
+              </a:lnSpc>
+              <a:spcBef>
+                <a:spcPct val="0"/>
+              </a:spcBef>
+              <a:buNone/>
+              <a:defRPr sz="6000" kern="1200">
+                <a:solidFill>
+                  <a:schemeClr val="tx1"/>
+                </a:solidFill>
+                <a:latin typeface="+mj-lt"/>
+                <a:ea typeface="+mj-ea"/>
+                <a:cs typeface="+mj-cs"/>
+              </a:defRPr>
+            </a:lvl1pPr>
+          </a:lstStyle>
+          <a:p>
+            <a:pPr algn="l"/>
+            <a:r>
+              <a:rPr lang="en-US" sz="3600" b="1" dirty="0" smtClean="0">
+                <a:solidFill>
+                  <a:srgbClr val="FEFDDE"/>
+                </a:solidFill>
+                <a:latin typeface="Proxima Nova Rg" panose="02000506030000020004" pitchFamily="50" charset="0"/>
+              </a:rPr>
+              <a:t>border					</a:t>
+            </a:r>
+            <a:r>
+              <a:rPr lang="en-US" sz="3600" dirty="0" smtClean="0">
+                <a:solidFill>
+                  <a:srgbClr val="FEFDDE"/>
+                </a:solidFill>
+                <a:latin typeface="Proxima Nova Rg" panose="02000506030000020004" pitchFamily="50" charset="0"/>
+              </a:rPr>
+              <a:t>border of element</a:t>
+            </a:r>
+            <a:endParaRPr lang="en-US" sz="3600" dirty="0">
+              <a:solidFill>
+                <a:srgbClr val="FEFDDE"/>
+              </a:solidFill>
+              <a:latin typeface="Proxima Nova Rg" panose="02000506030000020004" pitchFamily="50" charset="0"/>
+            </a:endParaRPr>
+          </a:p>
+        </p:txBody>
+      </p:sp>
+    </p:spTree>
+    <p:extLst>
+      <p:ext uri="{BB962C8B-B14F-4D97-AF65-F5344CB8AC3E}">
+        <p14:creationId xmlns:p14="http://schemas.microsoft.com/office/powerpoint/2010/main" val="3143407100"/>
+      </p:ext>
+    </p:extLst>
+  </p:cSld>
+  <p:clrMapOvr>
+    <a:masterClrMapping/>
+  </p:clrMapOvr>
+  <p:timing>
+    <p:tnLst>
+      <p:par>
+        <p:cTn id="1" dur="indefinite" restart="never" nodeType="tmRoot"/>
+      </p:par>
+    </p:tnLst>
+  </p:timing>
+</p:sld>
+</file>
+
+<file path=ppt/slides/slide35.xml><?xml version="1.0" encoding="utf-8"?>
+<p:sld xmlns:a="http://schemas.openxmlformats.org/drawingml/2006/main" xmlns:r="http://schemas.openxmlformats.org/officeDocument/2006/relationships" xmlns:p="http://schemas.openxmlformats.org/presentationml/2006/main">
+  <p:cSld>
+    <p:bg>
+      <p:bgPr>
+        <a:solidFill>
+          <a:srgbClr val="19B5FE"/>
+        </a:solidFill>
+        <a:effectLst/>
+      </p:bgPr>
+    </p:bg>
+    <p:spTree>
+      <p:nvGrpSpPr>
+        <p:cNvPr id="1" name=""/>
+        <p:cNvGrpSpPr/>
+        <p:nvPr/>
+      </p:nvGrpSpPr>
+      <p:grpSpPr>
+        <a:xfrm>
+          <a:off x="0" y="0"/>
+          <a:ext cx="0" cy="0"/>
+          <a:chOff x="0" y="0"/>
+          <a:chExt cx="0" cy="0"/>
+        </a:xfrm>
+      </p:grpSpPr>
+      <p:sp>
+        <p:nvSpPr>
+          <p:cNvPr id="2" name="Title 1"/>
+          <p:cNvSpPr>
+            <a:spLocks noGrp="1"/>
+          </p:cNvSpPr>
+          <p:nvPr>
+            <p:ph type="ctrTitle"/>
+          </p:nvPr>
+        </p:nvSpPr>
+        <p:spPr>
+          <a:xfrm>
+            <a:off x="471340" y="925036"/>
+            <a:ext cx="11460410" cy="1186260"/>
+          </a:xfrm>
+        </p:spPr>
+        <p:txBody>
+          <a:bodyPr>
+            <a:noAutofit/>
+          </a:bodyPr>
+          <a:lstStyle/>
+          <a:p>
+            <a:pPr algn="l"/>
+            <a:r>
+              <a:rPr lang="en-US" sz="7200" b="1" dirty="0" smtClean="0">
+                <a:solidFill>
+                  <a:srgbClr val="FEFDDE"/>
+                </a:solidFill>
+                <a:latin typeface="Proxima Nova Rg" panose="02000506030000020004" pitchFamily="50" charset="0"/>
+              </a:rPr>
+              <a:t>COMMON PROPERTIES</a:t>
+            </a:r>
+            <a:endParaRPr lang="en-US" sz="7200" dirty="0">
+              <a:solidFill>
+                <a:srgbClr val="FEFDDE"/>
+              </a:solidFill>
+              <a:latin typeface="Proxima Nova Rg" panose="02000506030000020004" pitchFamily="50" charset="0"/>
+            </a:endParaRPr>
+          </a:p>
+        </p:txBody>
+      </p:sp>
+      <p:sp>
+        <p:nvSpPr>
+          <p:cNvPr id="3" name="TextBox 2"/>
+          <p:cNvSpPr txBox="1"/>
+          <p:nvPr/>
+        </p:nvSpPr>
+        <p:spPr>
+          <a:xfrm>
+            <a:off x="245097" y="424207"/>
+            <a:ext cx="2235805" cy="369332"/>
+          </a:xfrm>
+          <a:prstGeom prst="rect">
+            <a:avLst/>
+          </a:prstGeom>
+          <a:noFill/>
+        </p:spPr>
+        <p:txBody>
+          <a:bodyPr wrap="none" rtlCol="0">
+            <a:spAutoFit/>
+          </a:bodyPr>
+          <a:lstStyle/>
+          <a:p>
+            <a:r>
+              <a:rPr lang="en-US" b="1" dirty="0" smtClean="0">
+                <a:solidFill>
+                  <a:schemeClr val="bg1">
+                    <a:lumMod val="95000"/>
+                  </a:schemeClr>
+                </a:solidFill>
+                <a:latin typeface="Proxima Nova Rg" panose="02000506030000020004" pitchFamily="50" charset="0"/>
+              </a:rPr>
+              <a:t>CSS3: PROPERTIES</a:t>
+            </a:r>
+            <a:endParaRPr lang="en-US" b="1" dirty="0">
+              <a:solidFill>
+                <a:schemeClr val="bg1">
+                  <a:lumMod val="95000"/>
+                </a:schemeClr>
+              </a:solidFill>
+              <a:latin typeface="Proxima Nova Rg" panose="02000506030000020004" pitchFamily="50" charset="0"/>
+            </a:endParaRPr>
+          </a:p>
+        </p:txBody>
+      </p:sp>
+      <p:sp>
+        <p:nvSpPr>
+          <p:cNvPr id="6" name="TextBox 5"/>
+          <p:cNvSpPr txBox="1"/>
+          <p:nvPr/>
+        </p:nvSpPr>
+        <p:spPr>
+          <a:xfrm>
+            <a:off x="8891046" y="424207"/>
+            <a:ext cx="3040704" cy="369332"/>
+          </a:xfrm>
+          <a:prstGeom prst="rect">
+            <a:avLst/>
+          </a:prstGeom>
+          <a:noFill/>
+        </p:spPr>
+        <p:txBody>
+          <a:bodyPr wrap="none" rtlCol="0">
+            <a:spAutoFit/>
+          </a:bodyPr>
+          <a:lstStyle/>
+          <a:p>
+            <a:r>
+              <a:rPr lang="en-US" b="1" dirty="0" smtClean="0">
+                <a:solidFill>
+                  <a:schemeClr val="bg1">
+                    <a:lumMod val="95000"/>
+                  </a:schemeClr>
+                </a:solidFill>
+                <a:latin typeface="Proxima Nova Rg" panose="02000506030000020004" pitchFamily="50" charset="0"/>
+              </a:rPr>
+              <a:t>HOW TO MAKE A WEBSITE</a:t>
+            </a:r>
+            <a:endParaRPr lang="en-US" b="1" dirty="0">
+              <a:solidFill>
+                <a:schemeClr val="bg1">
+                  <a:lumMod val="95000"/>
+                </a:schemeClr>
+              </a:solidFill>
+              <a:latin typeface="Proxima Nova Rg" panose="02000506030000020004" pitchFamily="50" charset="0"/>
+            </a:endParaRPr>
+          </a:p>
+        </p:txBody>
+      </p:sp>
+      <p:sp>
+        <p:nvSpPr>
+          <p:cNvPr id="7" name="Title 1"/>
+          <p:cNvSpPr txBox="1">
+            <a:spLocks/>
+          </p:cNvSpPr>
+          <p:nvPr/>
+        </p:nvSpPr>
+        <p:spPr>
+          <a:xfrm>
+            <a:off x="471340" y="2535023"/>
+            <a:ext cx="11460410" cy="580641"/>
+          </a:xfrm>
+          <a:prstGeom prst="rect">
+            <a:avLst/>
+          </a:prstGeom>
+        </p:spPr>
+        <p:txBody>
+          <a:bodyPr vert="horz" lIns="91440" tIns="45720" rIns="91440" bIns="45720" rtlCol="0" anchor="b">
+            <a:noAutofit/>
+          </a:bodyPr>
+          <a:lstStyle>
+            <a:lvl1pPr algn="ctr" defTabSz="914400" rtl="0" eaLnBrk="1" latinLnBrk="0" hangingPunct="1">
+              <a:lnSpc>
+                <a:spcPct val="90000"/>
+              </a:lnSpc>
+              <a:spcBef>
+                <a:spcPct val="0"/>
+              </a:spcBef>
+              <a:buNone/>
+              <a:defRPr sz="6000" kern="1200">
+                <a:solidFill>
+                  <a:schemeClr val="tx1"/>
+                </a:solidFill>
+                <a:latin typeface="+mj-lt"/>
+                <a:ea typeface="+mj-ea"/>
+                <a:cs typeface="+mj-cs"/>
+              </a:defRPr>
+            </a:lvl1pPr>
+          </a:lstStyle>
+          <a:p>
+            <a:pPr algn="l"/>
+            <a:r>
+              <a:rPr lang="en-US" sz="3600" b="1" dirty="0" smtClean="0">
+                <a:solidFill>
+                  <a:srgbClr val="FEFDDE"/>
+                </a:solidFill>
+                <a:latin typeface="Proxima Nova Rg" panose="02000506030000020004" pitchFamily="50" charset="0"/>
+              </a:rPr>
+              <a:t>color					</a:t>
+            </a:r>
+            <a:r>
+              <a:rPr lang="en-US" sz="3600" dirty="0" smtClean="0">
+                <a:solidFill>
+                  <a:srgbClr val="FEFDDE"/>
+                </a:solidFill>
+                <a:latin typeface="Proxima Nova Rg" panose="02000506030000020004" pitchFamily="50" charset="0"/>
+              </a:rPr>
+              <a:t>specifies the color of text</a:t>
+            </a:r>
+            <a:endParaRPr lang="en-US" sz="3600" dirty="0">
+              <a:solidFill>
+                <a:srgbClr val="FEFDDE"/>
+              </a:solidFill>
+              <a:latin typeface="Proxima Nova Rg" panose="02000506030000020004" pitchFamily="50" charset="0"/>
+            </a:endParaRPr>
+          </a:p>
+        </p:txBody>
+      </p:sp>
+      <p:sp>
+        <p:nvSpPr>
+          <p:cNvPr id="9" name="Title 1"/>
+          <p:cNvSpPr txBox="1">
+            <a:spLocks/>
+          </p:cNvSpPr>
+          <p:nvPr/>
+        </p:nvSpPr>
+        <p:spPr>
+          <a:xfrm>
+            <a:off x="471340" y="3978159"/>
+            <a:ext cx="11460410" cy="580641"/>
+          </a:xfrm>
+          <a:prstGeom prst="rect">
+            <a:avLst/>
+          </a:prstGeom>
+        </p:spPr>
+        <p:txBody>
+          <a:bodyPr vert="horz" lIns="91440" tIns="45720" rIns="91440" bIns="45720" rtlCol="0" anchor="b">
+            <a:noAutofit/>
+          </a:bodyPr>
+          <a:lstStyle>
+            <a:lvl1pPr algn="ctr" defTabSz="914400" rtl="0" eaLnBrk="1" latinLnBrk="0" hangingPunct="1">
+              <a:lnSpc>
+                <a:spcPct val="90000"/>
+              </a:lnSpc>
+              <a:spcBef>
+                <a:spcPct val="0"/>
+              </a:spcBef>
+              <a:buNone/>
+              <a:defRPr sz="6000" kern="1200">
+                <a:solidFill>
+                  <a:schemeClr val="tx1"/>
+                </a:solidFill>
+                <a:latin typeface="+mj-lt"/>
+                <a:ea typeface="+mj-ea"/>
+                <a:cs typeface="+mj-cs"/>
+              </a:defRPr>
+            </a:lvl1pPr>
+          </a:lstStyle>
+          <a:p>
+            <a:pPr algn="l"/>
+            <a:endParaRPr lang="en-US" sz="3600" dirty="0">
+              <a:solidFill>
+                <a:srgbClr val="FEFDDE"/>
+              </a:solidFill>
+              <a:latin typeface="Proxima Nova Rg" panose="02000506030000020004" pitchFamily="50" charset="0"/>
+            </a:endParaRPr>
+          </a:p>
+        </p:txBody>
+      </p:sp>
+      <p:sp>
+        <p:nvSpPr>
+          <p:cNvPr id="11" name="Title 1"/>
+          <p:cNvSpPr txBox="1">
+            <a:spLocks/>
+          </p:cNvSpPr>
+          <p:nvPr/>
+        </p:nvSpPr>
+        <p:spPr>
+          <a:xfrm>
+            <a:off x="471340" y="3249070"/>
+            <a:ext cx="11460410" cy="580641"/>
+          </a:xfrm>
+          <a:prstGeom prst="rect">
+            <a:avLst/>
+          </a:prstGeom>
+        </p:spPr>
+        <p:txBody>
+          <a:bodyPr vert="horz" lIns="91440" tIns="45720" rIns="91440" bIns="45720" rtlCol="0" anchor="b">
+            <a:noAutofit/>
+          </a:bodyPr>
+          <a:lstStyle>
+            <a:lvl1pPr algn="ctr" defTabSz="914400" rtl="0" eaLnBrk="1" latinLnBrk="0" hangingPunct="1">
+              <a:lnSpc>
+                <a:spcPct val="90000"/>
+              </a:lnSpc>
+              <a:spcBef>
+                <a:spcPct val="0"/>
+              </a:spcBef>
+              <a:buNone/>
+              <a:defRPr sz="6000" kern="1200">
+                <a:solidFill>
+                  <a:schemeClr val="tx1"/>
+                </a:solidFill>
+                <a:latin typeface="+mj-lt"/>
+                <a:ea typeface="+mj-ea"/>
+                <a:cs typeface="+mj-cs"/>
+              </a:defRPr>
+            </a:lvl1pPr>
+          </a:lstStyle>
+          <a:p>
+            <a:pPr algn="l"/>
+            <a:r>
+              <a:rPr lang="en-US" sz="3600" b="1" dirty="0" smtClean="0">
+                <a:solidFill>
+                  <a:srgbClr val="FEFDDE"/>
+                </a:solidFill>
+                <a:latin typeface="Proxima Nova Rg" panose="02000506030000020004" pitchFamily="50" charset="0"/>
+              </a:rPr>
+              <a:t>background-color			</a:t>
+            </a:r>
+            <a:r>
+              <a:rPr lang="en-US" sz="3600" dirty="0" smtClean="0">
+                <a:solidFill>
+                  <a:srgbClr val="FEFDDE"/>
+                </a:solidFill>
+                <a:latin typeface="Proxima Nova Rg" panose="02000506030000020004" pitchFamily="50" charset="0"/>
+              </a:rPr>
+              <a:t>background color</a:t>
+            </a:r>
+            <a:endParaRPr lang="en-US" sz="3600" dirty="0">
+              <a:solidFill>
+                <a:srgbClr val="FEFDDE"/>
+              </a:solidFill>
+              <a:latin typeface="Proxima Nova Rg" panose="02000506030000020004" pitchFamily="50" charset="0"/>
+            </a:endParaRPr>
+          </a:p>
+        </p:txBody>
+      </p:sp>
+      <p:sp>
+        <p:nvSpPr>
+          <p:cNvPr id="10" name="Title 1"/>
+          <p:cNvSpPr txBox="1">
+            <a:spLocks/>
+          </p:cNvSpPr>
+          <p:nvPr/>
+        </p:nvSpPr>
+        <p:spPr>
+          <a:xfrm>
+            <a:off x="471340" y="3963117"/>
+            <a:ext cx="11460410" cy="580641"/>
+          </a:xfrm>
+          <a:prstGeom prst="rect">
+            <a:avLst/>
+          </a:prstGeom>
+        </p:spPr>
+        <p:txBody>
+          <a:bodyPr vert="horz" lIns="91440" tIns="45720" rIns="91440" bIns="45720" rtlCol="0" anchor="b">
+            <a:noAutofit/>
+          </a:bodyPr>
+          <a:lstStyle>
+            <a:lvl1pPr algn="ctr" defTabSz="914400" rtl="0" eaLnBrk="1" latinLnBrk="0" hangingPunct="1">
+              <a:lnSpc>
+                <a:spcPct val="90000"/>
+              </a:lnSpc>
+              <a:spcBef>
+                <a:spcPct val="0"/>
+              </a:spcBef>
+              <a:buNone/>
+              <a:defRPr sz="6000" kern="1200">
+                <a:solidFill>
+                  <a:schemeClr val="tx1"/>
+                </a:solidFill>
+                <a:latin typeface="+mj-lt"/>
+                <a:ea typeface="+mj-ea"/>
+                <a:cs typeface="+mj-cs"/>
+              </a:defRPr>
+            </a:lvl1pPr>
+          </a:lstStyle>
+          <a:p>
+            <a:pPr algn="l"/>
+            <a:r>
+              <a:rPr lang="en-US" sz="3600" b="1" dirty="0" smtClean="0">
+                <a:solidFill>
+                  <a:srgbClr val="FEFDDE"/>
+                </a:solidFill>
+                <a:latin typeface="Proxima Nova Rg" panose="02000506030000020004" pitchFamily="50" charset="0"/>
+              </a:rPr>
+              <a:t>font-family				</a:t>
+            </a:r>
+            <a:r>
+              <a:rPr lang="en-US" sz="3600" dirty="0" smtClean="0">
+                <a:solidFill>
+                  <a:srgbClr val="FEFDDE"/>
+                </a:solidFill>
+                <a:latin typeface="Proxima Nova Rg" panose="02000506030000020004" pitchFamily="50" charset="0"/>
+              </a:rPr>
+              <a:t>font</a:t>
+            </a:r>
+            <a:r>
+              <a:rPr lang="en-US" sz="3600" b="1" dirty="0" smtClean="0">
+                <a:solidFill>
+                  <a:srgbClr val="FEFDDE"/>
+                </a:solidFill>
+                <a:latin typeface="Proxima Nova Rg" panose="02000506030000020004" pitchFamily="50" charset="0"/>
+              </a:rPr>
+              <a:t>	</a:t>
+            </a:r>
+            <a:r>
+              <a:rPr lang="en-US" sz="3600" dirty="0" smtClean="0">
+                <a:solidFill>
+                  <a:srgbClr val="FEFDDE"/>
+                </a:solidFill>
+                <a:latin typeface="Proxima Nova Rg" panose="02000506030000020004" pitchFamily="50" charset="0"/>
+              </a:rPr>
+              <a:t>(Arial, TMS)</a:t>
+            </a:r>
+            <a:r>
+              <a:rPr lang="en-US" sz="3600" b="1" dirty="0" smtClean="0">
+                <a:solidFill>
+                  <a:srgbClr val="FEFDDE"/>
+                </a:solidFill>
+                <a:latin typeface="Proxima Nova Rg" panose="02000506030000020004" pitchFamily="50" charset="0"/>
+              </a:rPr>
+              <a:t>			</a:t>
+            </a:r>
+            <a:endParaRPr lang="en-US" sz="3600" dirty="0">
+              <a:solidFill>
+                <a:srgbClr val="FEFDDE"/>
+              </a:solidFill>
+              <a:latin typeface="Proxima Nova Rg" panose="02000506030000020004" pitchFamily="50" charset="0"/>
+            </a:endParaRPr>
+          </a:p>
+        </p:txBody>
+      </p:sp>
+      <p:sp>
+        <p:nvSpPr>
+          <p:cNvPr id="15" name="Title 1"/>
+          <p:cNvSpPr txBox="1">
+            <a:spLocks/>
+          </p:cNvSpPr>
+          <p:nvPr/>
+        </p:nvSpPr>
+        <p:spPr>
+          <a:xfrm>
+            <a:off x="471340" y="4677164"/>
+            <a:ext cx="11460410" cy="580641"/>
+          </a:xfrm>
+          <a:prstGeom prst="rect">
+            <a:avLst/>
+          </a:prstGeom>
+        </p:spPr>
+        <p:txBody>
+          <a:bodyPr vert="horz" lIns="91440" tIns="45720" rIns="91440" bIns="45720" rtlCol="0" anchor="b">
+            <a:noAutofit/>
+          </a:bodyPr>
+          <a:lstStyle>
+            <a:lvl1pPr algn="ctr" defTabSz="914400" rtl="0" eaLnBrk="1" latinLnBrk="0" hangingPunct="1">
+              <a:lnSpc>
+                <a:spcPct val="90000"/>
+              </a:lnSpc>
+              <a:spcBef>
+                <a:spcPct val="0"/>
+              </a:spcBef>
+              <a:buNone/>
+              <a:defRPr sz="6000" kern="1200">
+                <a:solidFill>
+                  <a:schemeClr val="tx1"/>
+                </a:solidFill>
+                <a:latin typeface="+mj-lt"/>
+                <a:ea typeface="+mj-ea"/>
+                <a:cs typeface="+mj-cs"/>
+              </a:defRPr>
+            </a:lvl1pPr>
+          </a:lstStyle>
+          <a:p>
+            <a:pPr algn="l"/>
+            <a:r>
+              <a:rPr lang="en-US" sz="3600" b="1" dirty="0" smtClean="0">
+                <a:solidFill>
+                  <a:srgbClr val="FEFDDE"/>
+                </a:solidFill>
+                <a:latin typeface="Proxima Nova Rg" panose="02000506030000020004" pitchFamily="50" charset="0"/>
+              </a:rPr>
+              <a:t>font-size					</a:t>
+            </a:r>
+            <a:r>
+              <a:rPr lang="en-US" sz="3600" dirty="0" smtClean="0">
+                <a:solidFill>
+                  <a:srgbClr val="FEFDDE"/>
+                </a:solidFill>
+                <a:latin typeface="Proxima Nova Rg" panose="02000506030000020004" pitchFamily="50" charset="0"/>
+              </a:rPr>
+              <a:t>font size (px, %, em, rem)</a:t>
+            </a:r>
+            <a:endParaRPr lang="en-US" sz="3600" dirty="0">
+              <a:solidFill>
+                <a:srgbClr val="FEFDDE"/>
+              </a:solidFill>
+              <a:latin typeface="Proxima Nova Rg" panose="02000506030000020004" pitchFamily="50" charset="0"/>
+            </a:endParaRPr>
+          </a:p>
+        </p:txBody>
+      </p:sp>
+      <p:sp>
+        <p:nvSpPr>
+          <p:cNvPr id="16" name="Title 1"/>
+          <p:cNvSpPr txBox="1">
+            <a:spLocks/>
+          </p:cNvSpPr>
+          <p:nvPr/>
+        </p:nvSpPr>
+        <p:spPr>
+          <a:xfrm>
+            <a:off x="471340" y="5376169"/>
+            <a:ext cx="11460410" cy="580641"/>
+          </a:xfrm>
+          <a:prstGeom prst="rect">
+            <a:avLst/>
+          </a:prstGeom>
+        </p:spPr>
+        <p:txBody>
+          <a:bodyPr vert="horz" lIns="91440" tIns="45720" rIns="91440" bIns="45720" rtlCol="0" anchor="b">
+            <a:noAutofit/>
+          </a:bodyPr>
+          <a:lstStyle>
+            <a:lvl1pPr algn="ctr" defTabSz="914400" rtl="0" eaLnBrk="1" latinLnBrk="0" hangingPunct="1">
+              <a:lnSpc>
+                <a:spcPct val="90000"/>
+              </a:lnSpc>
+              <a:spcBef>
+                <a:spcPct val="0"/>
+              </a:spcBef>
+              <a:buNone/>
+              <a:defRPr sz="6000" kern="1200">
+                <a:solidFill>
+                  <a:schemeClr val="tx1"/>
+                </a:solidFill>
+                <a:latin typeface="+mj-lt"/>
+                <a:ea typeface="+mj-ea"/>
+                <a:cs typeface="+mj-cs"/>
+              </a:defRPr>
+            </a:lvl1pPr>
+          </a:lstStyle>
+          <a:p>
+            <a:pPr algn="l"/>
+            <a:r>
+              <a:rPr lang="en-US" sz="3600" b="1" dirty="0" smtClean="0">
+                <a:solidFill>
+                  <a:srgbClr val="FEFDDE"/>
+                </a:solidFill>
+                <a:latin typeface="Proxima Nova Rg" panose="02000506030000020004" pitchFamily="50" charset="0"/>
+              </a:rPr>
+              <a:t>text-align				</a:t>
+            </a:r>
+            <a:r>
+              <a:rPr lang="en-US" sz="3600" dirty="0" smtClean="0">
+                <a:solidFill>
+                  <a:srgbClr val="FEFDDE"/>
+                </a:solidFill>
+                <a:latin typeface="Proxima Nova Rg" panose="02000506030000020004" pitchFamily="50" charset="0"/>
+              </a:rPr>
+              <a:t>align to left, center, right</a:t>
+            </a:r>
+            <a:endParaRPr lang="en-US" sz="3600" dirty="0">
+              <a:solidFill>
+                <a:srgbClr val="FEFDDE"/>
+              </a:solidFill>
+              <a:latin typeface="Proxima Nova Rg" panose="02000506030000020004" pitchFamily="50" charset="0"/>
+            </a:endParaRPr>
+          </a:p>
+        </p:txBody>
+      </p:sp>
+    </p:spTree>
+    <p:extLst>
+      <p:ext uri="{BB962C8B-B14F-4D97-AF65-F5344CB8AC3E}">
+        <p14:creationId xmlns:p14="http://schemas.microsoft.com/office/powerpoint/2010/main" val="4127188249"/>
+      </p:ext>
+    </p:extLst>
+  </p:cSld>
+  <p:clrMapOvr>
+    <a:masterClrMapping/>
+  </p:clrMapOvr>
+  <p:timing>
+    <p:tnLst>
+      <p:par>
+        <p:cTn id="1" dur="indefinite" restart="never" nodeType="tmRoot"/>
+      </p:par>
+    </p:tnLst>
+  </p:timing>
+</p:sld>
+</file>
+
+<file path=ppt/slides/slide36.xml><?xml version="1.0" encoding="utf-8"?>
+<p:sld xmlns:a="http://schemas.openxmlformats.org/drawingml/2006/main" xmlns:r="http://schemas.openxmlformats.org/officeDocument/2006/relationships" xmlns:p="http://schemas.openxmlformats.org/presentationml/2006/main">
+  <p:cSld>
+    <p:bg>
+      <p:bgPr>
+        <a:solidFill>
+          <a:srgbClr val="19B5FE"/>
+        </a:solidFill>
+        <a:effectLst/>
+      </p:bgPr>
+    </p:bg>
+    <p:spTree>
+      <p:nvGrpSpPr>
+        <p:cNvPr id="1" name=""/>
+        <p:cNvGrpSpPr/>
+        <p:nvPr/>
+      </p:nvGrpSpPr>
+      <p:grpSpPr>
+        <a:xfrm>
+          <a:off x="0" y="0"/>
+          <a:ext cx="0" cy="0"/>
+          <a:chOff x="0" y="0"/>
+          <a:chExt cx="0" cy="0"/>
+        </a:xfrm>
+      </p:grpSpPr>
+      <p:sp>
+        <p:nvSpPr>
+          <p:cNvPr id="2" name="Title 1"/>
+          <p:cNvSpPr>
+            <a:spLocks noGrp="1"/>
+          </p:cNvSpPr>
+          <p:nvPr>
+            <p:ph type="ctrTitle"/>
+          </p:nvPr>
+        </p:nvSpPr>
+        <p:spPr>
+          <a:xfrm>
+            <a:off x="0" y="2667000"/>
+            <a:ext cx="12191999" cy="1186260"/>
+          </a:xfrm>
+        </p:spPr>
+        <p:txBody>
+          <a:bodyPr>
+            <a:noAutofit/>
+          </a:bodyPr>
+          <a:lstStyle/>
+          <a:p>
+            <a:r>
+              <a:rPr lang="en-US" sz="7200" b="1" dirty="0" smtClean="0">
+                <a:solidFill>
+                  <a:srgbClr val="FEFDDE"/>
+                </a:solidFill>
+                <a:latin typeface="Proxima Nova Rg" panose="02000506030000020004" pitchFamily="50" charset="0"/>
+              </a:rPr>
+              <a:t>BOOTSTRAP</a:t>
+            </a:r>
+            <a:endParaRPr lang="en-US" sz="7200" b="1" dirty="0">
+              <a:solidFill>
+                <a:srgbClr val="FEFDDE"/>
+              </a:solidFill>
+              <a:latin typeface="Proxima Nova Rg" panose="02000506030000020004" pitchFamily="50" charset="0"/>
+            </a:endParaRPr>
+          </a:p>
+        </p:txBody>
+      </p:sp>
+      <p:sp>
+        <p:nvSpPr>
+          <p:cNvPr id="3" name="TextBox 2"/>
+          <p:cNvSpPr txBox="1"/>
+          <p:nvPr/>
+        </p:nvSpPr>
+        <p:spPr>
+          <a:xfrm>
+            <a:off x="4644544" y="3853260"/>
+            <a:ext cx="2902911" cy="369332"/>
+          </a:xfrm>
+          <a:prstGeom prst="rect">
+            <a:avLst/>
+          </a:prstGeom>
+          <a:noFill/>
+        </p:spPr>
+        <p:txBody>
+          <a:bodyPr wrap="none" rtlCol="0">
+            <a:spAutoFit/>
+          </a:bodyPr>
+          <a:lstStyle/>
+          <a:p>
+            <a:r>
+              <a:rPr lang="en-US" b="1" dirty="0" smtClean="0">
+                <a:solidFill>
+                  <a:schemeClr val="bg1">
+                    <a:lumMod val="95000"/>
+                  </a:schemeClr>
+                </a:solidFill>
+                <a:latin typeface="Proxima Nova Rg" panose="02000506030000020004" pitchFamily="50" charset="0"/>
+              </a:rPr>
+              <a:t>DOING THIS EFFICIENTLY</a:t>
+            </a:r>
+            <a:endParaRPr lang="en-US" b="1" dirty="0">
+              <a:solidFill>
+                <a:schemeClr val="bg1">
+                  <a:lumMod val="95000"/>
+                </a:schemeClr>
+              </a:solidFill>
+              <a:latin typeface="Proxima Nova Rg" panose="02000506030000020004" pitchFamily="50" charset="0"/>
+            </a:endParaRPr>
+          </a:p>
+        </p:txBody>
+      </p:sp>
+    </p:spTree>
+    <p:extLst>
+      <p:ext uri="{BB962C8B-B14F-4D97-AF65-F5344CB8AC3E}">
+        <p14:creationId xmlns:p14="http://schemas.microsoft.com/office/powerpoint/2010/main" val="3680162299"/>
+      </p:ext>
+    </p:extLst>
+  </p:cSld>
+  <p:clrMapOvr>
+    <a:masterClrMapping/>
+  </p:clrMapOvr>
+  <p:timing>
+    <p:tnLst>
+      <p:par>
+        <p:cTn id="1" dur="indefinite" restart="never" nodeType="tmRoot"/>
+      </p:par>
+    </p:tnLst>
+  </p:timing>
+</p:sld>
+</file>
+
+<file path=ppt/slides/slide37.xml><?xml version="1.0" encoding="utf-8"?>
+<p:sld xmlns:a="http://schemas.openxmlformats.org/drawingml/2006/main" xmlns:r="http://schemas.openxmlformats.org/officeDocument/2006/relationships" xmlns:p="http://schemas.openxmlformats.org/presentationml/2006/main">
+  <p:cSld>
+    <p:bg>
+      <p:bgPr>
+        <a:solidFill>
+          <a:srgbClr val="19B5FE"/>
+        </a:solidFill>
+        <a:effectLst/>
+      </p:bgPr>
+    </p:bg>
+    <p:spTree>
+      <p:nvGrpSpPr>
+        <p:cNvPr id="1" name=""/>
+        <p:cNvGrpSpPr/>
+        <p:nvPr/>
+      </p:nvGrpSpPr>
+      <p:grpSpPr>
+        <a:xfrm>
+          <a:off x="0" y="0"/>
+          <a:ext cx="0" cy="0"/>
+          <a:chOff x="0" y="0"/>
+          <a:chExt cx="0" cy="0"/>
+        </a:xfrm>
+      </p:grpSpPr>
+      <p:sp>
+        <p:nvSpPr>
+          <p:cNvPr id="2" name="Title 1"/>
+          <p:cNvSpPr>
+            <a:spLocks noGrp="1"/>
+          </p:cNvSpPr>
+          <p:nvPr>
+            <p:ph type="ctrTitle"/>
+          </p:nvPr>
+        </p:nvSpPr>
+        <p:spPr>
+          <a:xfrm>
+            <a:off x="0" y="2667000"/>
+            <a:ext cx="12191999" cy="1186260"/>
+          </a:xfrm>
+        </p:spPr>
+        <p:txBody>
+          <a:bodyPr>
+            <a:noAutofit/>
+          </a:bodyPr>
+          <a:lstStyle/>
+          <a:p>
+            <a:r>
+              <a:rPr lang="en-US" sz="7200" b="1" dirty="0" smtClean="0">
+                <a:solidFill>
+                  <a:srgbClr val="FEFDDE"/>
+                </a:solidFill>
+                <a:latin typeface="Proxima Nova Rg" panose="02000506030000020004" pitchFamily="50" charset="0"/>
+              </a:rPr>
+              <a:t>JAVASCRIPT</a:t>
+            </a:r>
+            <a:endParaRPr lang="en-US" sz="7200" b="1" dirty="0">
+              <a:solidFill>
+                <a:srgbClr val="FEFDDE"/>
+              </a:solidFill>
+              <a:latin typeface="Proxima Nova Rg" panose="02000506030000020004" pitchFamily="50" charset="0"/>
+            </a:endParaRPr>
+          </a:p>
+        </p:txBody>
+      </p:sp>
+      <p:sp>
+        <p:nvSpPr>
+          <p:cNvPr id="3" name="TextBox 2"/>
+          <p:cNvSpPr txBox="1"/>
+          <p:nvPr/>
+        </p:nvSpPr>
+        <p:spPr>
+          <a:xfrm>
+            <a:off x="4559970" y="3853260"/>
+            <a:ext cx="3072059" cy="369332"/>
+          </a:xfrm>
+          <a:prstGeom prst="rect">
+            <a:avLst/>
+          </a:prstGeom>
+          <a:noFill/>
+        </p:spPr>
+        <p:txBody>
+          <a:bodyPr wrap="none" rtlCol="0">
+            <a:spAutoFit/>
+          </a:bodyPr>
+          <a:lstStyle/>
+          <a:p>
+            <a:r>
+              <a:rPr lang="en-US" b="1" dirty="0" smtClean="0">
+                <a:solidFill>
+                  <a:schemeClr val="bg1">
+                    <a:lumMod val="95000"/>
+                  </a:schemeClr>
+                </a:solidFill>
+                <a:latin typeface="Proxima Nova Rg" panose="02000506030000020004" pitchFamily="50" charset="0"/>
+              </a:rPr>
+              <a:t>MAKE YOUR WEBSITE FUN</a:t>
+            </a:r>
+            <a:endParaRPr lang="en-US" b="1" dirty="0">
+              <a:solidFill>
+                <a:schemeClr val="bg1">
+                  <a:lumMod val="95000"/>
+                </a:schemeClr>
+              </a:solidFill>
+              <a:latin typeface="Proxima Nova Rg" panose="02000506030000020004" pitchFamily="50" charset="0"/>
+            </a:endParaRPr>
+          </a:p>
+        </p:txBody>
+      </p:sp>
+    </p:spTree>
+    <p:extLst>
+      <p:ext uri="{BB962C8B-B14F-4D97-AF65-F5344CB8AC3E}">
+        <p14:creationId xmlns:p14="http://schemas.microsoft.com/office/powerpoint/2010/main" val="3109147248"/>
       </p:ext>
     </p:extLst>
   </p:cSld>

--- a/Presentation/How to Make a Website.pptx
+++ b/Presentation/How to Make a Website.pptx
@@ -41,7 +41,11 @@
     <p:sldId id="291" r:id="rId35"/>
     <p:sldId id="292" r:id="rId36"/>
     <p:sldId id="261" r:id="rId37"/>
-    <p:sldId id="262" r:id="rId38"/>
+    <p:sldId id="296" r:id="rId38"/>
+    <p:sldId id="295" r:id="rId39"/>
+    <p:sldId id="293" r:id="rId40"/>
+    <p:sldId id="294" r:id="rId41"/>
+    <p:sldId id="262" r:id="rId42"/>
   </p:sldIdLst>
   <p:sldSz cx="12192000" cy="6858000"/>
   <p:notesSz cx="6858000" cy="9144000"/>
@@ -143,12 +147,17 @@
   <p:extLst>
     <p:ext uri="{EFAFB233-063F-42B5-8137-9DF3F51BA10A}">
       <p15:sldGuideLst xmlns:p15="http://schemas.microsoft.com/office/powerpoint/2012/main">
-        <p15:guide id="1" pos="3840" userDrawn="1">
+        <p15:guide id="1" pos="5712" userDrawn="1">
           <p15:clr>
             <a:srgbClr val="A4A3A4"/>
           </p15:clr>
         </p15:guide>
         <p15:guide id="2" orient="horz" pos="2160">
+          <p15:clr>
+            <a:srgbClr val="A4A3A4"/>
+          </p15:clr>
+        </p15:guide>
+        <p15:guide id="3" pos="2328" userDrawn="1">
           <p15:clr>
             <a:srgbClr val="A4A3A4"/>
           </p15:clr>
@@ -9988,7 +9997,7 @@
         <p:spPr>
           <a:xfrm>
             <a:off x="245097" y="424207"/>
-            <a:ext cx="2235997" cy="369332"/>
+            <a:ext cx="2046842" cy="369332"/>
           </a:xfrm>
           <a:prstGeom prst="rect">
             <a:avLst/>
@@ -10010,7 +10019,18 @@
                 </a:solidFill>
                 <a:latin typeface="Proxima Nova Rg" panose="02000506030000020004" pitchFamily="50" charset="0"/>
               </a:rPr>
-              <a:t>HTML5: OVERVIEW</a:t>
+              <a:t>CSS3: </a:t>
+            </a:r>
+            <a:r>
+              <a:rPr lang="en-US" b="1" dirty="0" smtClean="0">
+                <a:solidFill>
+                  <a:schemeClr val="bg1">
+                    <a:lumMod val="95000"/>
+                  </a:schemeClr>
+                </a:solidFill>
+                <a:latin typeface="Proxima Nova Rg" panose="02000506030000020004" pitchFamily="50" charset="0"/>
+              </a:rPr>
+              <a:t>OVERVIEW</a:t>
             </a:r>
             <a:endParaRPr lang="en-US" b="1" dirty="0">
               <a:solidFill>
@@ -10180,7 +10200,7 @@
         <p:spPr>
           <a:xfrm>
             <a:off x="245097" y="424207"/>
-            <a:ext cx="2235997" cy="369332"/>
+            <a:ext cx="2046842" cy="369332"/>
           </a:xfrm>
           <a:prstGeom prst="rect">
             <a:avLst/>
@@ -10202,7 +10222,18 @@
                 </a:solidFill>
                 <a:latin typeface="Proxima Nova Rg" panose="02000506030000020004" pitchFamily="50" charset="0"/>
               </a:rPr>
-              <a:t>HTML5: OVERVIEW</a:t>
+              <a:t>CSS3: </a:t>
+            </a:r>
+            <a:r>
+              <a:rPr lang="en-US" b="1" dirty="0" smtClean="0">
+                <a:solidFill>
+                  <a:schemeClr val="bg1">
+                    <a:lumMod val="95000"/>
+                  </a:schemeClr>
+                </a:solidFill>
+                <a:latin typeface="Proxima Nova Rg" panose="02000506030000020004" pitchFamily="50" charset="0"/>
+              </a:rPr>
+              <a:t>OVERVIEW</a:t>
             </a:r>
             <a:endParaRPr lang="en-US" b="1" dirty="0">
               <a:solidFill>
@@ -13583,8 +13614,8 @@
         </p:nvSpPr>
         <p:spPr>
           <a:xfrm>
-            <a:off x="0" y="2667000"/>
-            <a:ext cx="12191999" cy="1186260"/>
+            <a:off x="0" y="2835870"/>
+            <a:ext cx="12192000" cy="1186260"/>
           </a:xfrm>
         </p:spPr>
         <p:txBody>
@@ -13594,15 +13625,33 @@
           <a:lstStyle/>
           <a:p>
             <a:r>
+              <a:rPr lang="en-US" sz="7200" dirty="0" smtClean="0">
+                <a:solidFill>
+                  <a:srgbClr val="FEFDDE"/>
+                </a:solidFill>
+                <a:latin typeface="Proxima Nova Rg" panose="02000506030000020004" pitchFamily="50" charset="0"/>
+              </a:rPr>
+              <a:t>WHAT IS </a:t>
+            </a:r>
+            <a:r>
               <a:rPr lang="en-US" sz="7200" b="1" dirty="0" smtClean="0">
                 <a:solidFill>
                   <a:srgbClr val="FEFDDE"/>
                 </a:solidFill>
                 <a:latin typeface="Proxima Nova Rg" panose="02000506030000020004" pitchFamily="50" charset="0"/>
               </a:rPr>
-              <a:t>JAVASCRIPT</a:t>
-            </a:r>
-            <a:endParaRPr lang="en-US" sz="7200" b="1" dirty="0">
+              <a:t>BOOTSTRAP</a:t>
+            </a:r>
+            <a:r>
+              <a:rPr lang="en-US" sz="7200" dirty="0" smtClean="0">
+                <a:solidFill>
+                  <a:srgbClr val="FEFDDE"/>
+                </a:solidFill>
+                <a:latin typeface="Proxima Nova Rg" panose="02000506030000020004" pitchFamily="50" charset="0"/>
+              </a:rPr>
+              <a:t>?</a:t>
+            </a:r>
+            <a:endParaRPr lang="en-US" sz="7200" dirty="0">
               <a:solidFill>
                 <a:srgbClr val="FEFDDE"/>
               </a:solidFill>
@@ -13619,8 +13668,8 @@
         </p:nvSpPr>
         <p:spPr>
           <a:xfrm>
-            <a:off x="4559970" y="3853260"/>
-            <a:ext cx="3072059" cy="369332"/>
+            <a:off x="245097" y="424207"/>
+            <a:ext cx="2828595" cy="369332"/>
           </a:xfrm>
           <a:prstGeom prst="rect">
             <a:avLst/>
@@ -13642,7 +13691,18 @@
                 </a:solidFill>
                 <a:latin typeface="Proxima Nova Rg" panose="02000506030000020004" pitchFamily="50" charset="0"/>
               </a:rPr>
-              <a:t>MAKE YOUR WEBSITE FUN</a:t>
+              <a:t>BOOTSTRAP: </a:t>
+            </a:r>
+            <a:r>
+              <a:rPr lang="en-US" b="1" dirty="0" smtClean="0">
+                <a:solidFill>
+                  <a:schemeClr val="bg1">
+                    <a:lumMod val="95000"/>
+                  </a:schemeClr>
+                </a:solidFill>
+                <a:latin typeface="Proxima Nova Rg" panose="02000506030000020004" pitchFamily="50" charset="0"/>
+              </a:rPr>
+              <a:t>OVERVIEW</a:t>
             </a:r>
             <a:endParaRPr lang="en-US" b="1" dirty="0">
               <a:solidFill>
@@ -13655,10 +13715,586 @@
           </a:p>
         </p:txBody>
       </p:sp>
+      <p:sp>
+        <p:nvSpPr>
+          <p:cNvPr id="6" name="TextBox 5"/>
+          <p:cNvSpPr txBox="1"/>
+          <p:nvPr/>
+        </p:nvSpPr>
+        <p:spPr>
+          <a:xfrm>
+            <a:off x="8891046" y="424207"/>
+            <a:ext cx="3040704" cy="369332"/>
+          </a:xfrm>
+          <a:prstGeom prst="rect">
+            <a:avLst/>
+          </a:prstGeom>
+          <a:noFill/>
+        </p:spPr>
+        <p:txBody>
+          <a:bodyPr wrap="none" rtlCol="0">
+            <a:spAutoFit/>
+          </a:bodyPr>
+          <a:lstStyle/>
+          <a:p>
+            <a:r>
+              <a:rPr lang="en-US" b="1" dirty="0" smtClean="0">
+                <a:solidFill>
+                  <a:schemeClr val="bg1">
+                    <a:lumMod val="95000"/>
+                  </a:schemeClr>
+                </a:solidFill>
+                <a:latin typeface="Proxima Nova Rg" panose="02000506030000020004" pitchFamily="50" charset="0"/>
+              </a:rPr>
+              <a:t>HOW TO MAKE A WEBSITE</a:t>
+            </a:r>
+            <a:endParaRPr lang="en-US" b="1" dirty="0">
+              <a:solidFill>
+                <a:schemeClr val="bg1">
+                  <a:lumMod val="95000"/>
+                </a:schemeClr>
+              </a:solidFill>
+              <a:latin typeface="Proxima Nova Rg" panose="02000506030000020004" pitchFamily="50" charset="0"/>
+            </a:endParaRPr>
+          </a:p>
+        </p:txBody>
+      </p:sp>
     </p:spTree>
     <p:extLst>
       <p:ext uri="{BB962C8B-B14F-4D97-AF65-F5344CB8AC3E}">
-        <p14:creationId xmlns:p14="http://schemas.microsoft.com/office/powerpoint/2010/main" val="3109147248"/>
+        <p14:creationId xmlns:p14="http://schemas.microsoft.com/office/powerpoint/2010/main" val="1738465860"/>
+      </p:ext>
+    </p:extLst>
+  </p:cSld>
+  <p:clrMapOvr>
+    <a:masterClrMapping/>
+  </p:clrMapOvr>
+  <p:timing>
+    <p:tnLst>
+      <p:par>
+        <p:cTn id="1" dur="indefinite" restart="never" nodeType="tmRoot"/>
+      </p:par>
+    </p:tnLst>
+  </p:timing>
+</p:sld>
+</file>
+
+<file path=ppt/slides/slide38.xml><?xml version="1.0" encoding="utf-8"?>
+<p:sld xmlns:a="http://schemas.openxmlformats.org/drawingml/2006/main" xmlns:r="http://schemas.openxmlformats.org/officeDocument/2006/relationships" xmlns:p="http://schemas.openxmlformats.org/presentationml/2006/main">
+  <p:cSld>
+    <p:bg>
+      <p:bgPr>
+        <a:solidFill>
+          <a:srgbClr val="19B5FE"/>
+        </a:solidFill>
+        <a:effectLst/>
+      </p:bgPr>
+    </p:bg>
+    <p:spTree>
+      <p:nvGrpSpPr>
+        <p:cNvPr id="1" name=""/>
+        <p:cNvGrpSpPr/>
+        <p:nvPr/>
+      </p:nvGrpSpPr>
+      <p:grpSpPr>
+        <a:xfrm>
+          <a:off x="0" y="0"/>
+          <a:ext cx="0" cy="0"/>
+          <a:chOff x="0" y="0"/>
+          <a:chExt cx="0" cy="0"/>
+        </a:xfrm>
+      </p:grpSpPr>
+      <p:sp>
+        <p:nvSpPr>
+          <p:cNvPr id="2" name="Title 1"/>
+          <p:cNvSpPr>
+            <a:spLocks noGrp="1"/>
+          </p:cNvSpPr>
+          <p:nvPr>
+            <p:ph type="ctrTitle"/>
+          </p:nvPr>
+        </p:nvSpPr>
+        <p:spPr>
+          <a:xfrm>
+            <a:off x="471340" y="925036"/>
+            <a:ext cx="11460410" cy="1186260"/>
+          </a:xfrm>
+        </p:spPr>
+        <p:txBody>
+          <a:bodyPr>
+            <a:noAutofit/>
+          </a:bodyPr>
+          <a:lstStyle/>
+          <a:p>
+            <a:pPr algn="l"/>
+            <a:r>
+              <a:rPr lang="en-US" sz="7200" dirty="0" smtClean="0">
+                <a:solidFill>
+                  <a:srgbClr val="FEFDDE"/>
+                </a:solidFill>
+                <a:latin typeface="Proxima Nova Rg" panose="02000506030000020004" pitchFamily="50" charset="0"/>
+              </a:rPr>
+              <a:t>WHAT IS </a:t>
+            </a:r>
+            <a:r>
+              <a:rPr lang="en-US" sz="7200" b="1" dirty="0" smtClean="0">
+                <a:solidFill>
+                  <a:srgbClr val="FEFDDE"/>
+                </a:solidFill>
+                <a:latin typeface="Proxima Nova Rg" panose="02000506030000020004" pitchFamily="50" charset="0"/>
+              </a:rPr>
+              <a:t>BOOTSTRAP</a:t>
+            </a:r>
+            <a:r>
+              <a:rPr lang="en-US" sz="7200" dirty="0" smtClean="0">
+                <a:solidFill>
+                  <a:srgbClr val="FEFDDE"/>
+                </a:solidFill>
+                <a:latin typeface="Proxima Nova Rg" panose="02000506030000020004" pitchFamily="50" charset="0"/>
+              </a:rPr>
+              <a:t>?</a:t>
+            </a:r>
+            <a:endParaRPr lang="en-US" sz="7200" dirty="0">
+              <a:solidFill>
+                <a:srgbClr val="FEFDDE"/>
+              </a:solidFill>
+              <a:latin typeface="Proxima Nova Rg" panose="02000506030000020004" pitchFamily="50" charset="0"/>
+            </a:endParaRPr>
+          </a:p>
+        </p:txBody>
+      </p:sp>
+      <p:sp>
+        <p:nvSpPr>
+          <p:cNvPr id="3" name="TextBox 2"/>
+          <p:cNvSpPr txBox="1"/>
+          <p:nvPr/>
+        </p:nvSpPr>
+        <p:spPr>
+          <a:xfrm>
+            <a:off x="245097" y="424207"/>
+            <a:ext cx="2828595" cy="369332"/>
+          </a:xfrm>
+          <a:prstGeom prst="rect">
+            <a:avLst/>
+          </a:prstGeom>
+          <a:noFill/>
+        </p:spPr>
+        <p:txBody>
+          <a:bodyPr wrap="none" rtlCol="0">
+            <a:spAutoFit/>
+          </a:bodyPr>
+          <a:lstStyle/>
+          <a:p>
+            <a:r>
+              <a:rPr lang="en-US" b="1" dirty="0" smtClean="0">
+                <a:solidFill>
+                  <a:schemeClr val="bg1">
+                    <a:lumMod val="95000"/>
+                  </a:schemeClr>
+                </a:solidFill>
+                <a:latin typeface="Proxima Nova Rg" panose="02000506030000020004" pitchFamily="50" charset="0"/>
+              </a:rPr>
+              <a:t>BOOTSTRAP:</a:t>
+            </a:r>
+            <a:r>
+              <a:rPr lang="en-US" b="1" dirty="0" smtClean="0">
+                <a:solidFill>
+                  <a:schemeClr val="bg1">
+                    <a:lumMod val="95000"/>
+                  </a:schemeClr>
+                </a:solidFill>
+                <a:latin typeface="Proxima Nova Rg" panose="02000506030000020004" pitchFamily="50" charset="0"/>
+              </a:rPr>
+              <a:t> </a:t>
+            </a:r>
+            <a:r>
+              <a:rPr lang="en-US" b="1" dirty="0" smtClean="0">
+                <a:solidFill>
+                  <a:schemeClr val="bg1">
+                    <a:lumMod val="95000"/>
+                  </a:schemeClr>
+                </a:solidFill>
+                <a:latin typeface="Proxima Nova Rg" panose="02000506030000020004" pitchFamily="50" charset="0"/>
+              </a:rPr>
+              <a:t>OVERVIEW</a:t>
+            </a:r>
+            <a:endParaRPr lang="en-US" b="1" dirty="0">
+              <a:solidFill>
+                <a:schemeClr val="bg1">
+                  <a:lumMod val="95000"/>
+                </a:schemeClr>
+              </a:solidFill>
+              <a:latin typeface="Proxima Nova Rg" panose="02000506030000020004" pitchFamily="50" charset="0"/>
+            </a:endParaRPr>
+          </a:p>
+        </p:txBody>
+      </p:sp>
+      <p:sp>
+        <p:nvSpPr>
+          <p:cNvPr id="6" name="TextBox 5"/>
+          <p:cNvSpPr txBox="1"/>
+          <p:nvPr/>
+        </p:nvSpPr>
+        <p:spPr>
+          <a:xfrm>
+            <a:off x="8891046" y="424207"/>
+            <a:ext cx="3040704" cy="369332"/>
+          </a:xfrm>
+          <a:prstGeom prst="rect">
+            <a:avLst/>
+          </a:prstGeom>
+          <a:noFill/>
+        </p:spPr>
+        <p:txBody>
+          <a:bodyPr wrap="none" rtlCol="0">
+            <a:spAutoFit/>
+          </a:bodyPr>
+          <a:lstStyle/>
+          <a:p>
+            <a:r>
+              <a:rPr lang="en-US" b="1" dirty="0" smtClean="0">
+                <a:solidFill>
+                  <a:schemeClr val="bg1">
+                    <a:lumMod val="95000"/>
+                  </a:schemeClr>
+                </a:solidFill>
+                <a:latin typeface="Proxima Nova Rg" panose="02000506030000020004" pitchFamily="50" charset="0"/>
+              </a:rPr>
+              <a:t>HOW TO MAKE A WEBSITE</a:t>
+            </a:r>
+            <a:endParaRPr lang="en-US" b="1" dirty="0">
+              <a:solidFill>
+                <a:schemeClr val="bg1">
+                  <a:lumMod val="95000"/>
+                </a:schemeClr>
+              </a:solidFill>
+              <a:latin typeface="Proxima Nova Rg" panose="02000506030000020004" pitchFamily="50" charset="0"/>
+            </a:endParaRPr>
+          </a:p>
+        </p:txBody>
+      </p:sp>
+      <p:sp>
+        <p:nvSpPr>
+          <p:cNvPr id="7" name="Title 1"/>
+          <p:cNvSpPr txBox="1">
+            <a:spLocks/>
+          </p:cNvSpPr>
+          <p:nvPr/>
+        </p:nvSpPr>
+        <p:spPr>
+          <a:xfrm>
+            <a:off x="471340" y="2535023"/>
+            <a:ext cx="11460410" cy="580641"/>
+          </a:xfrm>
+          <a:prstGeom prst="rect">
+            <a:avLst/>
+          </a:prstGeom>
+        </p:spPr>
+        <p:txBody>
+          <a:bodyPr vert="horz" lIns="91440" tIns="45720" rIns="91440" bIns="45720" rtlCol="0" anchor="b">
+            <a:noAutofit/>
+          </a:bodyPr>
+          <a:lstStyle>
+            <a:lvl1pPr algn="ctr" defTabSz="914400" rtl="0" eaLnBrk="1" latinLnBrk="0" hangingPunct="1">
+              <a:lnSpc>
+                <a:spcPct val="90000"/>
+              </a:lnSpc>
+              <a:spcBef>
+                <a:spcPct val="0"/>
+              </a:spcBef>
+              <a:buNone/>
+              <a:defRPr sz="6000" kern="1200">
+                <a:solidFill>
+                  <a:schemeClr val="tx1"/>
+                </a:solidFill>
+                <a:latin typeface="+mj-lt"/>
+                <a:ea typeface="+mj-ea"/>
+                <a:cs typeface="+mj-cs"/>
+              </a:defRPr>
+            </a:lvl1pPr>
+          </a:lstStyle>
+          <a:p>
+            <a:pPr algn="l"/>
+            <a:r>
+              <a:rPr lang="en-US" sz="3600" dirty="0" smtClean="0">
+                <a:solidFill>
+                  <a:srgbClr val="FEFDDE"/>
+                </a:solidFill>
+                <a:latin typeface="Proxima Nova Rg" panose="02000506030000020004" pitchFamily="50" charset="0"/>
+              </a:rPr>
+              <a:t>One of the most popular</a:t>
+            </a:r>
+            <a:r>
+              <a:rPr lang="en-US" sz="3600" b="1" dirty="0" smtClean="0">
+                <a:solidFill>
+                  <a:srgbClr val="FEFDDE"/>
+                </a:solidFill>
+                <a:latin typeface="Proxima Nova Rg" panose="02000506030000020004" pitchFamily="50" charset="0"/>
+              </a:rPr>
+              <a:t> web frameworks</a:t>
+            </a:r>
+            <a:endParaRPr lang="en-US" sz="3600" b="1" dirty="0">
+              <a:solidFill>
+                <a:srgbClr val="FEFDDE"/>
+              </a:solidFill>
+              <a:latin typeface="Proxima Nova Rg" panose="02000506030000020004" pitchFamily="50" charset="0"/>
+            </a:endParaRPr>
+          </a:p>
+        </p:txBody>
+      </p:sp>
+      <p:sp>
+        <p:nvSpPr>
+          <p:cNvPr id="8" name="Title 1"/>
+          <p:cNvSpPr txBox="1">
+            <a:spLocks/>
+          </p:cNvSpPr>
+          <p:nvPr/>
+        </p:nvSpPr>
+        <p:spPr>
+          <a:xfrm>
+            <a:off x="471340" y="3256591"/>
+            <a:ext cx="11460410" cy="580641"/>
+          </a:xfrm>
+          <a:prstGeom prst="rect">
+            <a:avLst/>
+          </a:prstGeom>
+        </p:spPr>
+        <p:txBody>
+          <a:bodyPr vert="horz" lIns="91440" tIns="45720" rIns="91440" bIns="45720" rtlCol="0" anchor="b">
+            <a:noAutofit/>
+          </a:bodyPr>
+          <a:lstStyle>
+            <a:lvl1pPr algn="ctr" defTabSz="914400" rtl="0" eaLnBrk="1" latinLnBrk="0" hangingPunct="1">
+              <a:lnSpc>
+                <a:spcPct val="90000"/>
+              </a:lnSpc>
+              <a:spcBef>
+                <a:spcPct val="0"/>
+              </a:spcBef>
+              <a:buNone/>
+              <a:defRPr sz="6000" kern="1200">
+                <a:solidFill>
+                  <a:schemeClr val="tx1"/>
+                </a:solidFill>
+                <a:latin typeface="+mj-lt"/>
+                <a:ea typeface="+mj-ea"/>
+                <a:cs typeface="+mj-cs"/>
+              </a:defRPr>
+            </a:lvl1pPr>
+          </a:lstStyle>
+          <a:p>
+            <a:pPr algn="l"/>
+            <a:r>
+              <a:rPr lang="en-US" sz="3600" dirty="0" smtClean="0">
+                <a:solidFill>
+                  <a:srgbClr val="FEFDDE"/>
+                </a:solidFill>
+                <a:latin typeface="Proxima Nova Rg" panose="02000506030000020004" pitchFamily="50" charset="0"/>
+              </a:rPr>
+              <a:t>Helps you build websites quickly</a:t>
+            </a:r>
+            <a:endParaRPr lang="en-US" sz="3600" dirty="0">
+              <a:solidFill>
+                <a:srgbClr val="FEFDDE"/>
+              </a:solidFill>
+              <a:latin typeface="Proxima Nova Rg" panose="02000506030000020004" pitchFamily="50" charset="0"/>
+            </a:endParaRPr>
+          </a:p>
+        </p:txBody>
+      </p:sp>
+      <p:sp>
+        <p:nvSpPr>
+          <p:cNvPr id="9" name="Title 1"/>
+          <p:cNvSpPr txBox="1">
+            <a:spLocks/>
+          </p:cNvSpPr>
+          <p:nvPr/>
+        </p:nvSpPr>
+        <p:spPr>
+          <a:xfrm>
+            <a:off x="471340" y="3978159"/>
+            <a:ext cx="11460410" cy="580641"/>
+          </a:xfrm>
+          <a:prstGeom prst="rect">
+            <a:avLst/>
+          </a:prstGeom>
+        </p:spPr>
+        <p:txBody>
+          <a:bodyPr vert="horz" lIns="91440" tIns="45720" rIns="91440" bIns="45720" rtlCol="0" anchor="b">
+            <a:noAutofit/>
+          </a:bodyPr>
+          <a:lstStyle>
+            <a:lvl1pPr algn="ctr" defTabSz="914400" rtl="0" eaLnBrk="1" latinLnBrk="0" hangingPunct="1">
+              <a:lnSpc>
+                <a:spcPct val="90000"/>
+              </a:lnSpc>
+              <a:spcBef>
+                <a:spcPct val="0"/>
+              </a:spcBef>
+              <a:buNone/>
+              <a:defRPr sz="6000" kern="1200">
+                <a:solidFill>
+                  <a:schemeClr val="tx1"/>
+                </a:solidFill>
+                <a:latin typeface="+mj-lt"/>
+                <a:ea typeface="+mj-ea"/>
+                <a:cs typeface="+mj-cs"/>
+              </a:defRPr>
+            </a:lvl1pPr>
+          </a:lstStyle>
+          <a:p>
+            <a:pPr algn="l"/>
+            <a:r>
+              <a:rPr lang="en-US" sz="3600" dirty="0" smtClean="0">
+                <a:solidFill>
+                  <a:srgbClr val="FEFDDE"/>
+                </a:solidFill>
+                <a:latin typeface="Proxima Nova Rg" panose="02000506030000020004" pitchFamily="50" charset="0"/>
+              </a:rPr>
+              <a:t>Easy tool for responsive website</a:t>
+            </a:r>
+            <a:endParaRPr lang="en-US" sz="3600" dirty="0">
+              <a:solidFill>
+                <a:srgbClr val="FEFDDE"/>
+              </a:solidFill>
+              <a:latin typeface="Proxima Nova Rg" panose="02000506030000020004" pitchFamily="50" charset="0"/>
+            </a:endParaRPr>
+          </a:p>
+        </p:txBody>
+      </p:sp>
+    </p:spTree>
+    <p:extLst>
+      <p:ext uri="{BB962C8B-B14F-4D97-AF65-F5344CB8AC3E}">
+        <p14:creationId xmlns:p14="http://schemas.microsoft.com/office/powerpoint/2010/main" val="4081911217"/>
+      </p:ext>
+    </p:extLst>
+  </p:cSld>
+  <p:clrMapOvr>
+    <a:masterClrMapping/>
+  </p:clrMapOvr>
+  <p:timing>
+    <p:tnLst>
+      <p:par>
+        <p:cTn id="1" dur="indefinite" restart="never" nodeType="tmRoot"/>
+      </p:par>
+    </p:tnLst>
+  </p:timing>
+</p:sld>
+</file>
+
+<file path=ppt/slides/slide39.xml><?xml version="1.0" encoding="utf-8"?>
+<p:sld xmlns:a="http://schemas.openxmlformats.org/drawingml/2006/main" xmlns:r="http://schemas.openxmlformats.org/officeDocument/2006/relationships" xmlns:p="http://schemas.openxmlformats.org/presentationml/2006/main">
+  <p:cSld>
+    <p:bg>
+      <p:bgPr>
+        <a:solidFill>
+          <a:srgbClr val="19B5FE"/>
+        </a:solidFill>
+        <a:effectLst/>
+      </p:bgPr>
+    </p:bg>
+    <p:spTree>
+      <p:nvGrpSpPr>
+        <p:cNvPr id="1" name=""/>
+        <p:cNvGrpSpPr/>
+        <p:nvPr/>
+      </p:nvGrpSpPr>
+      <p:grpSpPr>
+        <a:xfrm>
+          <a:off x="0" y="0"/>
+          <a:ext cx="0" cy="0"/>
+          <a:chOff x="0" y="0"/>
+          <a:chExt cx="0" cy="0"/>
+        </a:xfrm>
+      </p:grpSpPr>
+      <p:sp>
+        <p:nvSpPr>
+          <p:cNvPr id="2" name="Title 1"/>
+          <p:cNvSpPr>
+            <a:spLocks noGrp="1"/>
+          </p:cNvSpPr>
+          <p:nvPr>
+            <p:ph type="ctrTitle"/>
+          </p:nvPr>
+        </p:nvSpPr>
+        <p:spPr>
+          <a:xfrm>
+            <a:off x="0" y="2667000"/>
+            <a:ext cx="12191999" cy="1186260"/>
+          </a:xfrm>
+        </p:spPr>
+        <p:txBody>
+          <a:bodyPr>
+            <a:noAutofit/>
+          </a:bodyPr>
+          <a:lstStyle/>
+          <a:p>
+            <a:r>
+              <a:rPr lang="en-US" sz="7200" b="1" dirty="0" smtClean="0">
+                <a:solidFill>
+                  <a:srgbClr val="FEFDDE"/>
+                </a:solidFill>
+                <a:latin typeface="Proxima Nova Rg" panose="02000506030000020004" pitchFamily="50" charset="0"/>
+              </a:rPr>
+              <a:t>GETBOOTSTRAP.COM</a:t>
+            </a:r>
+            <a:endParaRPr lang="en-US" sz="7200" b="1" dirty="0">
+              <a:solidFill>
+                <a:srgbClr val="FEFDDE"/>
+              </a:solidFill>
+              <a:latin typeface="Proxima Nova Rg" panose="02000506030000020004" pitchFamily="50" charset="0"/>
+            </a:endParaRPr>
+          </a:p>
+        </p:txBody>
+      </p:sp>
+      <p:sp>
+        <p:nvSpPr>
+          <p:cNvPr id="3" name="TextBox 2"/>
+          <p:cNvSpPr txBox="1"/>
+          <p:nvPr/>
+        </p:nvSpPr>
+        <p:spPr>
+          <a:xfrm>
+            <a:off x="3980933" y="3853260"/>
+            <a:ext cx="4230132" cy="369332"/>
+          </a:xfrm>
+          <a:prstGeom prst="rect">
+            <a:avLst/>
+          </a:prstGeom>
+          <a:noFill/>
+        </p:spPr>
+        <p:txBody>
+          <a:bodyPr wrap="none" rtlCol="0">
+            <a:spAutoFit/>
+          </a:bodyPr>
+          <a:lstStyle/>
+          <a:p>
+            <a:r>
+              <a:rPr lang="en-US" b="1" dirty="0" smtClean="0">
+                <a:solidFill>
+                  <a:schemeClr val="bg1">
+                    <a:lumMod val="95000"/>
+                  </a:schemeClr>
+                </a:solidFill>
+                <a:latin typeface="Proxima Nova Rg" panose="02000506030000020004" pitchFamily="50" charset="0"/>
+              </a:rPr>
+              <a:t>It’s already included in your boilerplate</a:t>
+            </a:r>
+            <a:endParaRPr lang="en-US" b="1" dirty="0">
+              <a:solidFill>
+                <a:schemeClr val="bg1">
+                  <a:lumMod val="95000"/>
+                </a:schemeClr>
+              </a:solidFill>
+              <a:latin typeface="Proxima Nova Rg" panose="02000506030000020004" pitchFamily="50" charset="0"/>
+            </a:endParaRPr>
+          </a:p>
+        </p:txBody>
+      </p:sp>
+    </p:spTree>
+    <p:extLst>
+      <p:ext uri="{BB962C8B-B14F-4D97-AF65-F5344CB8AC3E}">
+        <p14:creationId xmlns:p14="http://schemas.microsoft.com/office/powerpoint/2010/main" val="1128341811"/>
       </p:ext>
     </p:extLst>
   </p:cSld>
@@ -14031,6 +14667,960 @@
     <p:extLst>
       <p:ext uri="{BB962C8B-B14F-4D97-AF65-F5344CB8AC3E}">
         <p14:creationId xmlns:p14="http://schemas.microsoft.com/office/powerpoint/2010/main" val="3153968570"/>
+      </p:ext>
+    </p:extLst>
+  </p:cSld>
+  <p:clrMapOvr>
+    <a:masterClrMapping/>
+  </p:clrMapOvr>
+  <p:timing>
+    <p:tnLst>
+      <p:par>
+        <p:cTn id="1" dur="indefinite" restart="never" nodeType="tmRoot"/>
+      </p:par>
+    </p:tnLst>
+  </p:timing>
+</p:sld>
+</file>
+
+<file path=ppt/slides/slide40.xml><?xml version="1.0" encoding="utf-8"?>
+<p:sld xmlns:a="http://schemas.openxmlformats.org/drawingml/2006/main" xmlns:r="http://schemas.openxmlformats.org/officeDocument/2006/relationships" xmlns:p="http://schemas.openxmlformats.org/presentationml/2006/main">
+  <p:cSld>
+    <p:bg>
+      <p:bgPr>
+        <a:solidFill>
+          <a:srgbClr val="19B5FE"/>
+        </a:solidFill>
+        <a:effectLst/>
+      </p:bgPr>
+    </p:bg>
+    <p:spTree>
+      <p:nvGrpSpPr>
+        <p:cNvPr id="1" name=""/>
+        <p:cNvGrpSpPr/>
+        <p:nvPr/>
+      </p:nvGrpSpPr>
+      <p:grpSpPr>
+        <a:xfrm>
+          <a:off x="0" y="0"/>
+          <a:ext cx="0" cy="0"/>
+          <a:chOff x="0" y="0"/>
+          <a:chExt cx="0" cy="0"/>
+        </a:xfrm>
+      </p:grpSpPr>
+      <p:sp>
+        <p:nvSpPr>
+          <p:cNvPr id="2" name="Title 1"/>
+          <p:cNvSpPr>
+            <a:spLocks noGrp="1"/>
+          </p:cNvSpPr>
+          <p:nvPr>
+            <p:ph type="ctrTitle"/>
+          </p:nvPr>
+        </p:nvSpPr>
+        <p:spPr>
+          <a:xfrm>
+            <a:off x="471340" y="925036"/>
+            <a:ext cx="11460410" cy="1186260"/>
+          </a:xfrm>
+        </p:spPr>
+        <p:txBody>
+          <a:bodyPr>
+            <a:noAutofit/>
+          </a:bodyPr>
+          <a:lstStyle/>
+          <a:p>
+            <a:pPr algn="l"/>
+            <a:r>
+              <a:rPr lang="en-US" sz="7200" b="1" dirty="0" smtClean="0">
+                <a:solidFill>
+                  <a:srgbClr val="FEFDDE"/>
+                </a:solidFill>
+                <a:latin typeface="Proxima Nova Rg" panose="02000506030000020004" pitchFamily="50" charset="0"/>
+              </a:rPr>
+              <a:t>COMMON USAGE</a:t>
+            </a:r>
+            <a:endParaRPr lang="en-US" sz="7200" dirty="0">
+              <a:solidFill>
+                <a:srgbClr val="FEFDDE"/>
+              </a:solidFill>
+              <a:latin typeface="Proxima Nova Rg" panose="02000506030000020004" pitchFamily="50" charset="0"/>
+            </a:endParaRPr>
+          </a:p>
+        </p:txBody>
+      </p:sp>
+      <p:sp>
+        <p:nvSpPr>
+          <p:cNvPr id="3" name="TextBox 2"/>
+          <p:cNvSpPr txBox="1"/>
+          <p:nvPr/>
+        </p:nvSpPr>
+        <p:spPr>
+          <a:xfrm>
+            <a:off x="245097" y="424207"/>
+            <a:ext cx="3344762" cy="369332"/>
+          </a:xfrm>
+          <a:prstGeom prst="rect">
+            <a:avLst/>
+          </a:prstGeom>
+          <a:noFill/>
+        </p:spPr>
+        <p:txBody>
+          <a:bodyPr wrap="none" rtlCol="0">
+            <a:spAutoFit/>
+          </a:bodyPr>
+          <a:lstStyle/>
+          <a:p>
+            <a:r>
+              <a:rPr lang="en-US" b="1" dirty="0" smtClean="0">
+                <a:solidFill>
+                  <a:schemeClr val="bg1">
+                    <a:lumMod val="95000"/>
+                  </a:schemeClr>
+                </a:solidFill>
+                <a:latin typeface="Proxima Nova Rg" panose="02000506030000020004" pitchFamily="50" charset="0"/>
+              </a:rPr>
+              <a:t>BOOTSTRAP: COMON USAGE</a:t>
+            </a:r>
+            <a:endParaRPr lang="en-US" b="1" dirty="0">
+              <a:solidFill>
+                <a:schemeClr val="bg1">
+                  <a:lumMod val="95000"/>
+                </a:schemeClr>
+              </a:solidFill>
+              <a:latin typeface="Proxima Nova Rg" panose="02000506030000020004" pitchFamily="50" charset="0"/>
+            </a:endParaRPr>
+          </a:p>
+        </p:txBody>
+      </p:sp>
+      <p:sp>
+        <p:nvSpPr>
+          <p:cNvPr id="6" name="TextBox 5"/>
+          <p:cNvSpPr txBox="1"/>
+          <p:nvPr/>
+        </p:nvSpPr>
+        <p:spPr>
+          <a:xfrm>
+            <a:off x="8891046" y="424207"/>
+            <a:ext cx="3040704" cy="369332"/>
+          </a:xfrm>
+          <a:prstGeom prst="rect">
+            <a:avLst/>
+          </a:prstGeom>
+          <a:noFill/>
+        </p:spPr>
+        <p:txBody>
+          <a:bodyPr wrap="none" rtlCol="0">
+            <a:spAutoFit/>
+          </a:bodyPr>
+          <a:lstStyle/>
+          <a:p>
+            <a:r>
+              <a:rPr lang="en-US" b="1" dirty="0" smtClean="0">
+                <a:solidFill>
+                  <a:schemeClr val="bg1">
+                    <a:lumMod val="95000"/>
+                  </a:schemeClr>
+                </a:solidFill>
+                <a:latin typeface="Proxima Nova Rg" panose="02000506030000020004" pitchFamily="50" charset="0"/>
+              </a:rPr>
+              <a:t>HOW TO MAKE A WEBSITE</a:t>
+            </a:r>
+            <a:endParaRPr lang="en-US" b="1" dirty="0">
+              <a:solidFill>
+                <a:schemeClr val="bg1">
+                  <a:lumMod val="95000"/>
+                </a:schemeClr>
+              </a:solidFill>
+              <a:latin typeface="Proxima Nova Rg" panose="02000506030000020004" pitchFamily="50" charset="0"/>
+            </a:endParaRPr>
+          </a:p>
+        </p:txBody>
+      </p:sp>
+      <p:sp>
+        <p:nvSpPr>
+          <p:cNvPr id="7" name="Title 1"/>
+          <p:cNvSpPr txBox="1">
+            <a:spLocks/>
+          </p:cNvSpPr>
+          <p:nvPr/>
+        </p:nvSpPr>
+        <p:spPr>
+          <a:xfrm>
+            <a:off x="471340" y="2535023"/>
+            <a:ext cx="11460410" cy="580641"/>
+          </a:xfrm>
+          <a:prstGeom prst="rect">
+            <a:avLst/>
+          </a:prstGeom>
+        </p:spPr>
+        <p:txBody>
+          <a:bodyPr vert="horz" lIns="91440" tIns="45720" rIns="91440" bIns="45720" rtlCol="0" anchor="b">
+            <a:noAutofit/>
+          </a:bodyPr>
+          <a:lstStyle>
+            <a:lvl1pPr algn="ctr" defTabSz="914400" rtl="0" eaLnBrk="1" latinLnBrk="0" hangingPunct="1">
+              <a:lnSpc>
+                <a:spcPct val="90000"/>
+              </a:lnSpc>
+              <a:spcBef>
+                <a:spcPct val="0"/>
+              </a:spcBef>
+              <a:buNone/>
+              <a:defRPr sz="6000" kern="1200">
+                <a:solidFill>
+                  <a:schemeClr val="tx1"/>
+                </a:solidFill>
+                <a:latin typeface="+mj-lt"/>
+                <a:ea typeface="+mj-ea"/>
+                <a:cs typeface="+mj-cs"/>
+              </a:defRPr>
+            </a:lvl1pPr>
+          </a:lstStyle>
+          <a:p>
+            <a:pPr algn="l"/>
+            <a:r>
+              <a:rPr lang="en-US" sz="3600" b="1" dirty="0" smtClean="0">
+                <a:solidFill>
+                  <a:srgbClr val="FEFDDE"/>
+                </a:solidFill>
+                <a:latin typeface="Proxima Nova Rg" panose="02000506030000020004" pitchFamily="50" charset="0"/>
+              </a:rPr>
+              <a:t>grid</a:t>
+            </a:r>
+            <a:endParaRPr lang="en-US" sz="3600" b="1" dirty="0">
+              <a:solidFill>
+                <a:srgbClr val="FEFDDE"/>
+              </a:solidFill>
+              <a:latin typeface="Proxima Nova Rg" panose="02000506030000020004" pitchFamily="50" charset="0"/>
+            </a:endParaRPr>
+          </a:p>
+        </p:txBody>
+      </p:sp>
+      <p:sp>
+        <p:nvSpPr>
+          <p:cNvPr id="9" name="Title 1"/>
+          <p:cNvSpPr txBox="1">
+            <a:spLocks/>
+          </p:cNvSpPr>
+          <p:nvPr/>
+        </p:nvSpPr>
+        <p:spPr>
+          <a:xfrm>
+            <a:off x="471340" y="3978159"/>
+            <a:ext cx="11460410" cy="580641"/>
+          </a:xfrm>
+          <a:prstGeom prst="rect">
+            <a:avLst/>
+          </a:prstGeom>
+        </p:spPr>
+        <p:txBody>
+          <a:bodyPr vert="horz" lIns="91440" tIns="45720" rIns="91440" bIns="45720" rtlCol="0" anchor="b">
+            <a:noAutofit/>
+          </a:bodyPr>
+          <a:lstStyle>
+            <a:lvl1pPr algn="ctr" defTabSz="914400" rtl="0" eaLnBrk="1" latinLnBrk="0" hangingPunct="1">
+              <a:lnSpc>
+                <a:spcPct val="90000"/>
+              </a:lnSpc>
+              <a:spcBef>
+                <a:spcPct val="0"/>
+              </a:spcBef>
+              <a:buNone/>
+              <a:defRPr sz="6000" kern="1200">
+                <a:solidFill>
+                  <a:schemeClr val="tx1"/>
+                </a:solidFill>
+                <a:latin typeface="+mj-lt"/>
+                <a:ea typeface="+mj-ea"/>
+                <a:cs typeface="+mj-cs"/>
+              </a:defRPr>
+            </a:lvl1pPr>
+          </a:lstStyle>
+          <a:p>
+            <a:pPr algn="l"/>
+            <a:endParaRPr lang="en-US" sz="3600" dirty="0">
+              <a:solidFill>
+                <a:srgbClr val="FEFDDE"/>
+              </a:solidFill>
+              <a:latin typeface="Proxima Nova Rg" panose="02000506030000020004" pitchFamily="50" charset="0"/>
+            </a:endParaRPr>
+          </a:p>
+        </p:txBody>
+      </p:sp>
+      <p:sp>
+        <p:nvSpPr>
+          <p:cNvPr id="11" name="Title 1"/>
+          <p:cNvSpPr txBox="1">
+            <a:spLocks/>
+          </p:cNvSpPr>
+          <p:nvPr/>
+        </p:nvSpPr>
+        <p:spPr>
+          <a:xfrm>
+            <a:off x="471340" y="3249070"/>
+            <a:ext cx="11460410" cy="580641"/>
+          </a:xfrm>
+          <a:prstGeom prst="rect">
+            <a:avLst/>
+          </a:prstGeom>
+        </p:spPr>
+        <p:txBody>
+          <a:bodyPr vert="horz" lIns="91440" tIns="45720" rIns="91440" bIns="45720" rtlCol="0" anchor="b">
+            <a:noAutofit/>
+          </a:bodyPr>
+          <a:lstStyle>
+            <a:lvl1pPr algn="ctr" defTabSz="914400" rtl="0" eaLnBrk="1" latinLnBrk="0" hangingPunct="1">
+              <a:lnSpc>
+                <a:spcPct val="90000"/>
+              </a:lnSpc>
+              <a:spcBef>
+                <a:spcPct val="0"/>
+              </a:spcBef>
+              <a:buNone/>
+              <a:defRPr sz="6000" kern="1200">
+                <a:solidFill>
+                  <a:schemeClr val="tx1"/>
+                </a:solidFill>
+                <a:latin typeface="+mj-lt"/>
+                <a:ea typeface="+mj-ea"/>
+                <a:cs typeface="+mj-cs"/>
+              </a:defRPr>
+            </a:lvl1pPr>
+          </a:lstStyle>
+          <a:p>
+            <a:pPr algn="l"/>
+            <a:r>
+              <a:rPr lang="en-US" sz="3600" b="1" dirty="0" smtClean="0">
+                <a:solidFill>
+                  <a:srgbClr val="FEFDDE"/>
+                </a:solidFill>
+                <a:latin typeface="Proxima Nova Rg" panose="02000506030000020004" pitchFamily="50" charset="0"/>
+              </a:rPr>
+              <a:t>form</a:t>
+            </a:r>
+            <a:endParaRPr lang="en-US" sz="3600" b="1" dirty="0">
+              <a:solidFill>
+                <a:srgbClr val="FEFDDE"/>
+              </a:solidFill>
+              <a:latin typeface="Proxima Nova Rg" panose="02000506030000020004" pitchFamily="50" charset="0"/>
+            </a:endParaRPr>
+          </a:p>
+        </p:txBody>
+      </p:sp>
+      <p:sp>
+        <p:nvSpPr>
+          <p:cNvPr id="10" name="Title 1"/>
+          <p:cNvSpPr txBox="1">
+            <a:spLocks/>
+          </p:cNvSpPr>
+          <p:nvPr/>
+        </p:nvSpPr>
+        <p:spPr>
+          <a:xfrm>
+            <a:off x="471340" y="3963117"/>
+            <a:ext cx="11460410" cy="580641"/>
+          </a:xfrm>
+          <a:prstGeom prst="rect">
+            <a:avLst/>
+          </a:prstGeom>
+        </p:spPr>
+        <p:txBody>
+          <a:bodyPr vert="horz" lIns="91440" tIns="45720" rIns="91440" bIns="45720" rtlCol="0" anchor="b">
+            <a:noAutofit/>
+          </a:bodyPr>
+          <a:lstStyle>
+            <a:lvl1pPr algn="ctr" defTabSz="914400" rtl="0" eaLnBrk="1" latinLnBrk="0" hangingPunct="1">
+              <a:lnSpc>
+                <a:spcPct val="90000"/>
+              </a:lnSpc>
+              <a:spcBef>
+                <a:spcPct val="0"/>
+              </a:spcBef>
+              <a:buNone/>
+              <a:defRPr sz="6000" kern="1200">
+                <a:solidFill>
+                  <a:schemeClr val="tx1"/>
+                </a:solidFill>
+                <a:latin typeface="+mj-lt"/>
+                <a:ea typeface="+mj-ea"/>
+                <a:cs typeface="+mj-cs"/>
+              </a:defRPr>
+            </a:lvl1pPr>
+          </a:lstStyle>
+          <a:p>
+            <a:pPr algn="l"/>
+            <a:r>
+              <a:rPr lang="en-US" sz="3600" b="1" dirty="0" smtClean="0">
+                <a:solidFill>
+                  <a:srgbClr val="FEFDDE"/>
+                </a:solidFill>
+                <a:latin typeface="Proxima Nova Rg" panose="02000506030000020004" pitchFamily="50" charset="0"/>
+              </a:rPr>
+              <a:t>buttons</a:t>
+            </a:r>
+            <a:endParaRPr lang="en-US" sz="3600" b="1" dirty="0">
+              <a:solidFill>
+                <a:srgbClr val="FEFDDE"/>
+              </a:solidFill>
+              <a:latin typeface="Proxima Nova Rg" panose="02000506030000020004" pitchFamily="50" charset="0"/>
+            </a:endParaRPr>
+          </a:p>
+        </p:txBody>
+      </p:sp>
+      <p:sp>
+        <p:nvSpPr>
+          <p:cNvPr id="15" name="Title 1"/>
+          <p:cNvSpPr txBox="1">
+            <a:spLocks/>
+          </p:cNvSpPr>
+          <p:nvPr/>
+        </p:nvSpPr>
+        <p:spPr>
+          <a:xfrm>
+            <a:off x="471340" y="4677164"/>
+            <a:ext cx="11460410" cy="580641"/>
+          </a:xfrm>
+          <a:prstGeom prst="rect">
+            <a:avLst/>
+          </a:prstGeom>
+        </p:spPr>
+        <p:txBody>
+          <a:bodyPr vert="horz" lIns="91440" tIns="45720" rIns="91440" bIns="45720" rtlCol="0" anchor="b">
+            <a:noAutofit/>
+          </a:bodyPr>
+          <a:lstStyle>
+            <a:lvl1pPr algn="ctr" defTabSz="914400" rtl="0" eaLnBrk="1" latinLnBrk="0" hangingPunct="1">
+              <a:lnSpc>
+                <a:spcPct val="90000"/>
+              </a:lnSpc>
+              <a:spcBef>
+                <a:spcPct val="0"/>
+              </a:spcBef>
+              <a:buNone/>
+              <a:defRPr sz="6000" kern="1200">
+                <a:solidFill>
+                  <a:schemeClr val="tx1"/>
+                </a:solidFill>
+                <a:latin typeface="+mj-lt"/>
+                <a:ea typeface="+mj-ea"/>
+                <a:cs typeface="+mj-cs"/>
+              </a:defRPr>
+            </a:lvl1pPr>
+          </a:lstStyle>
+          <a:p>
+            <a:pPr algn="l"/>
+            <a:r>
+              <a:rPr lang="en-US" sz="3600" b="1" dirty="0" smtClean="0">
+                <a:solidFill>
+                  <a:srgbClr val="FEFDDE"/>
+                </a:solidFill>
+                <a:latin typeface="Proxima Nova Rg" panose="02000506030000020004" pitchFamily="50" charset="0"/>
+              </a:rPr>
+              <a:t>popup</a:t>
+            </a:r>
+            <a:endParaRPr lang="en-US" sz="3600" dirty="0">
+              <a:solidFill>
+                <a:srgbClr val="FEFDDE"/>
+              </a:solidFill>
+              <a:latin typeface="Proxima Nova Rg" panose="02000506030000020004" pitchFamily="50" charset="0"/>
+            </a:endParaRPr>
+          </a:p>
+        </p:txBody>
+      </p:sp>
+      <p:sp>
+        <p:nvSpPr>
+          <p:cNvPr id="16" name="Title 1"/>
+          <p:cNvSpPr txBox="1">
+            <a:spLocks/>
+          </p:cNvSpPr>
+          <p:nvPr/>
+        </p:nvSpPr>
+        <p:spPr>
+          <a:xfrm>
+            <a:off x="471340" y="5376169"/>
+            <a:ext cx="11460410" cy="580641"/>
+          </a:xfrm>
+          <a:prstGeom prst="rect">
+            <a:avLst/>
+          </a:prstGeom>
+        </p:spPr>
+        <p:txBody>
+          <a:bodyPr vert="horz" lIns="91440" tIns="45720" rIns="91440" bIns="45720" rtlCol="0" anchor="b">
+            <a:noAutofit/>
+          </a:bodyPr>
+          <a:lstStyle>
+            <a:lvl1pPr algn="ctr" defTabSz="914400" rtl="0" eaLnBrk="1" latinLnBrk="0" hangingPunct="1">
+              <a:lnSpc>
+                <a:spcPct val="90000"/>
+              </a:lnSpc>
+              <a:spcBef>
+                <a:spcPct val="0"/>
+              </a:spcBef>
+              <a:buNone/>
+              <a:defRPr sz="6000" kern="1200">
+                <a:solidFill>
+                  <a:schemeClr val="tx1"/>
+                </a:solidFill>
+                <a:latin typeface="+mj-lt"/>
+                <a:ea typeface="+mj-ea"/>
+                <a:cs typeface="+mj-cs"/>
+              </a:defRPr>
+            </a:lvl1pPr>
+          </a:lstStyle>
+          <a:p>
+            <a:pPr algn="l"/>
+            <a:r>
+              <a:rPr lang="en-US" sz="3600" b="1" dirty="0" smtClean="0">
+                <a:solidFill>
+                  <a:srgbClr val="FEFDDE"/>
+                </a:solidFill>
+                <a:latin typeface="Proxima Nova Rg" panose="02000506030000020004" pitchFamily="50" charset="0"/>
+              </a:rPr>
+              <a:t>navbar</a:t>
+            </a:r>
+            <a:endParaRPr lang="en-US" sz="3600" b="1" dirty="0">
+              <a:solidFill>
+                <a:srgbClr val="FEFDDE"/>
+              </a:solidFill>
+              <a:latin typeface="Proxima Nova Rg" panose="02000506030000020004" pitchFamily="50" charset="0"/>
+            </a:endParaRPr>
+          </a:p>
+        </p:txBody>
+      </p:sp>
+      <p:sp>
+        <p:nvSpPr>
+          <p:cNvPr id="12" name="Title 1"/>
+          <p:cNvSpPr txBox="1">
+            <a:spLocks/>
+          </p:cNvSpPr>
+          <p:nvPr/>
+        </p:nvSpPr>
+        <p:spPr>
+          <a:xfrm>
+            <a:off x="3589859" y="2535023"/>
+            <a:ext cx="11460410" cy="580641"/>
+          </a:xfrm>
+          <a:prstGeom prst="rect">
+            <a:avLst/>
+          </a:prstGeom>
+        </p:spPr>
+        <p:txBody>
+          <a:bodyPr vert="horz" lIns="91440" tIns="45720" rIns="91440" bIns="45720" rtlCol="0" anchor="b">
+            <a:noAutofit/>
+          </a:bodyPr>
+          <a:lstStyle>
+            <a:lvl1pPr algn="ctr" defTabSz="914400" rtl="0" eaLnBrk="1" latinLnBrk="0" hangingPunct="1">
+              <a:lnSpc>
+                <a:spcPct val="90000"/>
+              </a:lnSpc>
+              <a:spcBef>
+                <a:spcPct val="0"/>
+              </a:spcBef>
+              <a:buNone/>
+              <a:defRPr sz="6000" kern="1200">
+                <a:solidFill>
+                  <a:schemeClr val="tx1"/>
+                </a:solidFill>
+                <a:latin typeface="+mj-lt"/>
+                <a:ea typeface="+mj-ea"/>
+                <a:cs typeface="+mj-cs"/>
+              </a:defRPr>
+            </a:lvl1pPr>
+          </a:lstStyle>
+          <a:p>
+            <a:pPr algn="l"/>
+            <a:r>
+              <a:rPr lang="en-US" sz="3600" b="1" dirty="0" smtClean="0">
+                <a:solidFill>
+                  <a:srgbClr val="FEFDDE"/>
+                </a:solidFill>
+                <a:latin typeface="Proxima Nova Rg" panose="02000506030000020004" pitchFamily="50" charset="0"/>
+              </a:rPr>
+              <a:t>panels</a:t>
+            </a:r>
+            <a:endParaRPr lang="en-US" sz="3600" b="1" dirty="0">
+              <a:solidFill>
+                <a:srgbClr val="FEFDDE"/>
+              </a:solidFill>
+              <a:latin typeface="Proxima Nova Rg" panose="02000506030000020004" pitchFamily="50" charset="0"/>
+            </a:endParaRPr>
+          </a:p>
+        </p:txBody>
+      </p:sp>
+      <p:sp>
+        <p:nvSpPr>
+          <p:cNvPr id="13" name="Title 1"/>
+          <p:cNvSpPr txBox="1">
+            <a:spLocks/>
+          </p:cNvSpPr>
+          <p:nvPr/>
+        </p:nvSpPr>
+        <p:spPr>
+          <a:xfrm>
+            <a:off x="3589859" y="3249070"/>
+            <a:ext cx="11460410" cy="580641"/>
+          </a:xfrm>
+          <a:prstGeom prst="rect">
+            <a:avLst/>
+          </a:prstGeom>
+        </p:spPr>
+        <p:txBody>
+          <a:bodyPr vert="horz" lIns="91440" tIns="45720" rIns="91440" bIns="45720" rtlCol="0" anchor="b">
+            <a:noAutofit/>
+          </a:bodyPr>
+          <a:lstStyle>
+            <a:lvl1pPr algn="ctr" defTabSz="914400" rtl="0" eaLnBrk="1" latinLnBrk="0" hangingPunct="1">
+              <a:lnSpc>
+                <a:spcPct val="90000"/>
+              </a:lnSpc>
+              <a:spcBef>
+                <a:spcPct val="0"/>
+              </a:spcBef>
+              <a:buNone/>
+              <a:defRPr sz="6000" kern="1200">
+                <a:solidFill>
+                  <a:schemeClr val="tx1"/>
+                </a:solidFill>
+                <a:latin typeface="+mj-lt"/>
+                <a:ea typeface="+mj-ea"/>
+                <a:cs typeface="+mj-cs"/>
+              </a:defRPr>
+            </a:lvl1pPr>
+          </a:lstStyle>
+          <a:p>
+            <a:pPr algn="l"/>
+            <a:r>
+              <a:rPr lang="en-US" sz="3600" b="1" dirty="0" smtClean="0">
+                <a:solidFill>
+                  <a:srgbClr val="FEFDDE"/>
+                </a:solidFill>
+                <a:latin typeface="Proxima Nova Rg" panose="02000506030000020004" pitchFamily="50" charset="0"/>
+              </a:rPr>
+              <a:t>text helpers</a:t>
+            </a:r>
+            <a:endParaRPr lang="en-US" sz="3600" b="1" dirty="0">
+              <a:solidFill>
+                <a:srgbClr val="FEFDDE"/>
+              </a:solidFill>
+              <a:latin typeface="Proxima Nova Rg" panose="02000506030000020004" pitchFamily="50" charset="0"/>
+            </a:endParaRPr>
+          </a:p>
+        </p:txBody>
+      </p:sp>
+      <p:sp>
+        <p:nvSpPr>
+          <p:cNvPr id="14" name="Title 1"/>
+          <p:cNvSpPr txBox="1">
+            <a:spLocks/>
+          </p:cNvSpPr>
+          <p:nvPr/>
+        </p:nvSpPr>
+        <p:spPr>
+          <a:xfrm>
+            <a:off x="3589859" y="3963117"/>
+            <a:ext cx="11460410" cy="580641"/>
+          </a:xfrm>
+          <a:prstGeom prst="rect">
+            <a:avLst/>
+          </a:prstGeom>
+        </p:spPr>
+        <p:txBody>
+          <a:bodyPr vert="horz" lIns="91440" tIns="45720" rIns="91440" bIns="45720" rtlCol="0" anchor="b">
+            <a:noAutofit/>
+          </a:bodyPr>
+          <a:lstStyle>
+            <a:lvl1pPr algn="ctr" defTabSz="914400" rtl="0" eaLnBrk="1" latinLnBrk="0" hangingPunct="1">
+              <a:lnSpc>
+                <a:spcPct val="90000"/>
+              </a:lnSpc>
+              <a:spcBef>
+                <a:spcPct val="0"/>
+              </a:spcBef>
+              <a:buNone/>
+              <a:defRPr sz="6000" kern="1200">
+                <a:solidFill>
+                  <a:schemeClr val="tx1"/>
+                </a:solidFill>
+                <a:latin typeface="+mj-lt"/>
+                <a:ea typeface="+mj-ea"/>
+                <a:cs typeface="+mj-cs"/>
+              </a:defRPr>
+            </a:lvl1pPr>
+          </a:lstStyle>
+          <a:p>
+            <a:pPr algn="l"/>
+            <a:r>
+              <a:rPr lang="en-US" sz="3600" b="1" dirty="0" smtClean="0">
+                <a:solidFill>
+                  <a:srgbClr val="FEFDDE"/>
+                </a:solidFill>
+                <a:latin typeface="Proxima Nova Rg" panose="02000506030000020004" pitchFamily="50" charset="0"/>
+              </a:rPr>
+              <a:t>other stupid classes</a:t>
+            </a:r>
+            <a:endParaRPr lang="en-US" sz="3600" b="1" dirty="0">
+              <a:solidFill>
+                <a:srgbClr val="FEFDDE"/>
+              </a:solidFill>
+              <a:latin typeface="Proxima Nova Rg" panose="02000506030000020004" pitchFamily="50" charset="0"/>
+            </a:endParaRPr>
+          </a:p>
+        </p:txBody>
+      </p:sp>
+      <p:sp>
+        <p:nvSpPr>
+          <p:cNvPr id="17" name="Title 1"/>
+          <p:cNvSpPr txBox="1">
+            <a:spLocks/>
+          </p:cNvSpPr>
+          <p:nvPr/>
+        </p:nvSpPr>
+        <p:spPr>
+          <a:xfrm>
+            <a:off x="3589859" y="4677164"/>
+            <a:ext cx="11460410" cy="580641"/>
+          </a:xfrm>
+          <a:prstGeom prst="rect">
+            <a:avLst/>
+          </a:prstGeom>
+        </p:spPr>
+        <p:txBody>
+          <a:bodyPr vert="horz" lIns="91440" tIns="45720" rIns="91440" bIns="45720" rtlCol="0" anchor="b">
+            <a:noAutofit/>
+          </a:bodyPr>
+          <a:lstStyle>
+            <a:lvl1pPr algn="ctr" defTabSz="914400" rtl="0" eaLnBrk="1" latinLnBrk="0" hangingPunct="1">
+              <a:lnSpc>
+                <a:spcPct val="90000"/>
+              </a:lnSpc>
+              <a:spcBef>
+                <a:spcPct val="0"/>
+              </a:spcBef>
+              <a:buNone/>
+              <a:defRPr sz="6000" kern="1200">
+                <a:solidFill>
+                  <a:schemeClr val="tx1"/>
+                </a:solidFill>
+                <a:latin typeface="+mj-lt"/>
+                <a:ea typeface="+mj-ea"/>
+                <a:cs typeface="+mj-cs"/>
+              </a:defRPr>
+            </a:lvl1pPr>
+          </a:lstStyle>
+          <a:p>
+            <a:pPr algn="l"/>
+            <a:r>
+              <a:rPr lang="en-US" sz="3600" b="1" dirty="0" smtClean="0">
+                <a:solidFill>
+                  <a:srgbClr val="FEFDDE"/>
+                </a:solidFill>
+                <a:latin typeface="Proxima Nova Rg" panose="02000506030000020004" pitchFamily="50" charset="0"/>
+              </a:rPr>
+              <a:t>popup</a:t>
+            </a:r>
+            <a:endParaRPr lang="en-US" sz="3600" dirty="0">
+              <a:solidFill>
+                <a:srgbClr val="FEFDDE"/>
+              </a:solidFill>
+              <a:latin typeface="Proxima Nova Rg" panose="02000506030000020004" pitchFamily="50" charset="0"/>
+            </a:endParaRPr>
+          </a:p>
+        </p:txBody>
+      </p:sp>
+      <p:sp>
+        <p:nvSpPr>
+          <p:cNvPr id="18" name="Title 1"/>
+          <p:cNvSpPr txBox="1">
+            <a:spLocks/>
+          </p:cNvSpPr>
+          <p:nvPr/>
+        </p:nvSpPr>
+        <p:spPr>
+          <a:xfrm>
+            <a:off x="3589859" y="5376169"/>
+            <a:ext cx="11460410" cy="580641"/>
+          </a:xfrm>
+          <a:prstGeom prst="rect">
+            <a:avLst/>
+          </a:prstGeom>
+        </p:spPr>
+        <p:txBody>
+          <a:bodyPr vert="horz" lIns="91440" tIns="45720" rIns="91440" bIns="45720" rtlCol="0" anchor="b">
+            <a:noAutofit/>
+          </a:bodyPr>
+          <a:lstStyle>
+            <a:lvl1pPr algn="ctr" defTabSz="914400" rtl="0" eaLnBrk="1" latinLnBrk="0" hangingPunct="1">
+              <a:lnSpc>
+                <a:spcPct val="90000"/>
+              </a:lnSpc>
+              <a:spcBef>
+                <a:spcPct val="0"/>
+              </a:spcBef>
+              <a:buNone/>
+              <a:defRPr sz="6000" kern="1200">
+                <a:solidFill>
+                  <a:schemeClr val="tx1"/>
+                </a:solidFill>
+                <a:latin typeface="+mj-lt"/>
+                <a:ea typeface="+mj-ea"/>
+                <a:cs typeface="+mj-cs"/>
+              </a:defRPr>
+            </a:lvl1pPr>
+          </a:lstStyle>
+          <a:p>
+            <a:pPr algn="l"/>
+            <a:r>
+              <a:rPr lang="en-US" sz="3600" b="1" dirty="0" smtClean="0">
+                <a:solidFill>
+                  <a:srgbClr val="FEFDDE"/>
+                </a:solidFill>
+                <a:latin typeface="Proxima Nova Rg" panose="02000506030000020004" pitchFamily="50" charset="0"/>
+              </a:rPr>
+              <a:t>navbar</a:t>
+            </a:r>
+            <a:endParaRPr lang="en-US" sz="3600" b="1" dirty="0">
+              <a:solidFill>
+                <a:srgbClr val="FEFDDE"/>
+              </a:solidFill>
+              <a:latin typeface="Proxima Nova Rg" panose="02000506030000020004" pitchFamily="50" charset="0"/>
+            </a:endParaRPr>
+          </a:p>
+        </p:txBody>
+      </p:sp>
+    </p:spTree>
+    <p:extLst>
+      <p:ext uri="{BB962C8B-B14F-4D97-AF65-F5344CB8AC3E}">
+        <p14:creationId xmlns:p14="http://schemas.microsoft.com/office/powerpoint/2010/main" val="1143481553"/>
+      </p:ext>
+    </p:extLst>
+  </p:cSld>
+  <p:clrMapOvr>
+    <a:masterClrMapping/>
+  </p:clrMapOvr>
+  <p:timing>
+    <p:tnLst>
+      <p:par>
+        <p:cTn id="1" dur="indefinite" restart="never" nodeType="tmRoot"/>
+      </p:par>
+    </p:tnLst>
+  </p:timing>
+</p:sld>
+</file>
+
+<file path=ppt/slides/slide41.xml><?xml version="1.0" encoding="utf-8"?>
+<p:sld xmlns:a="http://schemas.openxmlformats.org/drawingml/2006/main" xmlns:r="http://schemas.openxmlformats.org/officeDocument/2006/relationships" xmlns:p="http://schemas.openxmlformats.org/presentationml/2006/main">
+  <p:cSld>
+    <p:bg>
+      <p:bgPr>
+        <a:solidFill>
+          <a:srgbClr val="19B5FE"/>
+        </a:solidFill>
+        <a:effectLst/>
+      </p:bgPr>
+    </p:bg>
+    <p:spTree>
+      <p:nvGrpSpPr>
+        <p:cNvPr id="1" name=""/>
+        <p:cNvGrpSpPr/>
+        <p:nvPr/>
+      </p:nvGrpSpPr>
+      <p:grpSpPr>
+        <a:xfrm>
+          <a:off x="0" y="0"/>
+          <a:ext cx="0" cy="0"/>
+          <a:chOff x="0" y="0"/>
+          <a:chExt cx="0" cy="0"/>
+        </a:xfrm>
+      </p:grpSpPr>
+      <p:sp>
+        <p:nvSpPr>
+          <p:cNvPr id="2" name="Title 1"/>
+          <p:cNvSpPr>
+            <a:spLocks noGrp="1"/>
+          </p:cNvSpPr>
+          <p:nvPr>
+            <p:ph type="ctrTitle"/>
+          </p:nvPr>
+        </p:nvSpPr>
+        <p:spPr>
+          <a:xfrm>
+            <a:off x="0" y="2667000"/>
+            <a:ext cx="12191999" cy="1186260"/>
+          </a:xfrm>
+        </p:spPr>
+        <p:txBody>
+          <a:bodyPr>
+            <a:noAutofit/>
+          </a:bodyPr>
+          <a:lstStyle/>
+          <a:p>
+            <a:r>
+              <a:rPr lang="en-US" sz="7200" b="1" dirty="0" smtClean="0">
+                <a:solidFill>
+                  <a:srgbClr val="FEFDDE"/>
+                </a:solidFill>
+                <a:latin typeface="Proxima Nova Rg" panose="02000506030000020004" pitchFamily="50" charset="0"/>
+              </a:rPr>
+              <a:t>JAVASCRIPT</a:t>
+            </a:r>
+            <a:endParaRPr lang="en-US" sz="7200" b="1" dirty="0">
+              <a:solidFill>
+                <a:srgbClr val="FEFDDE"/>
+              </a:solidFill>
+              <a:latin typeface="Proxima Nova Rg" panose="02000506030000020004" pitchFamily="50" charset="0"/>
+            </a:endParaRPr>
+          </a:p>
+        </p:txBody>
+      </p:sp>
+      <p:sp>
+        <p:nvSpPr>
+          <p:cNvPr id="3" name="TextBox 2"/>
+          <p:cNvSpPr txBox="1"/>
+          <p:nvPr/>
+        </p:nvSpPr>
+        <p:spPr>
+          <a:xfrm>
+            <a:off x="4559970" y="3853260"/>
+            <a:ext cx="3072059" cy="369332"/>
+          </a:xfrm>
+          <a:prstGeom prst="rect">
+            <a:avLst/>
+          </a:prstGeom>
+          <a:noFill/>
+        </p:spPr>
+        <p:txBody>
+          <a:bodyPr wrap="none" rtlCol="0">
+            <a:spAutoFit/>
+          </a:bodyPr>
+          <a:lstStyle/>
+          <a:p>
+            <a:r>
+              <a:rPr lang="en-US" b="1" dirty="0" smtClean="0">
+                <a:solidFill>
+                  <a:schemeClr val="bg1">
+                    <a:lumMod val="95000"/>
+                  </a:schemeClr>
+                </a:solidFill>
+                <a:latin typeface="Proxima Nova Rg" panose="02000506030000020004" pitchFamily="50" charset="0"/>
+              </a:rPr>
+              <a:t>MAKE YOUR WEBSITE FUN</a:t>
+            </a:r>
+            <a:endParaRPr lang="en-US" b="1" dirty="0">
+              <a:solidFill>
+                <a:schemeClr val="bg1">
+                  <a:lumMod val="95000"/>
+                </a:schemeClr>
+              </a:solidFill>
+              <a:latin typeface="Proxima Nova Rg" panose="02000506030000020004" pitchFamily="50" charset="0"/>
+            </a:endParaRPr>
+          </a:p>
+        </p:txBody>
+      </p:sp>
+    </p:spTree>
+    <p:extLst>
+      <p:ext uri="{BB962C8B-B14F-4D97-AF65-F5344CB8AC3E}">
+        <p14:creationId xmlns:p14="http://schemas.microsoft.com/office/powerpoint/2010/main" val="3109147248"/>
       </p:ext>
     </p:extLst>
   </p:cSld>
